--- a/docs/thesis/Thesis Defense.pptx
+++ b/docs/thesis/Thesis Defense.pptx
@@ -14,8 +14,8 @@
     <p:sldId id="289" r:id="rId5"/>
     <p:sldId id="290" r:id="rId6"/>
     <p:sldId id="286" r:id="rId7"/>
-    <p:sldId id="285" r:id="rId8"/>
-    <p:sldId id="284" r:id="rId9"/>
+    <p:sldId id="284" r:id="rId8"/>
+    <p:sldId id="285" r:id="rId9"/>
     <p:sldId id="282" r:id="rId10"/>
     <p:sldId id="292" r:id="rId11"/>
     <p:sldId id="281" r:id="rId12"/>
@@ -173,7 +173,7 @@
               </a:defRPr>
             </a:pPr>
             <a:r>
-              <a:rPr lang="en-US" dirty="0"/>
+              <a:rPr lang="en-US"/>
               <a:t>Blocks Lost During Resync</a:t>
             </a:r>
           </a:p>
@@ -477,7 +477,7 @@
                   <c:v>26</c:v>
                 </c:pt>
                 <c:pt idx="6">
-                  <c:v>25</c:v>
+                  <c:v>26</c:v>
                 </c:pt>
                 <c:pt idx="7">
                   <c:v>26</c:v>
@@ -492,10 +492,10 @@
                   <c:v>26</c:v>
                 </c:pt>
                 <c:pt idx="11">
-                  <c:v>25</c:v>
+                  <c:v>26</c:v>
                 </c:pt>
                 <c:pt idx="12">
-                  <c:v>25</c:v>
+                  <c:v>26</c:v>
                 </c:pt>
                 <c:pt idx="13">
                   <c:v>26</c:v>
@@ -504,19 +504,19 @@
                   <c:v>26</c:v>
                 </c:pt>
                 <c:pt idx="15">
-                  <c:v>26</c:v>
+                  <c:v>25</c:v>
                 </c:pt>
                 <c:pt idx="16">
                   <c:v>26</c:v>
                 </c:pt>
                 <c:pt idx="17">
-                  <c:v>25</c:v>
+                  <c:v>26</c:v>
                 </c:pt>
                 <c:pt idx="18">
                   <c:v>26</c:v>
                 </c:pt>
                 <c:pt idx="19">
-                  <c:v>27</c:v>
+                  <c:v>26</c:v>
                 </c:pt>
                 <c:pt idx="20">
                   <c:v>26</c:v>
@@ -528,22 +528,22 @@
                   <c:v>26</c:v>
                 </c:pt>
                 <c:pt idx="23">
-                  <c:v>27</c:v>
+                  <c:v>26</c:v>
                 </c:pt>
                 <c:pt idx="24">
                   <c:v>26</c:v>
                 </c:pt>
                 <c:pt idx="25">
-                  <c:v>27</c:v>
+                  <c:v>25</c:v>
                 </c:pt>
                 <c:pt idx="26">
-                  <c:v>27</c:v>
+                  <c:v>26</c:v>
                 </c:pt>
                 <c:pt idx="27">
+                  <c:v>25</c:v>
+                </c:pt>
+                <c:pt idx="28">
                   <c:v>26</c:v>
-                </c:pt>
-                <c:pt idx="28">
-                  <c:v>25</c:v>
                 </c:pt>
                 <c:pt idx="29">
                   <c:v>26</c:v>
@@ -555,7 +555,7 @@
                   <c:v>26</c:v>
                 </c:pt>
                 <c:pt idx="32">
-                  <c:v>27</c:v>
+                  <c:v>26</c:v>
                 </c:pt>
                 <c:pt idx="33">
                   <c:v>26</c:v>
@@ -564,28 +564,28 @@
                   <c:v>26</c:v>
                 </c:pt>
                 <c:pt idx="35">
-                  <c:v>25</c:v>
+                  <c:v>26</c:v>
                 </c:pt>
                 <c:pt idx="36">
                   <c:v>26</c:v>
                 </c:pt>
                 <c:pt idx="37">
+                  <c:v>26</c:v>
+                </c:pt>
+                <c:pt idx="38">
+                  <c:v>26</c:v>
+                </c:pt>
+                <c:pt idx="39">
                   <c:v>25</c:v>
-                </c:pt>
-                <c:pt idx="38">
-                  <c:v>27</c:v>
-                </c:pt>
-                <c:pt idx="39">
-                  <c:v>26</c:v>
                 </c:pt>
                 <c:pt idx="40">
                   <c:v>26</c:v>
                 </c:pt>
                 <c:pt idx="41">
-                  <c:v>27</c:v>
+                  <c:v>26</c:v>
                 </c:pt>
                 <c:pt idx="42">
-                  <c:v>27</c:v>
+                  <c:v>26</c:v>
                 </c:pt>
                 <c:pt idx="43">
                   <c:v>26</c:v>
@@ -603,13 +603,13 @@
                   <c:v>26</c:v>
                 </c:pt>
                 <c:pt idx="48">
-                  <c:v>26</c:v>
+                  <c:v>27</c:v>
                 </c:pt>
                 <c:pt idx="49">
                   <c:v>26</c:v>
                 </c:pt>
                 <c:pt idx="50">
-                  <c:v>27</c:v>
+                  <c:v>26</c:v>
                 </c:pt>
                 <c:pt idx="51">
                   <c:v>26</c:v>
@@ -621,13 +621,13 @@
                   <c:v>26</c:v>
                 </c:pt>
                 <c:pt idx="54">
-                  <c:v>26</c:v>
+                  <c:v>27</c:v>
                 </c:pt>
                 <c:pt idx="55">
                   <c:v>26</c:v>
                 </c:pt>
                 <c:pt idx="56">
-                  <c:v>25</c:v>
+                  <c:v>26</c:v>
                 </c:pt>
                 <c:pt idx="57">
                   <c:v>26</c:v>
@@ -636,7 +636,7 @@
                   <c:v>26</c:v>
                 </c:pt>
                 <c:pt idx="59">
-                  <c:v>25</c:v>
+                  <c:v>26</c:v>
                 </c:pt>
                 <c:pt idx="60">
                   <c:v>26</c:v>
@@ -648,13 +648,13 @@
                   <c:v>26</c:v>
                 </c:pt>
                 <c:pt idx="63">
-                  <c:v>27</c:v>
+                  <c:v>26</c:v>
                 </c:pt>
                 <c:pt idx="64">
-                  <c:v>25</c:v>
+                  <c:v>26</c:v>
                 </c:pt>
                 <c:pt idx="65">
-                  <c:v>26.5</c:v>
+                  <c:v>26</c:v>
                 </c:pt>
               </c:numCache>
               <c:extLst xmlns:c15="http://schemas.microsoft.com/office/drawing/2012/chart"/>
@@ -663,7 +663,7 @@
           <c:smooth val="0"/>
           <c:extLst xmlns:c15="http://schemas.microsoft.com/office/drawing/2012/chart">
             <c:ext xmlns:c16="http://schemas.microsoft.com/office/drawing/2014/chart" uri="{C3380CC4-5D6E-409C-BE32-E72D297353CC}">
-              <c16:uniqueId val="{00000000-7DD2-4BA5-B931-DE43F22DA74B}"/>
+              <c16:uniqueId val="{00000000-CC84-4FBD-9705-4876DA3535AE}"/>
             </c:ext>
           </c:extLst>
         </c:ser>
@@ -919,7 +919,7 @@
                   <c:v>26</c:v>
                 </c:pt>
                 <c:pt idx="2">
-                  <c:v>26</c:v>
+                  <c:v>27</c:v>
                 </c:pt>
                 <c:pt idx="3">
                   <c:v>27</c:v>
@@ -928,49 +928,49 @@
                   <c:v>27</c:v>
                 </c:pt>
                 <c:pt idx="5">
-                  <c:v>28</c:v>
+                  <c:v>27</c:v>
                 </c:pt>
                 <c:pt idx="6">
-                  <c:v>28</c:v>
+                  <c:v>27</c:v>
                 </c:pt>
                 <c:pt idx="7">
-                  <c:v>28</c:v>
+                  <c:v>27</c:v>
                 </c:pt>
                 <c:pt idx="8">
+                  <c:v>26</c:v>
+                </c:pt>
+                <c:pt idx="9">
                   <c:v>27</c:v>
                 </c:pt>
-                <c:pt idx="9">
-                  <c:v>28</c:v>
-                </c:pt>
                 <c:pt idx="10">
-                  <c:v>27</c:v>
+                  <c:v>26</c:v>
                 </c:pt>
                 <c:pt idx="11">
                   <c:v>27</c:v>
                 </c:pt>
                 <c:pt idx="12">
+                  <c:v>27</c:v>
+                </c:pt>
+                <c:pt idx="13">
                   <c:v>28</c:v>
-                </c:pt>
-                <c:pt idx="13">
-                  <c:v>27</c:v>
                 </c:pt>
                 <c:pt idx="14">
                   <c:v>27</c:v>
                 </c:pt>
                 <c:pt idx="15">
-                  <c:v>26</c:v>
+                  <c:v>27</c:v>
                 </c:pt>
                 <c:pt idx="16">
+                  <c:v>28</c:v>
+                </c:pt>
+                <c:pt idx="17">
+                  <c:v>28</c:v>
+                </c:pt>
+                <c:pt idx="18">
+                  <c:v>28</c:v>
+                </c:pt>
+                <c:pt idx="19">
                   <c:v>27</c:v>
-                </c:pt>
-                <c:pt idx="17">
-                  <c:v>27</c:v>
-                </c:pt>
-                <c:pt idx="18">
-                  <c:v>27</c:v>
-                </c:pt>
-                <c:pt idx="19">
-                  <c:v>26</c:v>
                 </c:pt>
                 <c:pt idx="20">
                   <c:v>27</c:v>
@@ -982,7 +982,7 @@
                   <c:v>27</c:v>
                 </c:pt>
                 <c:pt idx="23">
-                  <c:v>28</c:v>
+                  <c:v>27</c:v>
                 </c:pt>
                 <c:pt idx="24">
                   <c:v>27</c:v>
@@ -991,10 +991,10 @@
                   <c:v>27</c:v>
                 </c:pt>
                 <c:pt idx="26">
-                  <c:v>28</c:v>
+                  <c:v>27</c:v>
                 </c:pt>
                 <c:pt idx="27">
-                  <c:v>28</c:v>
+                  <c:v>27</c:v>
                 </c:pt>
                 <c:pt idx="28">
                   <c:v>27</c:v>
@@ -1015,22 +1015,22 @@
                   <c:v>27</c:v>
                 </c:pt>
                 <c:pt idx="34">
-                  <c:v>26</c:v>
+                  <c:v>28</c:v>
                 </c:pt>
                 <c:pt idx="35">
+                  <c:v>27</c:v>
+                </c:pt>
+                <c:pt idx="36">
+                  <c:v>27</c:v>
+                </c:pt>
+                <c:pt idx="37">
                   <c:v>28</c:v>
                 </c:pt>
-                <c:pt idx="36">
-                  <c:v>28</c:v>
-                </c:pt>
-                <c:pt idx="37">
+                <c:pt idx="38">
                   <c:v>27</c:v>
                 </c:pt>
-                <c:pt idx="38">
-                  <c:v>28</c:v>
-                </c:pt>
                 <c:pt idx="39">
-                  <c:v>28</c:v>
+                  <c:v>27</c:v>
                 </c:pt>
                 <c:pt idx="40">
                   <c:v>27</c:v>
@@ -1045,22 +1045,22 @@
                   <c:v>27</c:v>
                 </c:pt>
                 <c:pt idx="44">
-                  <c:v>27</c:v>
+                  <c:v>26</c:v>
                 </c:pt>
                 <c:pt idx="45">
                   <c:v>27</c:v>
                 </c:pt>
                 <c:pt idx="46">
+                  <c:v>27</c:v>
+                </c:pt>
+                <c:pt idx="47">
                   <c:v>28</c:v>
                 </c:pt>
-                <c:pt idx="47">
+                <c:pt idx="48">
                   <c:v>27</c:v>
                 </c:pt>
-                <c:pt idx="48">
-                  <c:v>28</c:v>
-                </c:pt>
                 <c:pt idx="49">
-                  <c:v>28</c:v>
+                  <c:v>27</c:v>
                 </c:pt>
                 <c:pt idx="50">
                   <c:v>27</c:v>
@@ -1069,7 +1069,7 @@
                   <c:v>27</c:v>
                 </c:pt>
                 <c:pt idx="52">
-                  <c:v>29</c:v>
+                  <c:v>27</c:v>
                 </c:pt>
                 <c:pt idx="53">
                   <c:v>27</c:v>
@@ -1078,7 +1078,7 @@
                   <c:v>27</c:v>
                 </c:pt>
                 <c:pt idx="55">
-                  <c:v>28</c:v>
+                  <c:v>27</c:v>
                 </c:pt>
                 <c:pt idx="56">
                   <c:v>27</c:v>
@@ -1087,25 +1087,25 @@
                   <c:v>28</c:v>
                 </c:pt>
                 <c:pt idx="58">
-                  <c:v>28</c:v>
+                  <c:v>27</c:v>
                 </c:pt>
                 <c:pt idx="59">
                   <c:v>27</c:v>
                 </c:pt>
                 <c:pt idx="60">
-                  <c:v>27</c:v>
+                  <c:v>28</c:v>
                 </c:pt>
                 <c:pt idx="61">
-                  <c:v>30</c:v>
+                  <c:v>28</c:v>
                 </c:pt>
                 <c:pt idx="62">
-                  <c:v>27</c:v>
+                  <c:v>28</c:v>
                 </c:pt>
                 <c:pt idx="63">
                   <c:v>28</c:v>
                 </c:pt>
                 <c:pt idx="64">
-                  <c:v>25</c:v>
+                  <c:v>26</c:v>
                 </c:pt>
               </c:numCache>
             </c:numRef>
@@ -1113,7 +1113,7 @@
           <c:smooth val="0"/>
           <c:extLst>
             <c:ext xmlns:c16="http://schemas.microsoft.com/office/drawing/2014/chart" uri="{C3380CC4-5D6E-409C-BE32-E72D297353CC}">
-              <c16:uniqueId val="{00000001-7DD2-4BA5-B931-DE43F22DA74B}"/>
+              <c16:uniqueId val="{00000001-CC84-4FBD-9705-4876DA3535AE}"/>
             </c:ext>
           </c:extLst>
         </c:ser>
@@ -1378,10 +1378,10 @@
                   <c:v>27</c:v>
                 </c:pt>
                 <c:pt idx="5">
-                  <c:v>28</c:v>
+                  <c:v>27</c:v>
                 </c:pt>
                 <c:pt idx="6">
-                  <c:v>26</c:v>
+                  <c:v>27</c:v>
                 </c:pt>
                 <c:pt idx="7">
                   <c:v>27</c:v>
@@ -1396,10 +1396,10 @@
                   <c:v>27</c:v>
                 </c:pt>
                 <c:pt idx="11">
+                  <c:v>27</c:v>
+                </c:pt>
+                <c:pt idx="12">
                   <c:v>28</c:v>
-                </c:pt>
-                <c:pt idx="12">
-                  <c:v>29</c:v>
                 </c:pt>
                 <c:pt idx="13">
                   <c:v>27</c:v>
@@ -1411,25 +1411,25 @@
                   <c:v>26</c:v>
                 </c:pt>
                 <c:pt idx="16">
+                  <c:v>27</c:v>
+                </c:pt>
+                <c:pt idx="17">
+                  <c:v>27</c:v>
+                </c:pt>
+                <c:pt idx="18">
                   <c:v>28</c:v>
                 </c:pt>
-                <c:pt idx="17">
-                  <c:v>28</c:v>
-                </c:pt>
-                <c:pt idx="18">
+                <c:pt idx="19">
                   <c:v>27</c:v>
-                </c:pt>
-                <c:pt idx="19">
-                  <c:v>28</c:v>
                 </c:pt>
                 <c:pt idx="20">
                   <c:v>27</c:v>
                 </c:pt>
                 <c:pt idx="21">
-                  <c:v>24</c:v>
+                  <c:v>26</c:v>
                 </c:pt>
                 <c:pt idx="22">
-                  <c:v>26</c:v>
+                  <c:v>27</c:v>
                 </c:pt>
                 <c:pt idx="23">
                   <c:v>27</c:v>
@@ -1441,16 +1441,16 @@
                   <c:v>27</c:v>
                 </c:pt>
                 <c:pt idx="26">
+                  <c:v>26</c:v>
+                </c:pt>
+                <c:pt idx="27">
+                  <c:v>26</c:v>
+                </c:pt>
+                <c:pt idx="28">
                   <c:v>27</c:v>
                 </c:pt>
-                <c:pt idx="27">
+                <c:pt idx="29">
                   <c:v>27</c:v>
-                </c:pt>
-                <c:pt idx="28">
-                  <c:v>28</c:v>
-                </c:pt>
-                <c:pt idx="29">
-                  <c:v>28</c:v>
                 </c:pt>
                 <c:pt idx="30">
                   <c:v>27</c:v>
@@ -1459,10 +1459,10 @@
                   <c:v>27</c:v>
                 </c:pt>
                 <c:pt idx="32">
+                  <c:v>26</c:v>
+                </c:pt>
+                <c:pt idx="33">
                   <c:v>27</c:v>
-                </c:pt>
-                <c:pt idx="33">
-                  <c:v>28</c:v>
                 </c:pt>
                 <c:pt idx="34">
                   <c:v>27</c:v>
@@ -1474,7 +1474,7 @@
                   <c:v>27</c:v>
                 </c:pt>
                 <c:pt idx="37">
-                  <c:v>26</c:v>
+                  <c:v>27</c:v>
                 </c:pt>
                 <c:pt idx="38">
                   <c:v>27</c:v>
@@ -1495,22 +1495,22 @@
                   <c:v>29</c:v>
                 </c:pt>
                 <c:pt idx="44">
+                  <c:v>28</c:v>
+                </c:pt>
+                <c:pt idx="45">
                   <c:v>27</c:v>
-                </c:pt>
-                <c:pt idx="45">
-                  <c:v>28</c:v>
                 </c:pt>
                 <c:pt idx="46">
                   <c:v>27</c:v>
                 </c:pt>
                 <c:pt idx="47">
-                  <c:v>28</c:v>
+                  <c:v>27</c:v>
                 </c:pt>
                 <c:pt idx="48">
                   <c:v>27</c:v>
                 </c:pt>
                 <c:pt idx="49">
-                  <c:v>28</c:v>
+                  <c:v>27</c:v>
                 </c:pt>
                 <c:pt idx="50">
                   <c:v>28</c:v>
@@ -1522,40 +1522,40 @@
                   <c:v>27</c:v>
                 </c:pt>
                 <c:pt idx="53">
-                  <c:v>28</c:v>
+                  <c:v>26</c:v>
                 </c:pt>
                 <c:pt idx="54">
                   <c:v>27</c:v>
                 </c:pt>
                 <c:pt idx="55">
+                  <c:v>28</c:v>
+                </c:pt>
+                <c:pt idx="56">
+                  <c:v>28</c:v>
+                </c:pt>
+                <c:pt idx="57">
                   <c:v>27</c:v>
-                </c:pt>
-                <c:pt idx="56">
-                  <c:v>27</c:v>
-                </c:pt>
-                <c:pt idx="57">
-                  <c:v>29</c:v>
                 </c:pt>
                 <c:pt idx="58">
                   <c:v>27</c:v>
                 </c:pt>
                 <c:pt idx="59">
-                  <c:v>26</c:v>
+                  <c:v>27</c:v>
                 </c:pt>
                 <c:pt idx="60">
-                  <c:v>27</c:v>
+                  <c:v>28</c:v>
                 </c:pt>
                 <c:pt idx="61">
-                  <c:v>27</c:v>
+                  <c:v>28</c:v>
                 </c:pt>
                 <c:pt idx="62">
-                  <c:v>29</c:v>
+                  <c:v>28</c:v>
                 </c:pt>
                 <c:pt idx="63">
                   <c:v>27</c:v>
                 </c:pt>
                 <c:pt idx="64">
-                  <c:v>26</c:v>
+                  <c:v>27</c:v>
                 </c:pt>
               </c:numCache>
             </c:numRef>
@@ -1563,7 +1563,7 @@
           <c:smooth val="0"/>
           <c:extLst>
             <c:ext xmlns:c16="http://schemas.microsoft.com/office/drawing/2014/chart" uri="{C3380CC4-5D6E-409C-BE32-E72D297353CC}">
-              <c16:uniqueId val="{00000002-7DD2-4BA5-B931-DE43F22DA74B}"/>
+              <c16:uniqueId val="{00000002-CC84-4FBD-9705-4876DA3535AE}"/>
             </c:ext>
           </c:extLst>
         </c:ser>
@@ -1816,28 +1816,28 @@
                   <c:v>28</c:v>
                 </c:pt>
                 <c:pt idx="1">
-                  <c:v>29</c:v>
+                  <c:v>28</c:v>
                 </c:pt>
                 <c:pt idx="2">
-                  <c:v>27</c:v>
+                  <c:v>28</c:v>
                 </c:pt>
                 <c:pt idx="3">
-                  <c:v>27</c:v>
+                  <c:v>28</c:v>
                 </c:pt>
                 <c:pt idx="4">
-                  <c:v>26</c:v>
+                  <c:v>28</c:v>
                 </c:pt>
                 <c:pt idx="5">
                   <c:v>28</c:v>
                 </c:pt>
                 <c:pt idx="6">
-                  <c:v>27</c:v>
+                  <c:v>28</c:v>
                 </c:pt>
                 <c:pt idx="7">
                   <c:v>28</c:v>
                 </c:pt>
                 <c:pt idx="8">
-                  <c:v>28</c:v>
+                  <c:v>27</c:v>
                 </c:pt>
                 <c:pt idx="9">
                   <c:v>28</c:v>
@@ -1846,28 +1846,28 @@
                   <c:v>26</c:v>
                 </c:pt>
                 <c:pt idx="11">
-                  <c:v>27</c:v>
+                  <c:v>28</c:v>
                 </c:pt>
                 <c:pt idx="12">
                   <c:v>28</c:v>
                 </c:pt>
                 <c:pt idx="13">
+                  <c:v>28</c:v>
+                </c:pt>
+                <c:pt idx="14">
+                  <c:v>28</c:v>
+                </c:pt>
+                <c:pt idx="15">
+                  <c:v>29</c:v>
+                </c:pt>
+                <c:pt idx="16">
                   <c:v>27</c:v>
-                </c:pt>
-                <c:pt idx="14">
-                  <c:v>27</c:v>
-                </c:pt>
-                <c:pt idx="15">
-                  <c:v>27</c:v>
-                </c:pt>
-                <c:pt idx="16">
-                  <c:v>28</c:v>
                 </c:pt>
                 <c:pt idx="17">
                   <c:v>28</c:v>
                 </c:pt>
                 <c:pt idx="18">
-                  <c:v>28</c:v>
+                  <c:v>27</c:v>
                 </c:pt>
                 <c:pt idx="19">
                   <c:v>28</c:v>
@@ -1876,52 +1876,52 @@
                   <c:v>28</c:v>
                 </c:pt>
                 <c:pt idx="21">
+                  <c:v>27</c:v>
+                </c:pt>
+                <c:pt idx="22">
                   <c:v>28</c:v>
-                </c:pt>
-                <c:pt idx="22">
-                  <c:v>27</c:v>
                 </c:pt>
                 <c:pt idx="23">
                   <c:v>28</c:v>
                 </c:pt>
                 <c:pt idx="24">
+                  <c:v>29</c:v>
+                </c:pt>
+                <c:pt idx="25">
                   <c:v>28</c:v>
                 </c:pt>
-                <c:pt idx="25">
+                <c:pt idx="26">
                   <c:v>27</c:v>
                 </c:pt>
-                <c:pt idx="26">
-                  <c:v>28</c:v>
-                </c:pt>
                 <c:pt idx="27">
-                  <c:v>28</c:v>
+                  <c:v>27</c:v>
                 </c:pt>
                 <c:pt idx="28">
-                  <c:v>28</c:v>
+                  <c:v>27</c:v>
                 </c:pt>
                 <c:pt idx="29">
                   <c:v>28</c:v>
                 </c:pt>
                 <c:pt idx="30">
-                  <c:v>29</c:v>
+                  <c:v>28</c:v>
                 </c:pt>
                 <c:pt idx="31">
                   <c:v>28</c:v>
                 </c:pt>
                 <c:pt idx="32">
-                  <c:v>30</c:v>
+                  <c:v>29</c:v>
                 </c:pt>
                 <c:pt idx="33">
-                  <c:v>26</c:v>
+                  <c:v>28</c:v>
                 </c:pt>
                 <c:pt idx="34">
+                  <c:v>28</c:v>
+                </c:pt>
+                <c:pt idx="35">
+                  <c:v>28</c:v>
+                </c:pt>
+                <c:pt idx="36">
                   <c:v>27</c:v>
-                </c:pt>
-                <c:pt idx="35">
-                  <c:v>27</c:v>
-                </c:pt>
-                <c:pt idx="36">
-                  <c:v>26</c:v>
                 </c:pt>
                 <c:pt idx="37">
                   <c:v>28</c:v>
@@ -1930,43 +1930,43 @@
                   <c:v>28</c:v>
                 </c:pt>
                 <c:pt idx="39">
-                  <c:v>27</c:v>
+                  <c:v>28</c:v>
                 </c:pt>
                 <c:pt idx="40">
                   <c:v>28</c:v>
                 </c:pt>
                 <c:pt idx="41">
-                  <c:v>26</c:v>
+                  <c:v>27</c:v>
                 </c:pt>
                 <c:pt idx="42">
+                  <c:v>28</c:v>
+                </c:pt>
+                <c:pt idx="43">
+                  <c:v>30</c:v>
+                </c:pt>
+                <c:pt idx="44">
+                  <c:v>27</c:v>
+                </c:pt>
+                <c:pt idx="45">
                   <c:v>29</c:v>
                 </c:pt>
-                <c:pt idx="43">
-                  <c:v>31</c:v>
-                </c:pt>
-                <c:pt idx="44">
-                  <c:v>29</c:v>
-                </c:pt>
-                <c:pt idx="45">
-                  <c:v>26</c:v>
-                </c:pt>
                 <c:pt idx="46">
-                  <c:v>27</c:v>
+                  <c:v>28</c:v>
                 </c:pt>
                 <c:pt idx="47">
-                  <c:v>29</c:v>
+                  <c:v>28</c:v>
                 </c:pt>
                 <c:pt idx="48">
                   <c:v>28</c:v>
                 </c:pt>
                 <c:pt idx="49">
-                  <c:v>28</c:v>
+                  <c:v>27</c:v>
                 </c:pt>
                 <c:pt idx="50">
                   <c:v>28</c:v>
                 </c:pt>
                 <c:pt idx="51">
-                  <c:v>27</c:v>
+                  <c:v>28</c:v>
                 </c:pt>
                 <c:pt idx="52">
                   <c:v>28</c:v>
@@ -1975,28 +1975,28 @@
                   <c:v>28</c:v>
                 </c:pt>
                 <c:pt idx="54">
-                  <c:v>30</c:v>
+                  <c:v>31</c:v>
                 </c:pt>
                 <c:pt idx="55">
-                  <c:v>30</c:v>
+                  <c:v>28</c:v>
                 </c:pt>
                 <c:pt idx="56">
-                  <c:v>28</c:v>
+                  <c:v>27</c:v>
                 </c:pt>
                 <c:pt idx="57">
-                  <c:v>27</c:v>
+                  <c:v>29</c:v>
                 </c:pt>
                 <c:pt idx="58">
                   <c:v>28</c:v>
                 </c:pt>
                 <c:pt idx="59">
-                  <c:v>27</c:v>
+                  <c:v>29</c:v>
                 </c:pt>
                 <c:pt idx="60">
-                  <c:v>28</c:v>
+                  <c:v>29</c:v>
                 </c:pt>
                 <c:pt idx="61">
-                  <c:v>27</c:v>
+                  <c:v>29</c:v>
                 </c:pt>
                 <c:pt idx="62">
                   <c:v>28</c:v>
@@ -2013,7 +2013,7 @@
           <c:smooth val="0"/>
           <c:extLst>
             <c:ext xmlns:c16="http://schemas.microsoft.com/office/drawing/2014/chart" uri="{C3380CC4-5D6E-409C-BE32-E72D297353CC}">
-              <c16:uniqueId val="{00000003-7DD2-4BA5-B931-DE43F22DA74B}"/>
+              <c16:uniqueId val="{00000003-CC84-4FBD-9705-4876DA3535AE}"/>
             </c:ext>
           </c:extLst>
         </c:ser>
@@ -2265,28 +2265,28 @@
                 <c:formatCode>General</c:formatCode>
                 <c:ptCount val="66"/>
                 <c:pt idx="0">
+                  <c:v>28</c:v>
+                </c:pt>
+                <c:pt idx="1">
                   <c:v>29</c:v>
-                </c:pt>
-                <c:pt idx="1">
-                  <c:v>28</c:v>
                 </c:pt>
                 <c:pt idx="2">
                   <c:v>28</c:v>
                 </c:pt>
                 <c:pt idx="3">
-                  <c:v>29</c:v>
+                  <c:v>30</c:v>
                 </c:pt>
                 <c:pt idx="4">
                   <c:v>29</c:v>
                 </c:pt>
                 <c:pt idx="5">
-                  <c:v>22</c:v>
+                  <c:v>24</c:v>
                 </c:pt>
                 <c:pt idx="6">
+                  <c:v>30</c:v>
+                </c:pt>
+                <c:pt idx="7">
                   <c:v>29</c:v>
-                </c:pt>
-                <c:pt idx="7">
-                  <c:v>30</c:v>
                 </c:pt>
                 <c:pt idx="8">
                   <c:v>29</c:v>
@@ -2301,37 +2301,37 @@
                   <c:v>26</c:v>
                 </c:pt>
                 <c:pt idx="12">
-                  <c:v>31</c:v>
+                  <c:v>29</c:v>
                 </c:pt>
                 <c:pt idx="13">
                   <c:v>29</c:v>
                 </c:pt>
                 <c:pt idx="14">
-                  <c:v>29</c:v>
+                  <c:v>28</c:v>
                 </c:pt>
                 <c:pt idx="15">
                   <c:v>29</c:v>
                 </c:pt>
                 <c:pt idx="16">
-                  <c:v>29</c:v>
+                  <c:v>30</c:v>
                 </c:pt>
                 <c:pt idx="17">
-                  <c:v>27</c:v>
+                  <c:v>28</c:v>
                 </c:pt>
                 <c:pt idx="18">
                   <c:v>29</c:v>
                 </c:pt>
                 <c:pt idx="19">
+                  <c:v>28</c:v>
+                </c:pt>
+                <c:pt idx="20">
                   <c:v>29</c:v>
                 </c:pt>
-                <c:pt idx="20">
+                <c:pt idx="21">
+                  <c:v>29</c:v>
+                </c:pt>
+                <c:pt idx="22">
                   <c:v>30</c:v>
-                </c:pt>
-                <c:pt idx="21">
-                  <c:v>28</c:v>
-                </c:pt>
-                <c:pt idx="22">
-                  <c:v>29</c:v>
                 </c:pt>
                 <c:pt idx="23">
                   <c:v>29</c:v>
@@ -2340,37 +2340,37 @@
                   <c:v>29</c:v>
                 </c:pt>
                 <c:pt idx="25">
-                  <c:v>30</c:v>
+                  <c:v>28</c:v>
                 </c:pt>
                 <c:pt idx="26">
+                  <c:v>28</c:v>
+                </c:pt>
+                <c:pt idx="27">
+                  <c:v>28</c:v>
+                </c:pt>
+                <c:pt idx="28">
                   <c:v>29</c:v>
-                </c:pt>
-                <c:pt idx="27">
-                  <c:v>30</c:v>
-                </c:pt>
-                <c:pt idx="28">
-                  <c:v>30</c:v>
                 </c:pt>
                 <c:pt idx="29">
                   <c:v>29</c:v>
                 </c:pt>
                 <c:pt idx="30">
-                  <c:v>31</c:v>
+                  <c:v>29</c:v>
                 </c:pt>
                 <c:pt idx="31">
+                  <c:v>29</c:v>
+                </c:pt>
+                <c:pt idx="32">
+                  <c:v>28</c:v>
+                </c:pt>
+                <c:pt idx="33">
                   <c:v>30</c:v>
-                </c:pt>
-                <c:pt idx="32">
-                  <c:v>29</c:v>
-                </c:pt>
-                <c:pt idx="33">
-                  <c:v>29</c:v>
                 </c:pt>
                 <c:pt idx="34">
                   <c:v>29</c:v>
                 </c:pt>
                 <c:pt idx="35">
-                  <c:v>30</c:v>
+                  <c:v>31</c:v>
                 </c:pt>
                 <c:pt idx="36">
                   <c:v>30</c:v>
@@ -2379,31 +2379,31 @@
                   <c:v>29</c:v>
                 </c:pt>
                 <c:pt idx="38">
-                  <c:v>29</c:v>
+                  <c:v>28</c:v>
                 </c:pt>
                 <c:pt idx="39">
                   <c:v>29</c:v>
                 </c:pt>
                 <c:pt idx="40">
-                  <c:v>30</c:v>
+                  <c:v>29</c:v>
                 </c:pt>
                 <c:pt idx="41">
-                  <c:v>31</c:v>
+                  <c:v>33</c:v>
                 </c:pt>
                 <c:pt idx="42">
                   <c:v>29</c:v>
                 </c:pt>
                 <c:pt idx="43">
-                  <c:v>31</c:v>
+                  <c:v>29</c:v>
                 </c:pt>
                 <c:pt idx="44">
                   <c:v>29</c:v>
                 </c:pt>
                 <c:pt idx="45">
-                  <c:v>28</c:v>
+                  <c:v>29</c:v>
                 </c:pt>
                 <c:pt idx="46">
-                  <c:v>28</c:v>
+                  <c:v>29</c:v>
                 </c:pt>
                 <c:pt idx="47">
                   <c:v>32</c:v>
@@ -2424,28 +2424,28 @@
                   <c:v>30</c:v>
                 </c:pt>
                 <c:pt idx="53">
-                  <c:v>34</c:v>
+                  <c:v>33</c:v>
                 </c:pt>
                 <c:pt idx="54">
                   <c:v>29</c:v>
                 </c:pt>
                 <c:pt idx="55">
-                  <c:v>30</c:v>
+                  <c:v>29</c:v>
                 </c:pt>
                 <c:pt idx="56">
-                  <c:v>30</c:v>
+                  <c:v>28</c:v>
                 </c:pt>
                 <c:pt idx="57">
                   <c:v>29</c:v>
                 </c:pt>
                 <c:pt idx="58">
-                  <c:v>29</c:v>
+                  <c:v>30</c:v>
                 </c:pt>
                 <c:pt idx="59">
                   <c:v>35</c:v>
                 </c:pt>
                 <c:pt idx="60">
-                  <c:v>31</c:v>
+                  <c:v>30</c:v>
                 </c:pt>
                 <c:pt idx="61">
                   <c:v>29</c:v>
@@ -2457,10 +2457,10 @@
                   <c:v>30</c:v>
                 </c:pt>
                 <c:pt idx="64">
-                  <c:v>28</c:v>
+                  <c:v>29</c:v>
                 </c:pt>
                 <c:pt idx="65">
-                  <c:v>29.5</c:v>
+                  <c:v>29.25</c:v>
                 </c:pt>
               </c:numCache>
               <c:extLst xmlns:c15="http://schemas.microsoft.com/office/drawing/2012/chart"/>
@@ -2469,7 +2469,7 @@
           <c:smooth val="0"/>
           <c:extLst xmlns:c15="http://schemas.microsoft.com/office/drawing/2012/chart">
             <c:ext xmlns:c16="http://schemas.microsoft.com/office/drawing/2014/chart" uri="{C3380CC4-5D6E-409C-BE32-E72D297353CC}">
-              <c16:uniqueId val="{00000004-7DD2-4BA5-B931-DE43F22DA74B}"/>
+              <c16:uniqueId val="{00000004-CC84-4FBD-9705-4876DA3535AE}"/>
             </c:ext>
           </c:extLst>
         </c:ser>
@@ -2721,16 +2721,16 @@
                 <c:formatCode>General</c:formatCode>
                 <c:ptCount val="61"/>
                 <c:pt idx="0">
-                  <c:v>31</c:v>
+                  <c:v>33</c:v>
                 </c:pt>
                 <c:pt idx="1">
+                  <c:v>32</c:v>
+                </c:pt>
+                <c:pt idx="2">
+                  <c:v>24</c:v>
+                </c:pt>
+                <c:pt idx="3">
                   <c:v>34</c:v>
-                </c:pt>
-                <c:pt idx="2">
-                  <c:v>32</c:v>
-                </c:pt>
-                <c:pt idx="3">
-                  <c:v>32</c:v>
                 </c:pt>
                 <c:pt idx="4">
                   <c:v>33</c:v>
@@ -2739,13 +2739,13 @@
                   <c:v>25</c:v>
                 </c:pt>
                 <c:pt idx="6">
-                  <c:v>34</c:v>
+                  <c:v>32</c:v>
                 </c:pt>
                 <c:pt idx="7">
-                  <c:v>31</c:v>
+                  <c:v>33</c:v>
                 </c:pt>
                 <c:pt idx="8">
-                  <c:v>35</c:v>
+                  <c:v>26</c:v>
                 </c:pt>
                 <c:pt idx="9">
                   <c:v>33</c:v>
@@ -2757,127 +2757,127 @@
                   <c:v>26</c:v>
                 </c:pt>
                 <c:pt idx="12">
+                  <c:v>33</c:v>
+                </c:pt>
+                <c:pt idx="13">
+                  <c:v>33</c:v>
+                </c:pt>
+                <c:pt idx="14">
                   <c:v>28</c:v>
                 </c:pt>
-                <c:pt idx="13">
+                <c:pt idx="15">
+                  <c:v>34</c:v>
+                </c:pt>
+                <c:pt idx="16">
+                  <c:v>33</c:v>
+                </c:pt>
+                <c:pt idx="17">
+                  <c:v>30</c:v>
+                </c:pt>
+                <c:pt idx="18">
+                  <c:v>34</c:v>
+                </c:pt>
+                <c:pt idx="19">
+                  <c:v>33</c:v>
+                </c:pt>
+                <c:pt idx="20">
+                  <c:v>29</c:v>
+                </c:pt>
+                <c:pt idx="21">
+                  <c:v>32</c:v>
+                </c:pt>
+                <c:pt idx="22">
+                  <c:v>32</c:v>
+                </c:pt>
+                <c:pt idx="23">
                   <c:v>31</c:v>
                 </c:pt>
-                <c:pt idx="14">
+                <c:pt idx="24">
+                  <c:v>34</c:v>
+                </c:pt>
+                <c:pt idx="25">
+                  <c:v>33</c:v>
+                </c:pt>
+                <c:pt idx="26">
+                  <c:v>32</c:v>
+                </c:pt>
+                <c:pt idx="27">
                   <c:v>35</c:v>
                 </c:pt>
-                <c:pt idx="15">
+                <c:pt idx="28">
+                  <c:v>34</c:v>
+                </c:pt>
+                <c:pt idx="29">
                   <c:v>33</c:v>
                 </c:pt>
-                <c:pt idx="16">
-                  <c:v>36</c:v>
-                </c:pt>
-                <c:pt idx="17">
-                  <c:v>29</c:v>
-                </c:pt>
-                <c:pt idx="18">
-                  <c:v>32</c:v>
-                </c:pt>
-                <c:pt idx="19">
-                  <c:v>35</c:v>
-                </c:pt>
-                <c:pt idx="20">
+                <c:pt idx="30">
+                  <c:v>33</c:v>
+                </c:pt>
+                <c:pt idx="31">
                   <c:v>34</c:v>
-                </c:pt>
-                <c:pt idx="21">
-                  <c:v>35</c:v>
-                </c:pt>
-                <c:pt idx="22">
-                  <c:v>30</c:v>
-                </c:pt>
-                <c:pt idx="23">
-                  <c:v>32</c:v>
-                </c:pt>
-                <c:pt idx="24">
-                  <c:v>30</c:v>
-                </c:pt>
-                <c:pt idx="25">
-                  <c:v>32</c:v>
-                </c:pt>
-                <c:pt idx="26">
-                  <c:v>34</c:v>
-                </c:pt>
-                <c:pt idx="27">
-                  <c:v>36</c:v>
-                </c:pt>
-                <c:pt idx="28">
-                  <c:v>33</c:v>
-                </c:pt>
-                <c:pt idx="29">
-                  <c:v>34</c:v>
-                </c:pt>
-                <c:pt idx="30">
-                  <c:v>35</c:v>
-                </c:pt>
-                <c:pt idx="31">
-                  <c:v>32</c:v>
                 </c:pt>
                 <c:pt idx="32">
                   <c:v>34</c:v>
                 </c:pt>
                 <c:pt idx="33">
-                  <c:v>31</c:v>
+                  <c:v>35</c:v>
                 </c:pt>
                 <c:pt idx="34">
+                  <c:v>34</c:v>
+                </c:pt>
+                <c:pt idx="35">
+                  <c:v>36</c:v>
+                </c:pt>
+                <c:pt idx="36">
                   <c:v>33</c:v>
                 </c:pt>
-                <c:pt idx="35">
-                  <c:v>35</c:v>
-                </c:pt>
-                <c:pt idx="36">
-                  <c:v>34</c:v>
-                </c:pt>
                 <c:pt idx="37">
-                  <c:v>32</c:v>
+                  <c:v>33</c:v>
                 </c:pt>
                 <c:pt idx="38">
                   <c:v>37</c:v>
                 </c:pt>
                 <c:pt idx="39">
-                  <c:v>33</c:v>
+                  <c:v>32</c:v>
                 </c:pt>
                 <c:pt idx="40">
-                  <c:v>32</c:v>
+                  <c:v>35</c:v>
                 </c:pt>
                 <c:pt idx="41">
                   <c:v>38</c:v>
                 </c:pt>
                 <c:pt idx="42">
+                  <c:v>34</c:v>
+                </c:pt>
+                <c:pt idx="43">
+                  <c:v>34</c:v>
+                </c:pt>
+                <c:pt idx="44">
+                  <c:v>38</c:v>
+                </c:pt>
+                <c:pt idx="45">
                   <c:v>33</c:v>
                 </c:pt>
-                <c:pt idx="43">
-                  <c:v>31</c:v>
-                </c:pt>
-                <c:pt idx="44">
-                  <c:v>35</c:v>
-                </c:pt>
-                <c:pt idx="45">
-                  <c:v>31</c:v>
-                </c:pt>
                 <c:pt idx="46">
-                  <c:v>31</c:v>
+                  <c:v>33</c:v>
                 </c:pt>
                 <c:pt idx="47">
-                  <c:v>41</c:v>
+                  <c:v>40</c:v>
                 </c:pt>
                 <c:pt idx="48">
-                  <c:v>35</c:v>
+                  <c:v>33</c:v>
                 </c:pt>
                 <c:pt idx="49">
+                  <c:v>34</c:v>
+                </c:pt>
+                <c:pt idx="50">
+                  <c:v>40</c:v>
+                </c:pt>
+                <c:pt idx="51">
+                  <c:v>34</c:v>
+                </c:pt>
+                <c:pt idx="52">
                   <c:v>33</c:v>
-                </c:pt>
-                <c:pt idx="50">
-                  <c:v>38</c:v>
-                </c:pt>
-                <c:pt idx="51">
-                  <c:v>36</c:v>
-                </c:pt>
-                <c:pt idx="52">
-                  <c:v>32</c:v>
                 </c:pt>
                 <c:pt idx="53">
                   <c:v>41</c:v>
@@ -2886,22 +2886,22 @@
                   <c:v>35</c:v>
                 </c:pt>
                 <c:pt idx="55">
-                  <c:v>35</c:v>
+                  <c:v>34</c:v>
                 </c:pt>
                 <c:pt idx="56">
+                  <c:v>42</c:v>
+                </c:pt>
+                <c:pt idx="57">
+                  <c:v>33</c:v>
+                </c:pt>
+                <c:pt idx="58">
+                  <c:v>33</c:v>
+                </c:pt>
+                <c:pt idx="59">
+                  <c:v>44</c:v>
+                </c:pt>
+                <c:pt idx="60">
                   <c:v>34</c:v>
-                </c:pt>
-                <c:pt idx="57">
-                  <c:v>34</c:v>
-                </c:pt>
-                <c:pt idx="58">
-                  <c:v>32</c:v>
-                </c:pt>
-                <c:pt idx="59">
-                  <c:v>42</c:v>
-                </c:pt>
-                <c:pt idx="60">
-                  <c:v>32</c:v>
                 </c:pt>
               </c:numCache>
               <c:extLst xmlns:c15="http://schemas.microsoft.com/office/drawing/2012/chart"/>
@@ -2910,7 +2910,7 @@
           <c:smooth val="0"/>
           <c:extLst xmlns:c15="http://schemas.microsoft.com/office/drawing/2012/chart">
             <c:ext xmlns:c16="http://schemas.microsoft.com/office/drawing/2014/chart" uri="{C3380CC4-5D6E-409C-BE32-E72D297353CC}">
-              <c16:uniqueId val="{00000005-7DD2-4BA5-B931-DE43F22DA74B}"/>
+              <c16:uniqueId val="{00000005-CC84-4FBD-9705-4876DA3535AE}"/>
             </c:ext>
           </c:extLst>
         </c:ser>
@@ -3160,40 +3160,40 @@
                 <c:formatCode>General</c:formatCode>
                 <c:ptCount val="65"/>
                 <c:pt idx="0">
-                  <c:v>42</c:v>
+                  <c:v>39</c:v>
                 </c:pt>
                 <c:pt idx="1">
-                  <c:v>34</c:v>
+                  <c:v>38</c:v>
                 </c:pt>
                 <c:pt idx="2">
-                  <c:v>40</c:v>
+                  <c:v>39</c:v>
                 </c:pt>
                 <c:pt idx="3">
+                  <c:v>38</c:v>
+                </c:pt>
+                <c:pt idx="4">
                   <c:v>39</c:v>
-                </c:pt>
-                <c:pt idx="4">
-                  <c:v>43</c:v>
                 </c:pt>
                 <c:pt idx="5">
                   <c:v>37</c:v>
                 </c:pt>
                 <c:pt idx="6">
+                  <c:v>39</c:v>
+                </c:pt>
+                <c:pt idx="7">
                   <c:v>40</c:v>
                 </c:pt>
-                <c:pt idx="7">
+                <c:pt idx="8">
                   <c:v>36</c:v>
                 </c:pt>
-                <c:pt idx="8">
-                  <c:v>37</c:v>
-                </c:pt>
                 <c:pt idx="9">
-                  <c:v>41</c:v>
+                  <c:v>38</c:v>
                 </c:pt>
                 <c:pt idx="10">
                   <c:v>39</c:v>
                 </c:pt>
                 <c:pt idx="11">
-                  <c:v>38</c:v>
+                  <c:v>39</c:v>
                 </c:pt>
                 <c:pt idx="12">
                   <c:v>39</c:v>
@@ -3202,79 +3202,79 @@
                   <c:v>37</c:v>
                 </c:pt>
                 <c:pt idx="14">
-                  <c:v>39</c:v>
+                  <c:v>38</c:v>
                 </c:pt>
                 <c:pt idx="15">
-                  <c:v>37</c:v>
+                  <c:v>38</c:v>
                 </c:pt>
                 <c:pt idx="16">
                   <c:v>38</c:v>
                 </c:pt>
                 <c:pt idx="17">
+                  <c:v>40</c:v>
+                </c:pt>
+                <c:pt idx="18">
+                  <c:v>36</c:v>
+                </c:pt>
+                <c:pt idx="19">
                   <c:v>39</c:v>
                 </c:pt>
-                <c:pt idx="18">
+                <c:pt idx="20">
                   <c:v>40</c:v>
                 </c:pt>
-                <c:pt idx="19">
-                  <c:v>37</c:v>
-                </c:pt>
-                <c:pt idx="20">
-                  <c:v>38</c:v>
-                </c:pt>
                 <c:pt idx="21">
-                  <c:v>35</c:v>
+                  <c:v>41</c:v>
                 </c:pt>
                 <c:pt idx="22">
                   <c:v>36</c:v>
                 </c:pt>
                 <c:pt idx="23">
+                  <c:v>38</c:v>
+                </c:pt>
+                <c:pt idx="24">
+                  <c:v>36</c:v>
+                </c:pt>
+                <c:pt idx="25">
+                  <c:v>37</c:v>
+                </c:pt>
+                <c:pt idx="26">
+                  <c:v>38</c:v>
+                </c:pt>
+                <c:pt idx="27">
+                  <c:v>37</c:v>
+                </c:pt>
+                <c:pt idx="28">
+                  <c:v>38</c:v>
+                </c:pt>
+                <c:pt idx="29">
                   <c:v>41</c:v>
                 </c:pt>
-                <c:pt idx="24">
-                  <c:v>41</c:v>
-                </c:pt>
-                <c:pt idx="25">
+                <c:pt idx="30">
+                  <c:v>37</c:v>
+                </c:pt>
+                <c:pt idx="31">
                   <c:v>38</c:v>
                 </c:pt>
-                <c:pt idx="26">
-                  <c:v>40</c:v>
-                </c:pt>
-                <c:pt idx="27">
-                  <c:v>36</c:v>
-                </c:pt>
-                <c:pt idx="28">
+                <c:pt idx="32">
                   <c:v>39</c:v>
                 </c:pt>
-                <c:pt idx="29">
+                <c:pt idx="33">
+                  <c:v>37</c:v>
+                </c:pt>
+                <c:pt idx="34">
                   <c:v>38</c:v>
                 </c:pt>
-                <c:pt idx="30">
-                  <c:v>40</c:v>
-                </c:pt>
-                <c:pt idx="31">
-                  <c:v>40</c:v>
-                </c:pt>
-                <c:pt idx="32">
+                <c:pt idx="35">
                   <c:v>37</c:v>
-                </c:pt>
-                <c:pt idx="33">
-                  <c:v>43</c:v>
-                </c:pt>
-                <c:pt idx="34">
-                  <c:v>41</c:v>
-                </c:pt>
-                <c:pt idx="35">
-                  <c:v>36</c:v>
                 </c:pt>
                 <c:pt idx="36">
                   <c:v>38</c:v>
                 </c:pt>
                 <c:pt idx="37">
-                  <c:v>35</c:v>
+                  <c:v>41</c:v>
                 </c:pt>
                 <c:pt idx="38">
-                  <c:v>35</c:v>
+                  <c:v>38</c:v>
                 </c:pt>
                 <c:pt idx="39">
                   <c:v>38</c:v>
@@ -3283,43 +3283,43 @@
                   <c:v>40</c:v>
                 </c:pt>
                 <c:pt idx="41">
+                  <c:v>40</c:v>
+                </c:pt>
+                <c:pt idx="42">
+                  <c:v>39</c:v>
+                </c:pt>
+                <c:pt idx="43">
                   <c:v>37</c:v>
-                </c:pt>
-                <c:pt idx="42">
-                  <c:v>38</c:v>
-                </c:pt>
-                <c:pt idx="43">
-                  <c:v>34</c:v>
                 </c:pt>
                 <c:pt idx="44">
                   <c:v>38</c:v>
                 </c:pt>
                 <c:pt idx="45">
+                  <c:v>40</c:v>
+                </c:pt>
+                <c:pt idx="46">
+                  <c:v>38</c:v>
+                </c:pt>
+                <c:pt idx="47">
                   <c:v>39</c:v>
-                </c:pt>
-                <c:pt idx="46">
-                  <c:v>36</c:v>
-                </c:pt>
-                <c:pt idx="47">
-                  <c:v>38</c:v>
                 </c:pt>
                 <c:pt idx="48">
                   <c:v>38</c:v>
                 </c:pt>
                 <c:pt idx="49">
-                  <c:v>40</c:v>
+                  <c:v>38</c:v>
                 </c:pt>
                 <c:pt idx="50">
                   <c:v>39</c:v>
                 </c:pt>
                 <c:pt idx="51">
+                  <c:v>39</c:v>
+                </c:pt>
+                <c:pt idx="52">
                   <c:v>40</c:v>
                 </c:pt>
-                <c:pt idx="52">
-                  <c:v>38</c:v>
-                </c:pt>
                 <c:pt idx="53">
-                  <c:v>38</c:v>
+                  <c:v>39</c:v>
                 </c:pt>
                 <c:pt idx="54">
                   <c:v>40</c:v>
@@ -3331,28 +3331,28 @@
                   <c:v>40</c:v>
                 </c:pt>
                 <c:pt idx="57">
+                  <c:v>39</c:v>
+                </c:pt>
+                <c:pt idx="58">
+                  <c:v>39</c:v>
+                </c:pt>
+                <c:pt idx="59">
+                  <c:v>40</c:v>
+                </c:pt>
+                <c:pt idx="60">
+                  <c:v>39</c:v>
+                </c:pt>
+                <c:pt idx="61">
+                  <c:v>39</c:v>
+                </c:pt>
+                <c:pt idx="62">
+                  <c:v>39</c:v>
+                </c:pt>
+                <c:pt idx="63">
+                  <c:v>39</c:v>
+                </c:pt>
+                <c:pt idx="64">
                   <c:v>38</c:v>
-                </c:pt>
-                <c:pt idx="58">
-                  <c:v>42</c:v>
-                </c:pt>
-                <c:pt idx="59">
-                  <c:v>39</c:v>
-                </c:pt>
-                <c:pt idx="60">
-                  <c:v>40</c:v>
-                </c:pt>
-                <c:pt idx="61">
-                  <c:v>43</c:v>
-                </c:pt>
-                <c:pt idx="62">
-                  <c:v>41</c:v>
-                </c:pt>
-                <c:pt idx="63">
-                  <c:v>35</c:v>
-                </c:pt>
-                <c:pt idx="64">
-                  <c:v>41</c:v>
                 </c:pt>
               </c:numCache>
             </c:numRef>
@@ -3360,457 +3360,7 @@
           <c:smooth val="0"/>
           <c:extLst>
             <c:ext xmlns:c16="http://schemas.microsoft.com/office/drawing/2014/chart" uri="{C3380CC4-5D6E-409C-BE32-E72D297353CC}">
-              <c16:uniqueId val="{00000006-7DD2-4BA5-B931-DE43F22DA74B}"/>
-            </c:ext>
-          </c:extLst>
-        </c:ser>
-        <c:ser>
-          <c:idx val="4"/>
-          <c:order val="7"/>
-          <c:tx>
-            <c:strRef>
-              <c:f>'parallel vs header-seeker-6'!$J$1</c:f>
-              <c:strCache>
-                <c:ptCount val="1"/>
-                <c:pt idx="0">
-                  <c:v>HS1</c:v>
-                </c:pt>
-              </c:strCache>
-            </c:strRef>
-          </c:tx>
-          <c:spPr>
-            <a:ln w="25400" cap="rnd">
-              <a:noFill/>
-              <a:round/>
-            </a:ln>
-            <a:effectLst/>
-          </c:spPr>
-          <c:marker>
-            <c:symbol val="circle"/>
-            <c:size val="5"/>
-            <c:spPr>
-              <a:solidFill>
-                <a:srgbClr val="424242"/>
-              </a:solidFill>
-              <a:ln w="9525">
-                <a:noFill/>
-                <a:round/>
-              </a:ln>
-              <a:effectLst/>
-            </c:spPr>
-          </c:marker>
-          <c:xVal>
-            <c:numRef>
-              <c:f>'parallel vs header-seeker-6'!$A$2:$A$66</c:f>
-              <c:numCache>
-                <c:formatCode>General</c:formatCode>
-                <c:ptCount val="65"/>
-                <c:pt idx="0">
-                  <c:v>1</c:v>
-                </c:pt>
-                <c:pt idx="1">
-                  <c:v>2</c:v>
-                </c:pt>
-                <c:pt idx="2">
-                  <c:v>3</c:v>
-                </c:pt>
-                <c:pt idx="3">
-                  <c:v>4</c:v>
-                </c:pt>
-                <c:pt idx="4">
-                  <c:v>5</c:v>
-                </c:pt>
-                <c:pt idx="5">
-                  <c:v>6</c:v>
-                </c:pt>
-                <c:pt idx="6">
-                  <c:v>7</c:v>
-                </c:pt>
-                <c:pt idx="7">
-                  <c:v>8</c:v>
-                </c:pt>
-                <c:pt idx="8">
-                  <c:v>9</c:v>
-                </c:pt>
-                <c:pt idx="9">
-                  <c:v>10</c:v>
-                </c:pt>
-                <c:pt idx="10">
-                  <c:v>11</c:v>
-                </c:pt>
-                <c:pt idx="11">
-                  <c:v>12</c:v>
-                </c:pt>
-                <c:pt idx="12">
-                  <c:v>13</c:v>
-                </c:pt>
-                <c:pt idx="13">
-                  <c:v>14</c:v>
-                </c:pt>
-                <c:pt idx="14">
-                  <c:v>15</c:v>
-                </c:pt>
-                <c:pt idx="15">
-                  <c:v>16</c:v>
-                </c:pt>
-                <c:pt idx="16">
-                  <c:v>17</c:v>
-                </c:pt>
-                <c:pt idx="17">
-                  <c:v>18</c:v>
-                </c:pt>
-                <c:pt idx="18">
-                  <c:v>19</c:v>
-                </c:pt>
-                <c:pt idx="19">
-                  <c:v>20</c:v>
-                </c:pt>
-                <c:pt idx="20">
-                  <c:v>21</c:v>
-                </c:pt>
-                <c:pt idx="21">
-                  <c:v>22</c:v>
-                </c:pt>
-                <c:pt idx="22">
-                  <c:v>23</c:v>
-                </c:pt>
-                <c:pt idx="23">
-                  <c:v>24</c:v>
-                </c:pt>
-                <c:pt idx="24">
-                  <c:v>25</c:v>
-                </c:pt>
-                <c:pt idx="25">
-                  <c:v>26</c:v>
-                </c:pt>
-                <c:pt idx="26">
-                  <c:v>27</c:v>
-                </c:pt>
-                <c:pt idx="27">
-                  <c:v>28</c:v>
-                </c:pt>
-                <c:pt idx="28">
-                  <c:v>29</c:v>
-                </c:pt>
-                <c:pt idx="29">
-                  <c:v>30</c:v>
-                </c:pt>
-                <c:pt idx="30">
-                  <c:v>31</c:v>
-                </c:pt>
-                <c:pt idx="31">
-                  <c:v>32</c:v>
-                </c:pt>
-                <c:pt idx="32">
-                  <c:v>33</c:v>
-                </c:pt>
-                <c:pt idx="33">
-                  <c:v>34</c:v>
-                </c:pt>
-                <c:pt idx="34">
-                  <c:v>35</c:v>
-                </c:pt>
-                <c:pt idx="35">
-                  <c:v>36</c:v>
-                </c:pt>
-                <c:pt idx="36">
-                  <c:v>37</c:v>
-                </c:pt>
-                <c:pt idx="37">
-                  <c:v>38</c:v>
-                </c:pt>
-                <c:pt idx="38">
-                  <c:v>39</c:v>
-                </c:pt>
-                <c:pt idx="39">
-                  <c:v>40</c:v>
-                </c:pt>
-                <c:pt idx="40">
-                  <c:v>41</c:v>
-                </c:pt>
-                <c:pt idx="41">
-                  <c:v>42</c:v>
-                </c:pt>
-                <c:pt idx="42">
-                  <c:v>43</c:v>
-                </c:pt>
-                <c:pt idx="43">
-                  <c:v>44</c:v>
-                </c:pt>
-                <c:pt idx="44">
-                  <c:v>45</c:v>
-                </c:pt>
-                <c:pt idx="45">
-                  <c:v>46</c:v>
-                </c:pt>
-                <c:pt idx="46">
-                  <c:v>47</c:v>
-                </c:pt>
-                <c:pt idx="47">
-                  <c:v>48</c:v>
-                </c:pt>
-                <c:pt idx="48">
-                  <c:v>49</c:v>
-                </c:pt>
-                <c:pt idx="49">
-                  <c:v>50</c:v>
-                </c:pt>
-                <c:pt idx="50">
-                  <c:v>51</c:v>
-                </c:pt>
-                <c:pt idx="51">
-                  <c:v>52</c:v>
-                </c:pt>
-                <c:pt idx="52">
-                  <c:v>53</c:v>
-                </c:pt>
-                <c:pt idx="53">
-                  <c:v>54</c:v>
-                </c:pt>
-                <c:pt idx="54">
-                  <c:v>55</c:v>
-                </c:pt>
-                <c:pt idx="55">
-                  <c:v>56</c:v>
-                </c:pt>
-                <c:pt idx="56">
-                  <c:v>57</c:v>
-                </c:pt>
-                <c:pt idx="57">
-                  <c:v>58</c:v>
-                </c:pt>
-                <c:pt idx="58">
-                  <c:v>59</c:v>
-                </c:pt>
-                <c:pt idx="59">
-                  <c:v>60</c:v>
-                </c:pt>
-                <c:pt idx="60">
-                  <c:v>61</c:v>
-                </c:pt>
-                <c:pt idx="61">
-                  <c:v>62</c:v>
-                </c:pt>
-                <c:pt idx="62">
-                  <c:v>63</c:v>
-                </c:pt>
-                <c:pt idx="63">
-                  <c:v>64</c:v>
-                </c:pt>
-                <c:pt idx="64">
-                  <c:v>65</c:v>
-                </c:pt>
-              </c:numCache>
-            </c:numRef>
-          </c:xVal>
-          <c:yVal>
-            <c:numRef>
-              <c:f>'parallel vs header-seeker-6'!$J$2:$J$66</c:f>
-              <c:numCache>
-                <c:formatCode>General</c:formatCode>
-                <c:ptCount val="65"/>
-                <c:pt idx="0">
-                  <c:v>62</c:v>
-                </c:pt>
-                <c:pt idx="1">
-                  <c:v>44</c:v>
-                </c:pt>
-                <c:pt idx="2">
-                  <c:v>59</c:v>
-                </c:pt>
-                <c:pt idx="3">
-                  <c:v>55</c:v>
-                </c:pt>
-                <c:pt idx="4">
-                  <c:v>54</c:v>
-                </c:pt>
-                <c:pt idx="5">
-                  <c:v>47</c:v>
-                </c:pt>
-                <c:pt idx="6">
-                  <c:v>54</c:v>
-                </c:pt>
-                <c:pt idx="7">
-                  <c:v>51</c:v>
-                </c:pt>
-                <c:pt idx="8">
-                  <c:v>51</c:v>
-                </c:pt>
-                <c:pt idx="9">
-                  <c:v>55</c:v>
-                </c:pt>
-                <c:pt idx="10">
-                  <c:v>52</c:v>
-                </c:pt>
-                <c:pt idx="11">
-                  <c:v>48</c:v>
-                </c:pt>
-                <c:pt idx="12">
-                  <c:v>62</c:v>
-                </c:pt>
-                <c:pt idx="13">
-                  <c:v>55</c:v>
-                </c:pt>
-                <c:pt idx="14">
-                  <c:v>53</c:v>
-                </c:pt>
-                <c:pt idx="15">
-                  <c:v>58</c:v>
-                </c:pt>
-                <c:pt idx="16">
-                  <c:v>57</c:v>
-                </c:pt>
-                <c:pt idx="17">
-                  <c:v>49</c:v>
-                </c:pt>
-                <c:pt idx="18">
-                  <c:v>50</c:v>
-                </c:pt>
-                <c:pt idx="19">
-                  <c:v>48</c:v>
-                </c:pt>
-                <c:pt idx="20">
-                  <c:v>51</c:v>
-                </c:pt>
-                <c:pt idx="21">
-                  <c:v>41</c:v>
-                </c:pt>
-                <c:pt idx="22">
-                  <c:v>55</c:v>
-                </c:pt>
-                <c:pt idx="23">
-                  <c:v>51</c:v>
-                </c:pt>
-                <c:pt idx="24">
-                  <c:v>56</c:v>
-                </c:pt>
-                <c:pt idx="25">
-                  <c:v>55</c:v>
-                </c:pt>
-                <c:pt idx="26">
-                  <c:v>58</c:v>
-                </c:pt>
-                <c:pt idx="27">
-                  <c:v>56</c:v>
-                </c:pt>
-                <c:pt idx="28">
-                  <c:v>53</c:v>
-                </c:pt>
-                <c:pt idx="29">
-                  <c:v>53</c:v>
-                </c:pt>
-                <c:pt idx="30">
-                  <c:v>53</c:v>
-                </c:pt>
-                <c:pt idx="31">
-                  <c:v>55</c:v>
-                </c:pt>
-                <c:pt idx="32">
-                  <c:v>57</c:v>
-                </c:pt>
-                <c:pt idx="33">
-                  <c:v>53</c:v>
-                </c:pt>
-                <c:pt idx="34">
-                  <c:v>53</c:v>
-                </c:pt>
-                <c:pt idx="35">
-                  <c:v>52</c:v>
-                </c:pt>
-                <c:pt idx="36">
-                  <c:v>55</c:v>
-                </c:pt>
-                <c:pt idx="37">
-                  <c:v>56</c:v>
-                </c:pt>
-                <c:pt idx="38">
-                  <c:v>59</c:v>
-                </c:pt>
-                <c:pt idx="39">
-                  <c:v>51</c:v>
-                </c:pt>
-                <c:pt idx="40">
-                  <c:v>59</c:v>
-                </c:pt>
-                <c:pt idx="41">
-                  <c:v>51</c:v>
-                </c:pt>
-                <c:pt idx="42">
-                  <c:v>57</c:v>
-                </c:pt>
-                <c:pt idx="43">
-                  <c:v>43</c:v>
-                </c:pt>
-                <c:pt idx="44">
-                  <c:v>55</c:v>
-                </c:pt>
-                <c:pt idx="45">
-                  <c:v>51</c:v>
-                </c:pt>
-                <c:pt idx="46">
-                  <c:v>52</c:v>
-                </c:pt>
-                <c:pt idx="47">
-                  <c:v>51</c:v>
-                </c:pt>
-                <c:pt idx="48">
-                  <c:v>55</c:v>
-                </c:pt>
-                <c:pt idx="49">
-                  <c:v>55</c:v>
-                </c:pt>
-                <c:pt idx="50">
-                  <c:v>53</c:v>
-                </c:pt>
-                <c:pt idx="51">
-                  <c:v>52</c:v>
-                </c:pt>
-                <c:pt idx="52">
-                  <c:v>61</c:v>
-                </c:pt>
-                <c:pt idx="53">
-                  <c:v>50</c:v>
-                </c:pt>
-                <c:pt idx="54">
-                  <c:v>56</c:v>
-                </c:pt>
-                <c:pt idx="55">
-                  <c:v>58</c:v>
-                </c:pt>
-                <c:pt idx="56">
-                  <c:v>54</c:v>
-                </c:pt>
-                <c:pt idx="57">
-                  <c:v>52</c:v>
-                </c:pt>
-                <c:pt idx="58">
-                  <c:v>54</c:v>
-                </c:pt>
-                <c:pt idx="59">
-                  <c:v>49</c:v>
-                </c:pt>
-                <c:pt idx="60">
-                  <c:v>53</c:v>
-                </c:pt>
-                <c:pt idx="61">
-                  <c:v>56</c:v>
-                </c:pt>
-                <c:pt idx="62">
-                  <c:v>58</c:v>
-                </c:pt>
-                <c:pt idx="63">
-                  <c:v>45</c:v>
-                </c:pt>
-                <c:pt idx="64">
-                  <c:v>63</c:v>
-                </c:pt>
-              </c:numCache>
-            </c:numRef>
-          </c:yVal>
-          <c:smooth val="0"/>
-          <c:extLst>
-            <c:ext xmlns:c16="http://schemas.microsoft.com/office/drawing/2014/chart" uri="{C3380CC4-5D6E-409C-BE32-E72D297353CC}">
-              <c16:uniqueId val="{00000007-7DD2-4BA5-B931-DE43F22DA74B}"/>
+              <c16:uniqueId val="{00000006-CC84-4FBD-9705-4876DA3535AE}"/>
             </c:ext>
           </c:extLst>
         </c:ser>
@@ -4263,7 +3813,7 @@
           <c:smooth val="0"/>
           <c:extLst xmlns:c15="http://schemas.microsoft.com/office/drawing/2012/chart">
             <c:ext xmlns:c16="http://schemas.microsoft.com/office/drawing/2014/chart" uri="{C3380CC4-5D6E-409C-BE32-E72D297353CC}">
-              <c16:uniqueId val="{00000008-7DD2-4BA5-B931-DE43F22DA74B}"/>
+              <c16:uniqueId val="{00000007-CC84-4FBD-9705-4876DA3535AE}"/>
             </c:ext>
           </c:extLst>
         </c:ser>
@@ -4277,7 +3827,480 @@
         </c:dLbls>
         <c:axId val="136772784"/>
         <c:axId val="136774448"/>
-        <c:extLst/>
+        <c:extLst>
+          <c:ext xmlns:c15="http://schemas.microsoft.com/office/drawing/2012/chart" uri="{02D57815-91ED-43cb-92C2-25804820EDAC}">
+            <c15:filteredScatterSeries>
+              <c15:ser>
+                <c:idx val="4"/>
+                <c:order val="7"/>
+                <c:tx>
+                  <c:strRef>
+                    <c:extLst>
+                      <c:ext uri="{02D57815-91ED-43cb-92C2-25804820EDAC}">
+                        <c15:formulaRef>
+                          <c15:sqref>'parallel vs header-seeker-6'!$J$1</c15:sqref>
+                        </c15:formulaRef>
+                      </c:ext>
+                    </c:extLst>
+                    <c:strCache>
+                      <c:ptCount val="1"/>
+                      <c:pt idx="0">
+                        <c:v>HS1</c:v>
+                      </c:pt>
+                    </c:strCache>
+                  </c:strRef>
+                </c:tx>
+                <c:spPr>
+                  <a:ln w="25400" cap="rnd">
+                    <a:noFill/>
+                    <a:round/>
+                  </a:ln>
+                  <a:effectLst/>
+                </c:spPr>
+                <c:marker>
+                  <c:symbol val="circle"/>
+                  <c:size val="5"/>
+                  <c:spPr>
+                    <a:solidFill>
+                      <a:srgbClr val="424242"/>
+                    </a:solidFill>
+                    <a:ln w="9525">
+                      <a:noFill/>
+                      <a:round/>
+                    </a:ln>
+                    <a:effectLst/>
+                  </c:spPr>
+                </c:marker>
+                <c:xVal>
+                  <c:numRef>
+                    <c:extLst>
+                      <c:ext uri="{02D57815-91ED-43cb-92C2-25804820EDAC}">
+                        <c15:formulaRef>
+                          <c15:sqref>'parallel vs header-seeker-6'!$A$2:$A$66</c15:sqref>
+                        </c15:formulaRef>
+                      </c:ext>
+                    </c:extLst>
+                    <c:numCache>
+                      <c:formatCode>General</c:formatCode>
+                      <c:ptCount val="65"/>
+                      <c:pt idx="0">
+                        <c:v>1</c:v>
+                      </c:pt>
+                      <c:pt idx="1">
+                        <c:v>2</c:v>
+                      </c:pt>
+                      <c:pt idx="2">
+                        <c:v>3</c:v>
+                      </c:pt>
+                      <c:pt idx="3">
+                        <c:v>4</c:v>
+                      </c:pt>
+                      <c:pt idx="4">
+                        <c:v>5</c:v>
+                      </c:pt>
+                      <c:pt idx="5">
+                        <c:v>6</c:v>
+                      </c:pt>
+                      <c:pt idx="6">
+                        <c:v>7</c:v>
+                      </c:pt>
+                      <c:pt idx="7">
+                        <c:v>8</c:v>
+                      </c:pt>
+                      <c:pt idx="8">
+                        <c:v>9</c:v>
+                      </c:pt>
+                      <c:pt idx="9">
+                        <c:v>10</c:v>
+                      </c:pt>
+                      <c:pt idx="10">
+                        <c:v>11</c:v>
+                      </c:pt>
+                      <c:pt idx="11">
+                        <c:v>12</c:v>
+                      </c:pt>
+                      <c:pt idx="12">
+                        <c:v>13</c:v>
+                      </c:pt>
+                      <c:pt idx="13">
+                        <c:v>14</c:v>
+                      </c:pt>
+                      <c:pt idx="14">
+                        <c:v>15</c:v>
+                      </c:pt>
+                      <c:pt idx="15">
+                        <c:v>16</c:v>
+                      </c:pt>
+                      <c:pt idx="16">
+                        <c:v>17</c:v>
+                      </c:pt>
+                      <c:pt idx="17">
+                        <c:v>18</c:v>
+                      </c:pt>
+                      <c:pt idx="18">
+                        <c:v>19</c:v>
+                      </c:pt>
+                      <c:pt idx="19">
+                        <c:v>20</c:v>
+                      </c:pt>
+                      <c:pt idx="20">
+                        <c:v>21</c:v>
+                      </c:pt>
+                      <c:pt idx="21">
+                        <c:v>22</c:v>
+                      </c:pt>
+                      <c:pt idx="22">
+                        <c:v>23</c:v>
+                      </c:pt>
+                      <c:pt idx="23">
+                        <c:v>24</c:v>
+                      </c:pt>
+                      <c:pt idx="24">
+                        <c:v>25</c:v>
+                      </c:pt>
+                      <c:pt idx="25">
+                        <c:v>26</c:v>
+                      </c:pt>
+                      <c:pt idx="26">
+                        <c:v>27</c:v>
+                      </c:pt>
+                      <c:pt idx="27">
+                        <c:v>28</c:v>
+                      </c:pt>
+                      <c:pt idx="28">
+                        <c:v>29</c:v>
+                      </c:pt>
+                      <c:pt idx="29">
+                        <c:v>30</c:v>
+                      </c:pt>
+                      <c:pt idx="30">
+                        <c:v>31</c:v>
+                      </c:pt>
+                      <c:pt idx="31">
+                        <c:v>32</c:v>
+                      </c:pt>
+                      <c:pt idx="32">
+                        <c:v>33</c:v>
+                      </c:pt>
+                      <c:pt idx="33">
+                        <c:v>34</c:v>
+                      </c:pt>
+                      <c:pt idx="34">
+                        <c:v>35</c:v>
+                      </c:pt>
+                      <c:pt idx="35">
+                        <c:v>36</c:v>
+                      </c:pt>
+                      <c:pt idx="36">
+                        <c:v>37</c:v>
+                      </c:pt>
+                      <c:pt idx="37">
+                        <c:v>38</c:v>
+                      </c:pt>
+                      <c:pt idx="38">
+                        <c:v>39</c:v>
+                      </c:pt>
+                      <c:pt idx="39">
+                        <c:v>40</c:v>
+                      </c:pt>
+                      <c:pt idx="40">
+                        <c:v>41</c:v>
+                      </c:pt>
+                      <c:pt idx="41">
+                        <c:v>42</c:v>
+                      </c:pt>
+                      <c:pt idx="42">
+                        <c:v>43</c:v>
+                      </c:pt>
+                      <c:pt idx="43">
+                        <c:v>44</c:v>
+                      </c:pt>
+                      <c:pt idx="44">
+                        <c:v>45</c:v>
+                      </c:pt>
+                      <c:pt idx="45">
+                        <c:v>46</c:v>
+                      </c:pt>
+                      <c:pt idx="46">
+                        <c:v>47</c:v>
+                      </c:pt>
+                      <c:pt idx="47">
+                        <c:v>48</c:v>
+                      </c:pt>
+                      <c:pt idx="48">
+                        <c:v>49</c:v>
+                      </c:pt>
+                      <c:pt idx="49">
+                        <c:v>50</c:v>
+                      </c:pt>
+                      <c:pt idx="50">
+                        <c:v>51</c:v>
+                      </c:pt>
+                      <c:pt idx="51">
+                        <c:v>52</c:v>
+                      </c:pt>
+                      <c:pt idx="52">
+                        <c:v>53</c:v>
+                      </c:pt>
+                      <c:pt idx="53">
+                        <c:v>54</c:v>
+                      </c:pt>
+                      <c:pt idx="54">
+                        <c:v>55</c:v>
+                      </c:pt>
+                      <c:pt idx="55">
+                        <c:v>56</c:v>
+                      </c:pt>
+                      <c:pt idx="56">
+                        <c:v>57</c:v>
+                      </c:pt>
+                      <c:pt idx="57">
+                        <c:v>58</c:v>
+                      </c:pt>
+                      <c:pt idx="58">
+                        <c:v>59</c:v>
+                      </c:pt>
+                      <c:pt idx="59">
+                        <c:v>60</c:v>
+                      </c:pt>
+                      <c:pt idx="60">
+                        <c:v>61</c:v>
+                      </c:pt>
+                      <c:pt idx="61">
+                        <c:v>62</c:v>
+                      </c:pt>
+                      <c:pt idx="62">
+                        <c:v>63</c:v>
+                      </c:pt>
+                      <c:pt idx="63">
+                        <c:v>64</c:v>
+                      </c:pt>
+                      <c:pt idx="64">
+                        <c:v>65</c:v>
+                      </c:pt>
+                    </c:numCache>
+                  </c:numRef>
+                </c:xVal>
+                <c:yVal>
+                  <c:numRef>
+                    <c:extLst>
+                      <c:ext uri="{02D57815-91ED-43cb-92C2-25804820EDAC}">
+                        <c15:formulaRef>
+                          <c15:sqref>'parallel vs header-seeker-6'!$J$2:$J$66</c15:sqref>
+                        </c15:formulaRef>
+                      </c:ext>
+                    </c:extLst>
+                    <c:numCache>
+                      <c:formatCode>General</c:formatCode>
+                      <c:ptCount val="65"/>
+                      <c:pt idx="0">
+                        <c:v>21</c:v>
+                      </c:pt>
+                      <c:pt idx="1">
+                        <c:v>23</c:v>
+                      </c:pt>
+                      <c:pt idx="2">
+                        <c:v>23</c:v>
+                      </c:pt>
+                      <c:pt idx="3">
+                        <c:v>24</c:v>
+                      </c:pt>
+                      <c:pt idx="4">
+                        <c:v>26</c:v>
+                      </c:pt>
+                      <c:pt idx="5">
+                        <c:v>27</c:v>
+                      </c:pt>
+                      <c:pt idx="6">
+                        <c:v>28</c:v>
+                      </c:pt>
+                      <c:pt idx="7">
+                        <c:v>29</c:v>
+                      </c:pt>
+                      <c:pt idx="8">
+                        <c:v>30</c:v>
+                      </c:pt>
+                      <c:pt idx="9">
+                        <c:v>31</c:v>
+                      </c:pt>
+                      <c:pt idx="10">
+                        <c:v>32</c:v>
+                      </c:pt>
+                      <c:pt idx="11">
+                        <c:v>33</c:v>
+                      </c:pt>
+                      <c:pt idx="12">
+                        <c:v>33</c:v>
+                      </c:pt>
+                      <c:pt idx="13">
+                        <c:v>35</c:v>
+                      </c:pt>
+                      <c:pt idx="14">
+                        <c:v>35</c:v>
+                      </c:pt>
+                      <c:pt idx="15">
+                        <c:v>37</c:v>
+                      </c:pt>
+                      <c:pt idx="16">
+                        <c:v>38</c:v>
+                      </c:pt>
+                      <c:pt idx="17">
+                        <c:v>39</c:v>
+                      </c:pt>
+                      <c:pt idx="18">
+                        <c:v>41</c:v>
+                      </c:pt>
+                      <c:pt idx="19">
+                        <c:v>41</c:v>
+                      </c:pt>
+                      <c:pt idx="20">
+                        <c:v>42</c:v>
+                      </c:pt>
+                      <c:pt idx="21">
+                        <c:v>42</c:v>
+                      </c:pt>
+                      <c:pt idx="22">
+                        <c:v>43</c:v>
+                      </c:pt>
+                      <c:pt idx="23">
+                        <c:v>45</c:v>
+                      </c:pt>
+                      <c:pt idx="24">
+                        <c:v>48</c:v>
+                      </c:pt>
+                      <c:pt idx="25">
+                        <c:v>46</c:v>
+                      </c:pt>
+                      <c:pt idx="26">
+                        <c:v>47</c:v>
+                      </c:pt>
+                      <c:pt idx="27">
+                        <c:v>48</c:v>
+                      </c:pt>
+                      <c:pt idx="28">
+                        <c:v>50</c:v>
+                      </c:pt>
+                      <c:pt idx="29">
+                        <c:v>52</c:v>
+                      </c:pt>
+                      <c:pt idx="30">
+                        <c:v>51</c:v>
+                      </c:pt>
+                      <c:pt idx="31">
+                        <c:v>54</c:v>
+                      </c:pt>
+                      <c:pt idx="32">
+                        <c:v>53</c:v>
+                      </c:pt>
+                      <c:pt idx="33">
+                        <c:v>55</c:v>
+                      </c:pt>
+                      <c:pt idx="34">
+                        <c:v>55</c:v>
+                      </c:pt>
+                      <c:pt idx="35">
+                        <c:v>55</c:v>
+                      </c:pt>
+                      <c:pt idx="36">
+                        <c:v>61</c:v>
+                      </c:pt>
+                      <c:pt idx="37">
+                        <c:v>59</c:v>
+                      </c:pt>
+                      <c:pt idx="38">
+                        <c:v>59</c:v>
+                      </c:pt>
+                      <c:pt idx="39">
+                        <c:v>60</c:v>
+                      </c:pt>
+                      <c:pt idx="40">
+                        <c:v>63</c:v>
+                      </c:pt>
+                      <c:pt idx="41">
+                        <c:v>63</c:v>
+                      </c:pt>
+                      <c:pt idx="42">
+                        <c:v>63</c:v>
+                      </c:pt>
+                      <c:pt idx="43">
+                        <c:v>66</c:v>
+                      </c:pt>
+                      <c:pt idx="44">
+                        <c:v>67</c:v>
+                      </c:pt>
+                      <c:pt idx="45">
+                        <c:v>67</c:v>
+                      </c:pt>
+                      <c:pt idx="46">
+                        <c:v>68</c:v>
+                      </c:pt>
+                      <c:pt idx="47">
+                        <c:v>69</c:v>
+                      </c:pt>
+                      <c:pt idx="48">
+                        <c:v>71</c:v>
+                      </c:pt>
+                      <c:pt idx="49">
+                        <c:v>70</c:v>
+                      </c:pt>
+                      <c:pt idx="50">
+                        <c:v>72</c:v>
+                      </c:pt>
+                      <c:pt idx="51">
+                        <c:v>72</c:v>
+                      </c:pt>
+                      <c:pt idx="52">
+                        <c:v>74</c:v>
+                      </c:pt>
+                      <c:pt idx="53">
+                        <c:v>76</c:v>
+                      </c:pt>
+                      <c:pt idx="54">
+                        <c:v>78</c:v>
+                      </c:pt>
+                      <c:pt idx="55">
+                        <c:v>76</c:v>
+                      </c:pt>
+                      <c:pt idx="56">
+                        <c:v>78</c:v>
+                      </c:pt>
+                      <c:pt idx="57">
+                        <c:v>79</c:v>
+                      </c:pt>
+                      <c:pt idx="58">
+                        <c:v>78</c:v>
+                      </c:pt>
+                      <c:pt idx="59">
+                        <c:v>82</c:v>
+                      </c:pt>
+                      <c:pt idx="60">
+                        <c:v>82</c:v>
+                      </c:pt>
+                      <c:pt idx="61">
+                        <c:v>86</c:v>
+                      </c:pt>
+                      <c:pt idx="62">
+                        <c:v>87</c:v>
+                      </c:pt>
+                      <c:pt idx="63">
+                        <c:v>86</c:v>
+                      </c:pt>
+                      <c:pt idx="64">
+                        <c:v>85</c:v>
+                      </c:pt>
+                    </c:numCache>
+                  </c:numRef>
+                </c:yVal>
+                <c:smooth val="0"/>
+                <c:extLst>
+                  <c:ext xmlns:c16="http://schemas.microsoft.com/office/drawing/2014/chart" uri="{C3380CC4-5D6E-409C-BE32-E72D297353CC}">
+                    <c16:uniqueId val="{00000008-CC84-4FBD-9705-4876DA3535AE}"/>
+                  </c:ext>
+                </c:extLst>
+              </c15:ser>
+            </c15:filteredScatterSeries>
+          </c:ext>
+        </c:extLst>
       </c:scatterChart>
       <c:valAx>
         <c:axId val="136772784"/>
@@ -4729,32 +4752,19 @@
           </c:dLbls>
           <c:cat>
             <c:strRef>
-              <c:extLst>
-                <c:ext xmlns:c15="http://schemas.microsoft.com/office/drawing/2012/chart" uri="{02D57815-91ED-43cb-92C2-25804820EDAC}">
-                  <c15:fullRef>
-                    <c15:sqref>'parallel vs header-seeker-6'!$M$2:$M$3</c15:sqref>
-                  </c15:fullRef>
-                </c:ext>
-              </c:extLst>
-              <c:f>'parallel vs header-seeker-6'!$M$3</c:f>
+              <c:f>'parallel vs header-seeker-6'!$M$2:$M$3</c:f>
               <c:strCache>
                 <c:ptCount val="1"/>
                 <c:pt idx="0">
                   <c:v>FFs</c:v>
                 </c:pt>
               </c:strCache>
+              <c:extLst/>
             </c:strRef>
           </c:cat>
           <c:val>
             <c:numRef>
-              <c:extLst>
-                <c:ext xmlns:c15="http://schemas.microsoft.com/office/drawing/2012/chart" uri="{02D57815-91ED-43cb-92C2-25804820EDAC}">
-                  <c15:fullRef>
-                    <c15:sqref>'parallel vs header-seeker-6'!$N$2:$N$3</c15:sqref>
-                  </c15:fullRef>
-                </c:ext>
-              </c:extLst>
-              <c:f>'parallel vs header-seeker-6'!$N$3</c:f>
+              <c:f>'parallel vs header-seeker-6'!$N$2:$N$3</c:f>
               <c:numCache>
                 <c:formatCode>0.00%</c:formatCode>
                 <c:ptCount val="1"/>
@@ -4762,6 +4772,7 @@
                   <c:v>5.3E-3</c:v>
                 </c:pt>
               </c:numCache>
+              <c:extLst/>
             </c:numRef>
           </c:val>
           <c:extLst>
@@ -4850,32 +4861,19 @@
           </c:dLbls>
           <c:cat>
             <c:strRef>
-              <c:extLst>
-                <c:ext xmlns:c15="http://schemas.microsoft.com/office/drawing/2012/chart" uri="{02D57815-91ED-43cb-92C2-25804820EDAC}">
-                  <c15:fullRef>
-                    <c15:sqref>'parallel vs header-seeker-6'!$M$2:$M$3</c15:sqref>
-                  </c15:fullRef>
-                </c:ext>
-              </c:extLst>
-              <c:f>'parallel vs header-seeker-6'!$M$3</c:f>
+              <c:f>'parallel vs header-seeker-6'!$M$2:$M$3</c:f>
               <c:strCache>
                 <c:ptCount val="1"/>
                 <c:pt idx="0">
                   <c:v>FFs</c:v>
                 </c:pt>
               </c:strCache>
+              <c:extLst/>
             </c:strRef>
           </c:cat>
           <c:val>
             <c:numRef>
-              <c:extLst>
-                <c:ext xmlns:c15="http://schemas.microsoft.com/office/drawing/2012/chart" uri="{02D57815-91ED-43cb-92C2-25804820EDAC}">
-                  <c15:fullRef>
-                    <c15:sqref>'parallel vs header-seeker-6'!$O$2:$O$3</c15:sqref>
-                  </c15:fullRef>
-                </c:ext>
-              </c:extLst>
-              <c:f>'parallel vs header-seeker-6'!$O$3</c:f>
+              <c:f>'parallel vs header-seeker-6'!$O$2:$O$3</c:f>
               <c:numCache>
                 <c:formatCode>0.00%</c:formatCode>
                 <c:ptCount val="1"/>
@@ -4883,6 +4881,7 @@
                   <c:v>4.1999999999999997E-3</c:v>
                 </c:pt>
               </c:numCache>
+              <c:extLst/>
             </c:numRef>
           </c:val>
           <c:extLst>
@@ -4971,32 +4970,19 @@
           </c:dLbls>
           <c:cat>
             <c:strRef>
-              <c:extLst>
-                <c:ext xmlns:c15="http://schemas.microsoft.com/office/drawing/2012/chart" uri="{02D57815-91ED-43cb-92C2-25804820EDAC}">
-                  <c15:fullRef>
-                    <c15:sqref>'parallel vs header-seeker-6'!$M$2:$M$3</c15:sqref>
-                  </c15:fullRef>
-                </c:ext>
-              </c:extLst>
-              <c:f>'parallel vs header-seeker-6'!$M$3</c:f>
+              <c:f>'parallel vs header-seeker-6'!$M$2:$M$3</c:f>
               <c:strCache>
                 <c:ptCount val="1"/>
                 <c:pt idx="0">
                   <c:v>FFs</c:v>
                 </c:pt>
               </c:strCache>
+              <c:extLst/>
             </c:strRef>
           </c:cat>
           <c:val>
             <c:numRef>
-              <c:extLst>
-                <c:ext xmlns:c15="http://schemas.microsoft.com/office/drawing/2012/chart" uri="{02D57815-91ED-43cb-92C2-25804820EDAC}">
-                  <c15:fullRef>
-                    <c15:sqref>'parallel vs header-seeker-6'!$P$2:$P$3</c15:sqref>
-                  </c15:fullRef>
-                </c:ext>
-              </c:extLst>
-              <c:f>'parallel vs header-seeker-6'!$P$3</c:f>
+              <c:f>'parallel vs header-seeker-6'!$P$2:$P$3</c:f>
               <c:numCache>
                 <c:formatCode>0.00%</c:formatCode>
                 <c:ptCount val="1"/>
@@ -5004,6 +4990,7 @@
                   <c:v>3.7000000000000002E-3</c:v>
                 </c:pt>
               </c:numCache>
+              <c:extLst/>
             </c:numRef>
           </c:val>
           <c:extLst>
@@ -5092,32 +5079,19 @@
           </c:dLbls>
           <c:cat>
             <c:strRef>
-              <c:extLst>
-                <c:ext xmlns:c15="http://schemas.microsoft.com/office/drawing/2012/chart" uri="{02D57815-91ED-43cb-92C2-25804820EDAC}">
-                  <c15:fullRef>
-                    <c15:sqref>'parallel vs header-seeker-6'!$M$2:$M$3</c15:sqref>
-                  </c15:fullRef>
-                </c:ext>
-              </c:extLst>
-              <c:f>'parallel vs header-seeker-6'!$M$3</c:f>
+              <c:f>'parallel vs header-seeker-6'!$M$2:$M$3</c:f>
               <c:strCache>
                 <c:ptCount val="1"/>
                 <c:pt idx="0">
                   <c:v>FFs</c:v>
                 </c:pt>
               </c:strCache>
+              <c:extLst/>
             </c:strRef>
           </c:cat>
           <c:val>
             <c:numRef>
-              <c:extLst>
-                <c:ext xmlns:c15="http://schemas.microsoft.com/office/drawing/2012/chart" uri="{02D57815-91ED-43cb-92C2-25804820EDAC}">
-                  <c15:fullRef>
-                    <c15:sqref>'parallel vs header-seeker-6'!$Q$2:$Q$3</c15:sqref>
-                  </c15:fullRef>
-                </c:ext>
-              </c:extLst>
-              <c:f>'parallel vs header-seeker-6'!$Q$3</c:f>
+              <c:f>'parallel vs header-seeker-6'!$Q$2:$Q$3</c:f>
               <c:numCache>
                 <c:formatCode>0.00%</c:formatCode>
                 <c:ptCount val="1"/>
@@ -5125,6 +5099,7 @@
                   <c:v>3.0000000000000001E-3</c:v>
                 </c:pt>
               </c:numCache>
+              <c:extLst/>
             </c:numRef>
           </c:val>
           <c:extLst>
@@ -5213,32 +5188,19 @@
           </c:dLbls>
           <c:cat>
             <c:strRef>
-              <c:extLst>
-                <c:ext xmlns:c15="http://schemas.microsoft.com/office/drawing/2012/chart" uri="{02D57815-91ED-43cb-92C2-25804820EDAC}">
-                  <c15:fullRef>
-                    <c15:sqref>'parallel vs header-seeker-6'!$M$2:$M$3</c15:sqref>
-                  </c15:fullRef>
-                </c:ext>
-              </c:extLst>
-              <c:f>'parallel vs header-seeker-6'!$M$3</c:f>
+              <c:f>'parallel vs header-seeker-6'!$M$2:$M$3</c:f>
               <c:strCache>
                 <c:ptCount val="1"/>
                 <c:pt idx="0">
                   <c:v>FFs</c:v>
                 </c:pt>
               </c:strCache>
+              <c:extLst/>
             </c:strRef>
           </c:cat>
           <c:val>
             <c:numRef>
-              <c:extLst>
-                <c:ext xmlns:c15="http://schemas.microsoft.com/office/drawing/2012/chart" uri="{02D57815-91ED-43cb-92C2-25804820EDAC}">
-                  <c15:fullRef>
-                    <c15:sqref>'parallel vs header-seeker-6'!$R$2:$R$3</c15:sqref>
-                  </c15:fullRef>
-                </c:ext>
-              </c:extLst>
-              <c:f>'parallel vs header-seeker-6'!$R$3</c:f>
+              <c:f>'parallel vs header-seeker-6'!$R$2:$R$3</c:f>
               <c:numCache>
                 <c:formatCode>0.00%</c:formatCode>
                 <c:ptCount val="1"/>
@@ -5246,6 +5208,7 @@
                   <c:v>2.7000000000000001E-3</c:v>
                 </c:pt>
               </c:numCache>
+              <c:extLst/>
             </c:numRef>
           </c:val>
           <c:extLst>
@@ -5334,32 +5297,19 @@
           </c:dLbls>
           <c:cat>
             <c:strRef>
-              <c:extLst>
-                <c:ext xmlns:c15="http://schemas.microsoft.com/office/drawing/2012/chart" uri="{02D57815-91ED-43cb-92C2-25804820EDAC}">
-                  <c15:fullRef>
-                    <c15:sqref>'parallel vs header-seeker-6'!$M$2:$M$3</c15:sqref>
-                  </c15:fullRef>
-                </c:ext>
-              </c:extLst>
-              <c:f>'parallel vs header-seeker-6'!$M$3</c:f>
+              <c:f>'parallel vs header-seeker-6'!$M$2:$M$3</c:f>
               <c:strCache>
                 <c:ptCount val="1"/>
                 <c:pt idx="0">
                   <c:v>FFs</c:v>
                 </c:pt>
               </c:strCache>
+              <c:extLst/>
             </c:strRef>
           </c:cat>
           <c:val>
             <c:numRef>
-              <c:extLst>
-                <c:ext xmlns:c15="http://schemas.microsoft.com/office/drawing/2012/chart" uri="{02D57815-91ED-43cb-92C2-25804820EDAC}">
-                  <c15:fullRef>
-                    <c15:sqref>'parallel vs header-seeker-6'!$S$2:$S$3</c15:sqref>
-                  </c15:fullRef>
-                </c:ext>
-              </c:extLst>
-              <c:f>'parallel vs header-seeker-6'!$S$3</c:f>
+              <c:f>'parallel vs header-seeker-6'!$S$2:$S$3</c:f>
               <c:numCache>
                 <c:formatCode>0.00%</c:formatCode>
                 <c:ptCount val="1"/>
@@ -5367,6 +5317,7 @@
                   <c:v>2.5000000000000001E-3</c:v>
                 </c:pt>
               </c:numCache>
+              <c:extLst/>
             </c:numRef>
           </c:val>
           <c:extLst>
@@ -5455,32 +5406,19 @@
           </c:dLbls>
           <c:cat>
             <c:strRef>
-              <c:extLst>
-                <c:ext xmlns:c15="http://schemas.microsoft.com/office/drawing/2012/chart" uri="{02D57815-91ED-43cb-92C2-25804820EDAC}">
-                  <c15:fullRef>
-                    <c15:sqref>'parallel vs header-seeker-6'!$M$2:$M$3</c15:sqref>
-                  </c15:fullRef>
-                </c:ext>
-              </c:extLst>
-              <c:f>'parallel vs header-seeker-6'!$M$3</c:f>
+              <c:f>'parallel vs header-seeker-6'!$M$2:$M$3</c:f>
               <c:strCache>
                 <c:ptCount val="1"/>
                 <c:pt idx="0">
                   <c:v>FFs</c:v>
                 </c:pt>
               </c:strCache>
+              <c:extLst/>
             </c:strRef>
           </c:cat>
           <c:val>
             <c:numRef>
-              <c:extLst>
-                <c:ext xmlns:c15="http://schemas.microsoft.com/office/drawing/2012/chart" uri="{02D57815-91ED-43cb-92C2-25804820EDAC}">
-                  <c15:fullRef>
-                    <c15:sqref>'parallel vs header-seeker-6'!$T$2:$T$3</c15:sqref>
-                  </c15:fullRef>
-                </c:ext>
-              </c:extLst>
-              <c:f>'parallel vs header-seeker-6'!$T$3</c:f>
+              <c:f>'parallel vs header-seeker-6'!$T$2:$T$3</c:f>
               <c:numCache>
                 <c:formatCode>0.00%</c:formatCode>
                 <c:ptCount val="1"/>
@@ -5488,6 +5426,7 @@
                   <c:v>2.3999999999999998E-3</c:v>
                 </c:pt>
               </c:numCache>
+              <c:extLst/>
             </c:numRef>
           </c:val>
           <c:extLst>
@@ -5576,32 +5515,19 @@
           </c:dLbls>
           <c:cat>
             <c:strRef>
-              <c:extLst>
-                <c:ext xmlns:c15="http://schemas.microsoft.com/office/drawing/2012/chart" uri="{02D57815-91ED-43cb-92C2-25804820EDAC}">
-                  <c15:fullRef>
-                    <c15:sqref>'parallel vs header-seeker-6'!$M$2:$M$3</c15:sqref>
-                  </c15:fullRef>
-                </c:ext>
-              </c:extLst>
-              <c:f>'parallel vs header-seeker-6'!$M$3</c:f>
+              <c:f>'parallel vs header-seeker-6'!$M$2:$M$3</c:f>
               <c:strCache>
                 <c:ptCount val="1"/>
                 <c:pt idx="0">
                   <c:v>FFs</c:v>
                 </c:pt>
               </c:strCache>
+              <c:extLst/>
             </c:strRef>
           </c:cat>
           <c:val>
             <c:numRef>
-              <c:extLst>
-                <c:ext xmlns:c15="http://schemas.microsoft.com/office/drawing/2012/chart" uri="{02D57815-91ED-43cb-92C2-25804820EDAC}">
-                  <c15:fullRef>
-                    <c15:sqref>'parallel vs header-seeker-6'!$U$2:$U$3</c15:sqref>
-                  </c15:fullRef>
-                </c:ext>
-              </c:extLst>
-              <c:f>'parallel vs header-seeker-6'!$U$3</c:f>
+              <c:f>'parallel vs header-seeker-6'!$U$2:$U$3</c:f>
               <c:numCache>
                 <c:formatCode>0.00%</c:formatCode>
                 <c:ptCount val="1"/>
@@ -5609,6 +5535,7 @@
                   <c:v>2.3E-3</c:v>
                 </c:pt>
               </c:numCache>
+              <c:extLst/>
             </c:numRef>
           </c:val>
           <c:extLst>
@@ -5710,14 +5637,7 @@
           </c:cat>
           <c:val>
             <c:numRef>
-              <c:extLst>
-                <c:ext xmlns:c15="http://schemas.microsoft.com/office/drawing/2012/chart" uri="{02D57815-91ED-43cb-92C2-25804820EDAC}">
-                  <c15:fullRef>
-                    <c15:sqref>'parallel vs header-seeker-6'!$V$2:$V$3</c15:sqref>
-                  </c15:fullRef>
-                </c:ext>
-              </c:extLst>
-              <c:f>'parallel vs header-seeker-6'!$V$3</c:f>
+              <c:f>'parallel vs header-seeker-6'!$V$2:$V$3</c:f>
               <c:numCache>
                 <c:formatCode>0.00%</c:formatCode>
                 <c:ptCount val="1"/>
@@ -5725,6 +5645,7 @@
                   <c:v>1.6999999999999999E-3</c:v>
                 </c:pt>
               </c:numCache>
+              <c:extLst/>
             </c:numRef>
           </c:val>
           <c:extLst>
@@ -5860,11 +5781,8 @@
                   <c:strRef>
                     <c:extLst>
                       <c:ext uri="{02D57815-91ED-43cb-92C2-25804820EDAC}">
-                        <c15:fullRef>
+                        <c15:formulaRef>
                           <c15:sqref>'parallel vs header-seeker-6'!$M$2:$M$3</c15:sqref>
-                        </c15:fullRef>
-                        <c15:formulaRef>
-                          <c15:sqref>'parallel vs header-seeker-6'!$M$3</c15:sqref>
                         </c15:formulaRef>
                       </c:ext>
                     </c:extLst>
@@ -5880,11 +5798,8 @@
                   <c:numRef>
                     <c:extLst>
                       <c:ext uri="{02D57815-91ED-43cb-92C2-25804820EDAC}">
-                        <c15:fullRef>
+                        <c15:formulaRef>
                           <c15:sqref>'parallel vs header-seeker-6'!$N$2:$N$3</c15:sqref>
-                        </c15:fullRef>
-                        <c15:formulaRef>
-                          <c15:sqref>'parallel vs header-seeker-6'!$N$3</c15:sqref>
                         </c15:formulaRef>
                       </c:ext>
                     </c:extLst>
@@ -6016,11 +5931,8 @@
                   <c:strRef>
                     <c:extLst xmlns:c15="http://schemas.microsoft.com/office/drawing/2012/chart">
                       <c:ext xmlns:c15="http://schemas.microsoft.com/office/drawing/2012/chart" uri="{02D57815-91ED-43cb-92C2-25804820EDAC}">
-                        <c15:fullRef>
+                        <c15:formulaRef>
                           <c15:sqref>'parallel vs header-seeker-6'!$M$2:$M$3</c15:sqref>
-                        </c15:fullRef>
-                        <c15:formulaRef>
-                          <c15:sqref>'parallel vs header-seeker-6'!$M$3</c15:sqref>
                         </c15:formulaRef>
                       </c:ext>
                     </c:extLst>
@@ -6036,11 +5948,8 @@
                   <c:numRef>
                     <c:extLst xmlns:c15="http://schemas.microsoft.com/office/drawing/2012/chart">
                       <c:ext xmlns:c15="http://schemas.microsoft.com/office/drawing/2012/chart" uri="{02D57815-91ED-43cb-92C2-25804820EDAC}">
-                        <c15:fullRef>
+                        <c15:formulaRef>
                           <c15:sqref>'parallel vs header-seeker-6'!$R$2:$R$3</c15:sqref>
-                        </c15:fullRef>
-                        <c15:formulaRef>
-                          <c15:sqref>'parallel vs header-seeker-6'!$R$3</c15:sqref>
                         </c15:formulaRef>
                       </c:ext>
                     </c:extLst>
@@ -6172,11 +6081,8 @@
                   <c:strRef>
                     <c:extLst xmlns:c15="http://schemas.microsoft.com/office/drawing/2012/chart">
                       <c:ext xmlns:c15="http://schemas.microsoft.com/office/drawing/2012/chart" uri="{02D57815-91ED-43cb-92C2-25804820EDAC}">
-                        <c15:fullRef>
+                        <c15:formulaRef>
                           <c15:sqref>'parallel vs header-seeker-6'!$M$2:$M$3</c15:sqref>
-                        </c15:fullRef>
-                        <c15:formulaRef>
-                          <c15:sqref>'parallel vs header-seeker-6'!$M$3</c15:sqref>
                         </c15:formulaRef>
                       </c:ext>
                     </c:extLst>
@@ -6192,11 +6098,8 @@
                   <c:numRef>
                     <c:extLst xmlns:c15="http://schemas.microsoft.com/office/drawing/2012/chart">
                       <c:ext xmlns:c15="http://schemas.microsoft.com/office/drawing/2012/chart" uri="{02D57815-91ED-43cb-92C2-25804820EDAC}">
-                        <c15:fullRef>
+                        <c15:formulaRef>
                           <c15:sqref>'parallel vs header-seeker-6'!$S$2:$S$3</c15:sqref>
-                        </c15:fullRef>
-                        <c15:formulaRef>
-                          <c15:sqref>'parallel vs header-seeker-6'!$S$3</c15:sqref>
                         </c15:formulaRef>
                       </c:ext>
                     </c:extLst>
@@ -11018,32 +10921,19 @@
           </c:dLbls>
           <c:cat>
             <c:strRef>
-              <c:extLst>
-                <c:ext xmlns:c15="http://schemas.microsoft.com/office/drawing/2012/chart" uri="{02D57815-91ED-43cb-92C2-25804820EDAC}">
-                  <c15:fullRef>
-                    <c15:sqref>'parallel vs header-seeker-6'!$M$2:$M$3</c15:sqref>
-                  </c15:fullRef>
-                </c:ext>
-              </c:extLst>
-              <c:f>'parallel vs header-seeker-6'!$M$2</c:f>
+              <c:f>'parallel vs header-seeker-6'!$M$2:$M$3</c:f>
               <c:strCache>
                 <c:ptCount val="1"/>
                 <c:pt idx="0">
                   <c:v>LUTs</c:v>
                 </c:pt>
               </c:strCache>
+              <c:extLst/>
             </c:strRef>
           </c:cat>
           <c:val>
             <c:numRef>
-              <c:extLst>
-                <c:ext xmlns:c15="http://schemas.microsoft.com/office/drawing/2012/chart" uri="{02D57815-91ED-43cb-92C2-25804820EDAC}">
-                  <c15:fullRef>
-                    <c15:sqref>'parallel vs header-seeker-6'!$N$2:$N$3</c15:sqref>
-                  </c15:fullRef>
-                </c:ext>
-              </c:extLst>
-              <c:f>'parallel vs header-seeker-6'!$N$2</c:f>
+              <c:f>'parallel vs header-seeker-6'!$N$2:$N$3</c:f>
               <c:numCache>
                 <c:formatCode>0.00%</c:formatCode>
                 <c:ptCount val="1"/>
@@ -11051,6 +10941,7 @@
                   <c:v>1.47E-2</c:v>
                 </c:pt>
               </c:numCache>
+              <c:extLst/>
             </c:numRef>
           </c:val>
           <c:extLst>
@@ -11139,32 +11030,19 @@
           </c:dLbls>
           <c:cat>
             <c:strRef>
-              <c:extLst>
-                <c:ext xmlns:c15="http://schemas.microsoft.com/office/drawing/2012/chart" uri="{02D57815-91ED-43cb-92C2-25804820EDAC}">
-                  <c15:fullRef>
-                    <c15:sqref>'parallel vs header-seeker-6'!$M$2:$M$3</c15:sqref>
-                  </c15:fullRef>
-                </c:ext>
-              </c:extLst>
-              <c:f>'parallel vs header-seeker-6'!$M$2</c:f>
+              <c:f>'parallel vs header-seeker-6'!$M$2:$M$3</c:f>
               <c:strCache>
                 <c:ptCount val="1"/>
                 <c:pt idx="0">
                   <c:v>LUTs</c:v>
                 </c:pt>
               </c:strCache>
+              <c:extLst/>
             </c:strRef>
           </c:cat>
           <c:val>
             <c:numRef>
-              <c:extLst>
-                <c:ext xmlns:c15="http://schemas.microsoft.com/office/drawing/2012/chart" uri="{02D57815-91ED-43cb-92C2-25804820EDAC}">
-                  <c15:fullRef>
-                    <c15:sqref>'parallel vs header-seeker-6'!$O$2:$O$3</c15:sqref>
-                  </c15:fullRef>
-                </c:ext>
-              </c:extLst>
-              <c:f>'parallel vs header-seeker-6'!$O$2</c:f>
+              <c:f>'parallel vs header-seeker-6'!$O$2:$O$3</c:f>
               <c:numCache>
                 <c:formatCode>0.00%</c:formatCode>
                 <c:ptCount val="1"/>
@@ -11172,6 +11050,7 @@
                   <c:v>1.0699999999999999E-2</c:v>
                 </c:pt>
               </c:numCache>
+              <c:extLst/>
             </c:numRef>
           </c:val>
           <c:extLst>
@@ -11260,32 +11139,19 @@
           </c:dLbls>
           <c:cat>
             <c:strRef>
-              <c:extLst>
-                <c:ext xmlns:c15="http://schemas.microsoft.com/office/drawing/2012/chart" uri="{02D57815-91ED-43cb-92C2-25804820EDAC}">
-                  <c15:fullRef>
-                    <c15:sqref>'parallel vs header-seeker-6'!$M$2:$M$3</c15:sqref>
-                  </c15:fullRef>
-                </c:ext>
-              </c:extLst>
-              <c:f>'parallel vs header-seeker-6'!$M$2</c:f>
+              <c:f>'parallel vs header-seeker-6'!$M$2:$M$3</c:f>
               <c:strCache>
                 <c:ptCount val="1"/>
                 <c:pt idx="0">
                   <c:v>LUTs</c:v>
                 </c:pt>
               </c:strCache>
+              <c:extLst/>
             </c:strRef>
           </c:cat>
           <c:val>
             <c:numRef>
-              <c:extLst>
-                <c:ext xmlns:c15="http://schemas.microsoft.com/office/drawing/2012/chart" uri="{02D57815-91ED-43cb-92C2-25804820EDAC}">
-                  <c15:fullRef>
-                    <c15:sqref>'parallel vs header-seeker-6'!$P$2:$P$3</c15:sqref>
-                  </c15:fullRef>
-                </c:ext>
-              </c:extLst>
-              <c:f>'parallel vs header-seeker-6'!$P$2</c:f>
+              <c:f>'parallel vs header-seeker-6'!$P$2:$P$3</c:f>
               <c:numCache>
                 <c:formatCode>0.00%</c:formatCode>
                 <c:ptCount val="1"/>
@@ -11293,6 +11159,7 @@
                   <c:v>9.4000000000000004E-3</c:v>
                 </c:pt>
               </c:numCache>
+              <c:extLst/>
             </c:numRef>
           </c:val>
           <c:extLst>
@@ -11381,32 +11248,19 @@
           </c:dLbls>
           <c:cat>
             <c:strRef>
-              <c:extLst>
-                <c:ext xmlns:c15="http://schemas.microsoft.com/office/drawing/2012/chart" uri="{02D57815-91ED-43cb-92C2-25804820EDAC}">
-                  <c15:fullRef>
-                    <c15:sqref>'parallel vs header-seeker-6'!$M$2:$M$3</c15:sqref>
-                  </c15:fullRef>
-                </c:ext>
-              </c:extLst>
-              <c:f>'parallel vs header-seeker-6'!$M$2</c:f>
+              <c:f>'parallel vs header-seeker-6'!$M$2:$M$3</c:f>
               <c:strCache>
                 <c:ptCount val="1"/>
                 <c:pt idx="0">
                   <c:v>LUTs</c:v>
                 </c:pt>
               </c:strCache>
+              <c:extLst/>
             </c:strRef>
           </c:cat>
           <c:val>
             <c:numRef>
-              <c:extLst>
-                <c:ext xmlns:c15="http://schemas.microsoft.com/office/drawing/2012/chart" uri="{02D57815-91ED-43cb-92C2-25804820EDAC}">
-                  <c15:fullRef>
-                    <c15:sqref>'parallel vs header-seeker-6'!$Q$2:$Q$3</c15:sqref>
-                  </c15:fullRef>
-                </c:ext>
-              </c:extLst>
-              <c:f>'parallel vs header-seeker-6'!$Q$2</c:f>
+              <c:f>'parallel vs header-seeker-6'!$Q$2:$Q$3</c:f>
               <c:numCache>
                 <c:formatCode>0.00%</c:formatCode>
                 <c:ptCount val="1"/>
@@ -11414,6 +11268,7 @@
                   <c:v>7.7000000000000002E-3</c:v>
                 </c:pt>
               </c:numCache>
+              <c:extLst/>
             </c:numRef>
           </c:val>
           <c:extLst>
@@ -11502,32 +11357,19 @@
           </c:dLbls>
           <c:cat>
             <c:strRef>
-              <c:extLst>
-                <c:ext xmlns:c15="http://schemas.microsoft.com/office/drawing/2012/chart" uri="{02D57815-91ED-43cb-92C2-25804820EDAC}">
-                  <c15:fullRef>
-                    <c15:sqref>'parallel vs header-seeker-6'!$M$2:$M$3</c15:sqref>
-                  </c15:fullRef>
-                </c:ext>
-              </c:extLst>
-              <c:f>'parallel vs header-seeker-6'!$M$2</c:f>
+              <c:f>'parallel vs header-seeker-6'!$M$2:$M$3</c:f>
               <c:strCache>
                 <c:ptCount val="1"/>
                 <c:pt idx="0">
                   <c:v>LUTs</c:v>
                 </c:pt>
               </c:strCache>
+              <c:extLst/>
             </c:strRef>
           </c:cat>
           <c:val>
             <c:numRef>
-              <c:extLst>
-                <c:ext xmlns:c15="http://schemas.microsoft.com/office/drawing/2012/chart" uri="{02D57815-91ED-43cb-92C2-25804820EDAC}">
-                  <c15:fullRef>
-                    <c15:sqref>'parallel vs header-seeker-6'!$R$2:$R$3</c15:sqref>
-                  </c15:fullRef>
-                </c:ext>
-              </c:extLst>
-              <c:f>'parallel vs header-seeker-6'!$R$2</c:f>
+              <c:f>'parallel vs header-seeker-6'!$R$2:$R$3</c:f>
               <c:numCache>
                 <c:formatCode>0.00%</c:formatCode>
                 <c:ptCount val="1"/>
@@ -11535,6 +11377,7 @@
                   <c:v>7.4999999999999997E-3</c:v>
                 </c:pt>
               </c:numCache>
+              <c:extLst/>
             </c:numRef>
           </c:val>
           <c:extLst>
@@ -11623,32 +11466,19 @@
           </c:dLbls>
           <c:cat>
             <c:strRef>
-              <c:extLst>
-                <c:ext xmlns:c15="http://schemas.microsoft.com/office/drawing/2012/chart" uri="{02D57815-91ED-43cb-92C2-25804820EDAC}">
-                  <c15:fullRef>
-                    <c15:sqref>'parallel vs header-seeker-6'!$M$2:$M$3</c15:sqref>
-                  </c15:fullRef>
-                </c:ext>
-              </c:extLst>
-              <c:f>'parallel vs header-seeker-6'!$M$2</c:f>
+              <c:f>'parallel vs header-seeker-6'!$M$2:$M$3</c:f>
               <c:strCache>
                 <c:ptCount val="1"/>
                 <c:pt idx="0">
                   <c:v>LUTs</c:v>
                 </c:pt>
               </c:strCache>
+              <c:extLst/>
             </c:strRef>
           </c:cat>
           <c:val>
             <c:numRef>
-              <c:extLst>
-                <c:ext xmlns:c15="http://schemas.microsoft.com/office/drawing/2012/chart" uri="{02D57815-91ED-43cb-92C2-25804820EDAC}">
-                  <c15:fullRef>
-                    <c15:sqref>'parallel vs header-seeker-6'!$S$2:$S$3</c15:sqref>
-                  </c15:fullRef>
-                </c:ext>
-              </c:extLst>
-              <c:f>'parallel vs header-seeker-6'!$S$2</c:f>
+              <c:f>'parallel vs header-seeker-6'!$S$2:$S$3</c:f>
               <c:numCache>
                 <c:formatCode>0.00%</c:formatCode>
                 <c:ptCount val="1"/>
@@ -11656,6 +11486,7 @@
                   <c:v>6.7000000000000002E-3</c:v>
                 </c:pt>
               </c:numCache>
+              <c:extLst/>
             </c:numRef>
           </c:val>
           <c:extLst>
@@ -11744,32 +11575,19 @@
           </c:dLbls>
           <c:cat>
             <c:strRef>
-              <c:extLst>
-                <c:ext xmlns:c15="http://schemas.microsoft.com/office/drawing/2012/chart" uri="{02D57815-91ED-43cb-92C2-25804820EDAC}">
-                  <c15:fullRef>
-                    <c15:sqref>'parallel vs header-seeker-6'!$M$2:$M$3</c15:sqref>
-                  </c15:fullRef>
-                </c:ext>
-              </c:extLst>
-              <c:f>'parallel vs header-seeker-6'!$M$2</c:f>
+              <c:f>'parallel vs header-seeker-6'!$M$2:$M$3</c:f>
               <c:strCache>
                 <c:ptCount val="1"/>
                 <c:pt idx="0">
                   <c:v>LUTs</c:v>
                 </c:pt>
               </c:strCache>
+              <c:extLst/>
             </c:strRef>
           </c:cat>
           <c:val>
             <c:numRef>
-              <c:extLst>
-                <c:ext xmlns:c15="http://schemas.microsoft.com/office/drawing/2012/chart" uri="{02D57815-91ED-43cb-92C2-25804820EDAC}">
-                  <c15:fullRef>
-                    <c15:sqref>'parallel vs header-seeker-6'!$T$2:$T$3</c15:sqref>
-                  </c15:fullRef>
-                </c:ext>
-              </c:extLst>
-              <c:f>'parallel vs header-seeker-6'!$T$2</c:f>
+              <c:f>'parallel vs header-seeker-6'!$T$2:$T$3</c:f>
               <c:numCache>
                 <c:formatCode>0.00%</c:formatCode>
                 <c:ptCount val="1"/>
@@ -11777,132 +11595,12 @@
                   <c:v>5.7999999999999996E-3</c:v>
                 </c:pt>
               </c:numCache>
+              <c:extLst/>
             </c:numRef>
           </c:val>
           <c:extLst>
             <c:ext xmlns:c16="http://schemas.microsoft.com/office/drawing/2014/chart" uri="{C3380CC4-5D6E-409C-BE32-E72D297353CC}">
               <c16:uniqueId val="{00000006-7D7B-40C9-8634-0D57EDA7BA48}"/>
-            </c:ext>
-          </c:extLst>
-        </c:ser>
-        <c:ser>
-          <c:idx val="10"/>
-          <c:order val="7"/>
-          <c:tx>
-            <c:strRef>
-              <c:f>'parallel vs header-seeker-6'!$U$1</c:f>
-              <c:strCache>
-                <c:ptCount val="1"/>
-                <c:pt idx="0">
-                  <c:v>HS1</c:v>
-                </c:pt>
-              </c:strCache>
-            </c:strRef>
-          </c:tx>
-          <c:spPr>
-            <a:solidFill>
-              <a:srgbClr val="424242"/>
-            </a:solidFill>
-            <a:ln>
-              <a:noFill/>
-            </a:ln>
-            <a:effectLst/>
-          </c:spPr>
-          <c:invertIfNegative val="0"/>
-          <c:dLbls>
-            <c:spPr>
-              <a:noFill/>
-              <a:ln>
-                <a:noFill/>
-              </a:ln>
-              <a:effectLst/>
-            </c:spPr>
-            <c:txPr>
-              <a:bodyPr rot="0" spcFirstLastPara="1" vertOverflow="ellipsis" vert="horz" wrap="square" lIns="38100" tIns="19050" rIns="38100" bIns="19050" anchor="ctr" anchorCtr="1">
-                <a:spAutoFit/>
-              </a:bodyPr>
-              <a:lstStyle/>
-              <a:p>
-                <a:pPr>
-                  <a:defRPr sz="700" b="0" i="0" u="none" strike="noStrike" kern="1200" baseline="0">
-                    <a:solidFill>
-                      <a:schemeClr val="tx2"/>
-                    </a:solidFill>
-                    <a:latin typeface="+mn-lt"/>
-                    <a:ea typeface="+mn-ea"/>
-                    <a:cs typeface="+mn-cs"/>
-                  </a:defRPr>
-                </a:pPr>
-                <a:endParaRPr lang="en-US"/>
-              </a:p>
-            </c:txPr>
-            <c:dLblPos val="outEnd"/>
-            <c:showLegendKey val="0"/>
-            <c:showVal val="1"/>
-            <c:showCatName val="0"/>
-            <c:showSerName val="0"/>
-            <c:showPercent val="0"/>
-            <c:showBubbleSize val="0"/>
-            <c:showLeaderLines val="0"/>
-            <c:extLst>
-              <c:ext xmlns:c15="http://schemas.microsoft.com/office/drawing/2012/chart" uri="{CE6537A1-D6FC-4f65-9D91-7224C49458BB}">
-                <c15:showLeaderLines val="1"/>
-                <c15:leaderLines>
-                  <c:spPr>
-                    <a:ln w="9525">
-                      <a:solidFill>
-                        <a:schemeClr val="tx2">
-                          <a:lumMod val="35000"/>
-                          <a:lumOff val="65000"/>
-                        </a:schemeClr>
-                      </a:solidFill>
-                    </a:ln>
-                    <a:effectLst/>
-                  </c:spPr>
-                </c15:leaderLines>
-              </c:ext>
-            </c:extLst>
-          </c:dLbls>
-          <c:cat>
-            <c:strRef>
-              <c:extLst>
-                <c:ext xmlns:c15="http://schemas.microsoft.com/office/drawing/2012/chart" uri="{02D57815-91ED-43cb-92C2-25804820EDAC}">
-                  <c15:fullRef>
-                    <c15:sqref>'parallel vs header-seeker-6'!$M$2:$M$3</c15:sqref>
-                  </c15:fullRef>
-                </c:ext>
-              </c:extLst>
-              <c:f>'parallel vs header-seeker-6'!$M$2</c:f>
-              <c:strCache>
-                <c:ptCount val="1"/>
-                <c:pt idx="0">
-                  <c:v>LUTs</c:v>
-                </c:pt>
-              </c:strCache>
-            </c:strRef>
-          </c:cat>
-          <c:val>
-            <c:numRef>
-              <c:extLst>
-                <c:ext xmlns:c15="http://schemas.microsoft.com/office/drawing/2012/chart" uri="{02D57815-91ED-43cb-92C2-25804820EDAC}">
-                  <c15:fullRef>
-                    <c15:sqref>'parallel vs header-seeker-6'!$U$2:$U$3</c15:sqref>
-                  </c15:fullRef>
-                </c:ext>
-              </c:extLst>
-              <c:f>'parallel vs header-seeker-6'!$U$2</c:f>
-              <c:numCache>
-                <c:formatCode>0.00%</c:formatCode>
-                <c:ptCount val="1"/>
-                <c:pt idx="0">
-                  <c:v>5.4000000000000003E-3</c:v>
-                </c:pt>
-              </c:numCache>
-            </c:numRef>
-          </c:val>
-          <c:extLst>
-            <c:ext xmlns:c16="http://schemas.microsoft.com/office/drawing/2014/chart" uri="{C3380CC4-5D6E-409C-BE32-E72D297353CC}">
-              <c16:uniqueId val="{00000007-7D7B-40C9-8634-0D57EDA7BA48}"/>
             </c:ext>
           </c:extLst>
         </c:ser>
@@ -11999,14 +11697,7 @@
           </c:cat>
           <c:val>
             <c:numRef>
-              <c:extLst>
-                <c:ext xmlns:c15="http://schemas.microsoft.com/office/drawing/2012/chart" uri="{02D57815-91ED-43cb-92C2-25804820EDAC}">
-                  <c15:fullRef>
-                    <c15:sqref>'parallel vs header-seeker-6'!$V$2:$V$3</c15:sqref>
-                  </c15:fullRef>
-                </c:ext>
-              </c:extLst>
-              <c:f>'parallel vs header-seeker-6'!$V$2</c:f>
+              <c:f>'parallel vs header-seeker-6'!$V$2:$V$3</c:f>
               <c:numCache>
                 <c:formatCode>0.00%</c:formatCode>
                 <c:ptCount val="1"/>
@@ -12014,6 +11705,7 @@
                   <c:v>1.9E-3</c:v>
                 </c:pt>
               </c:numCache>
+              <c:extLst/>
             </c:numRef>
           </c:val>
           <c:extLst>
@@ -12039,12 +11731,139 @@
           <c:ext xmlns:c15="http://schemas.microsoft.com/office/drawing/2012/chart" uri="{02D57815-91ED-43cb-92C2-25804820EDAC}">
             <c15:filteredBarSeries>
               <c15:ser>
+                <c:idx val="10"/>
+                <c:order val="7"/>
+                <c:tx>
+                  <c:strRef>
+                    <c:extLst>
+                      <c:ext uri="{02D57815-91ED-43cb-92C2-25804820EDAC}">
+                        <c15:formulaRef>
+                          <c15:sqref>'parallel vs header-seeker-6'!$U$1</c15:sqref>
+                        </c15:formulaRef>
+                      </c:ext>
+                    </c:extLst>
+                    <c:strCache>
+                      <c:ptCount val="1"/>
+                      <c:pt idx="0">
+                        <c:v>HS1</c:v>
+                      </c:pt>
+                    </c:strCache>
+                  </c:strRef>
+                </c:tx>
+                <c:spPr>
+                  <a:solidFill>
+                    <a:srgbClr val="424242"/>
+                  </a:solidFill>
+                  <a:ln>
+                    <a:noFill/>
+                  </a:ln>
+                  <a:effectLst/>
+                </c:spPr>
+                <c:invertIfNegative val="0"/>
+                <c:dLbls>
+                  <c:spPr>
+                    <a:noFill/>
+                    <a:ln>
+                      <a:noFill/>
+                    </a:ln>
+                    <a:effectLst/>
+                  </c:spPr>
+                  <c:txPr>
+                    <a:bodyPr rot="0" spcFirstLastPara="1" vertOverflow="ellipsis" vert="horz" wrap="square" lIns="38100" tIns="19050" rIns="38100" bIns="19050" anchor="ctr" anchorCtr="1">
+                      <a:spAutoFit/>
+                    </a:bodyPr>
+                    <a:lstStyle/>
+                    <a:p>
+                      <a:pPr>
+                        <a:defRPr sz="700" b="0" i="0" u="none" strike="noStrike" kern="1200" baseline="0">
+                          <a:solidFill>
+                            <a:schemeClr val="tx2"/>
+                          </a:solidFill>
+                          <a:latin typeface="+mn-lt"/>
+                          <a:ea typeface="+mn-ea"/>
+                          <a:cs typeface="+mn-cs"/>
+                        </a:defRPr>
+                      </a:pPr>
+                      <a:endParaRPr lang="en-US"/>
+                    </a:p>
+                  </c:txPr>
+                  <c:dLblPos val="outEnd"/>
+                  <c:showLegendKey val="0"/>
+                  <c:showVal val="1"/>
+                  <c:showCatName val="0"/>
+                  <c:showSerName val="0"/>
+                  <c:showPercent val="0"/>
+                  <c:showBubbleSize val="0"/>
+                  <c:showLeaderLines val="0"/>
+                  <c:extLst>
+                    <c:ext uri="{CE6537A1-D6FC-4f65-9D91-7224C49458BB}">
+                      <c15:showLeaderLines val="1"/>
+                      <c15:leaderLines>
+                        <c:spPr>
+                          <a:ln w="9525">
+                            <a:solidFill>
+                              <a:schemeClr val="tx2">
+                                <a:lumMod val="35000"/>
+                                <a:lumOff val="65000"/>
+                              </a:schemeClr>
+                            </a:solidFill>
+                          </a:ln>
+                          <a:effectLst/>
+                        </c:spPr>
+                      </c15:leaderLines>
+                    </c:ext>
+                  </c:extLst>
+                </c:dLbls>
+                <c:cat>
+                  <c:strRef>
+                    <c:extLst>
+                      <c:ext uri="{02D57815-91ED-43cb-92C2-25804820EDAC}">
+                        <c15:formulaRef>
+                          <c15:sqref>'parallel vs header-seeker-6'!$M$2:$M$3</c15:sqref>
+                        </c15:formulaRef>
+                      </c:ext>
+                    </c:extLst>
+                    <c:strCache>
+                      <c:ptCount val="1"/>
+                      <c:pt idx="0">
+                        <c:v>LUTs</c:v>
+                      </c:pt>
+                    </c:strCache>
+                  </c:strRef>
+                </c:cat>
+                <c:val>
+                  <c:numRef>
+                    <c:extLst>
+                      <c:ext uri="{02D57815-91ED-43cb-92C2-25804820EDAC}">
+                        <c15:formulaRef>
+                          <c15:sqref>'parallel vs header-seeker-6'!$U$2:$U$3</c15:sqref>
+                        </c15:formulaRef>
+                      </c:ext>
+                    </c:extLst>
+                    <c:numCache>
+                      <c:formatCode>0.00%</c:formatCode>
+                      <c:ptCount val="1"/>
+                      <c:pt idx="0">
+                        <c:v>5.4000000000000003E-3</c:v>
+                      </c:pt>
+                    </c:numCache>
+                  </c:numRef>
+                </c:val>
+                <c:extLst>
+                  <c:ext xmlns:c16="http://schemas.microsoft.com/office/drawing/2014/chart" uri="{C3380CC4-5D6E-409C-BE32-E72D297353CC}">
+                    <c16:uniqueId val="{00000007-7D7B-40C9-8634-0D57EDA7BA48}"/>
+                  </c:ext>
+                </c:extLst>
+              </c15:ser>
+            </c15:filteredBarSeries>
+            <c15:filteredBarSeries>
+              <c15:ser>
                 <c:idx val="0"/>
                 <c:order val="8"/>
                 <c:tx>
                   <c:strRef>
-                    <c:extLst>
-                      <c:ext uri="{02D57815-91ED-43cb-92C2-25804820EDAC}">
+                    <c:extLst xmlns:c15="http://schemas.microsoft.com/office/drawing/2012/chart">
+                      <c:ext xmlns:c15="http://schemas.microsoft.com/office/drawing/2012/chart" uri="{02D57815-91ED-43cb-92C2-25804820EDAC}">
                         <c15:formulaRef>
                           <c15:sqref>'parallel vs header-seeker-6'!$N$1</c15:sqref>
                         </c15:formulaRef>
@@ -12126,8 +11945,8 @@
                   <c:showPercent val="0"/>
                   <c:showBubbleSize val="0"/>
                   <c:showLeaderLines val="0"/>
-                  <c:extLst>
-                    <c:ext uri="{CE6537A1-D6FC-4f65-9D91-7224C49458BB}">
+                  <c:extLst xmlns:c15="http://schemas.microsoft.com/office/drawing/2012/chart">
+                    <c:ext xmlns:c15="http://schemas.microsoft.com/office/drawing/2012/chart" uri="{CE6537A1-D6FC-4f65-9D91-7224C49458BB}">
                       <c15:showLeaderLines val="1"/>
                       <c15:leaderLines>
                         <c:spPr>
@@ -12147,13 +11966,10 @@
                 </c:dLbls>
                 <c:cat>
                   <c:strRef>
-                    <c:extLst>
-                      <c:ext uri="{02D57815-91ED-43cb-92C2-25804820EDAC}">
-                        <c15:fullRef>
+                    <c:extLst xmlns:c15="http://schemas.microsoft.com/office/drawing/2012/chart">
+                      <c:ext xmlns:c15="http://schemas.microsoft.com/office/drawing/2012/chart" uri="{02D57815-91ED-43cb-92C2-25804820EDAC}">
+                        <c15:formulaRef>
                           <c15:sqref>'parallel vs header-seeker-6'!$M$2:$M$3</c15:sqref>
-                        </c15:fullRef>
-                        <c15:formulaRef>
-                          <c15:sqref>'parallel vs header-seeker-6'!$M$2</c15:sqref>
                         </c15:formulaRef>
                       </c:ext>
                     </c:extLst>
@@ -12167,13 +11983,10 @@
                 </c:cat>
                 <c:val>
                   <c:numRef>
-                    <c:extLst>
-                      <c:ext uri="{02D57815-91ED-43cb-92C2-25804820EDAC}">
-                        <c15:fullRef>
+                    <c:extLst xmlns:c15="http://schemas.microsoft.com/office/drawing/2012/chart">
+                      <c:ext xmlns:c15="http://schemas.microsoft.com/office/drawing/2012/chart" uri="{02D57815-91ED-43cb-92C2-25804820EDAC}">
+                        <c15:formulaRef>
                           <c15:sqref>'parallel vs header-seeker-6'!$N$2:$N$3</c15:sqref>
-                        </c15:fullRef>
-                        <c15:formulaRef>
-                          <c15:sqref>'parallel vs header-seeker-6'!$N$2</c15:sqref>
                         </c15:formulaRef>
                       </c:ext>
                     </c:extLst>
@@ -12186,7 +11999,7 @@
                     </c:numCache>
                   </c:numRef>
                 </c:val>
-                <c:extLst>
+                <c:extLst xmlns:c15="http://schemas.microsoft.com/office/drawing/2012/chart">
                   <c:ext xmlns:c16="http://schemas.microsoft.com/office/drawing/2014/chart" uri="{C3380CC4-5D6E-409C-BE32-E72D297353CC}">
                     <c16:uniqueId val="{00000009-7D7B-40C9-8634-0D57EDA7BA48}"/>
                   </c:ext>
@@ -12305,11 +12118,8 @@
                   <c:strRef>
                     <c:extLst xmlns:c15="http://schemas.microsoft.com/office/drawing/2012/chart">
                       <c:ext xmlns:c15="http://schemas.microsoft.com/office/drawing/2012/chart" uri="{02D57815-91ED-43cb-92C2-25804820EDAC}">
-                        <c15:fullRef>
+                        <c15:formulaRef>
                           <c15:sqref>'parallel vs header-seeker-6'!$M$2:$M$3</c15:sqref>
-                        </c15:fullRef>
-                        <c15:formulaRef>
-                          <c15:sqref>'parallel vs header-seeker-6'!$M$2</c15:sqref>
                         </c15:formulaRef>
                       </c:ext>
                     </c:extLst>
@@ -12325,11 +12135,8 @@
                   <c:numRef>
                     <c:extLst xmlns:c15="http://schemas.microsoft.com/office/drawing/2012/chart">
                       <c:ext xmlns:c15="http://schemas.microsoft.com/office/drawing/2012/chart" uri="{02D57815-91ED-43cb-92C2-25804820EDAC}">
-                        <c15:fullRef>
+                        <c15:formulaRef>
                           <c15:sqref>'parallel vs header-seeker-6'!$R$2:$R$3</c15:sqref>
-                        </c15:fullRef>
-                        <c15:formulaRef>
-                          <c15:sqref>'parallel vs header-seeker-6'!$R$2</c15:sqref>
                         </c15:formulaRef>
                       </c:ext>
                     </c:extLst>
@@ -12461,11 +12268,8 @@
                   <c:strRef>
                     <c:extLst xmlns:c15="http://schemas.microsoft.com/office/drawing/2012/chart">
                       <c:ext xmlns:c15="http://schemas.microsoft.com/office/drawing/2012/chart" uri="{02D57815-91ED-43cb-92C2-25804820EDAC}">
-                        <c15:fullRef>
+                        <c15:formulaRef>
                           <c15:sqref>'parallel vs header-seeker-6'!$M$2:$M$3</c15:sqref>
-                        </c15:fullRef>
-                        <c15:formulaRef>
-                          <c15:sqref>'parallel vs header-seeker-6'!$M$2</c15:sqref>
                         </c15:formulaRef>
                       </c:ext>
                     </c:extLst>
@@ -12481,11 +12285,8 @@
                   <c:numRef>
                     <c:extLst xmlns:c15="http://schemas.microsoft.com/office/drawing/2012/chart">
                       <c:ext xmlns:c15="http://schemas.microsoft.com/office/drawing/2012/chart" uri="{02D57815-91ED-43cb-92C2-25804820EDAC}">
-                        <c15:fullRef>
+                        <c15:formulaRef>
                           <c15:sqref>'parallel vs header-seeker-6'!$S$2:$S$3</c15:sqref>
-                        </c15:fullRef>
-                        <c15:formulaRef>
-                          <c15:sqref>'parallel vs header-seeker-6'!$S$2</c15:sqref>
                         </c15:formulaRef>
                       </c:ext>
                     </c:extLst>
@@ -12838,32 +12639,19 @@
           </c:dLbls>
           <c:cat>
             <c:strRef>
-              <c:extLst>
-                <c:ext xmlns:c15="http://schemas.microsoft.com/office/drawing/2012/chart" uri="{02D57815-91ED-43cb-92C2-25804820EDAC}">
-                  <c15:fullRef>
-                    <c15:sqref>'parallel vs header-seeker-6'!$M$2:$M$3</c15:sqref>
-                  </c15:fullRef>
-                </c:ext>
-              </c:extLst>
-              <c:f>'parallel vs header-seeker-6'!$M$3</c:f>
+              <c:f>'parallel vs header-seeker-6'!$M$2:$M$3</c:f>
               <c:strCache>
                 <c:ptCount val="1"/>
                 <c:pt idx="0">
                   <c:v>FFs</c:v>
                 </c:pt>
               </c:strCache>
+              <c:extLst/>
             </c:strRef>
           </c:cat>
           <c:val>
             <c:numRef>
-              <c:extLst>
-                <c:ext xmlns:c15="http://schemas.microsoft.com/office/drawing/2012/chart" uri="{02D57815-91ED-43cb-92C2-25804820EDAC}">
-                  <c15:fullRef>
-                    <c15:sqref>'parallel vs header-seeker-6'!$N$2:$N$3</c15:sqref>
-                  </c15:fullRef>
-                </c:ext>
-              </c:extLst>
-              <c:f>'parallel vs header-seeker-6'!$N$3</c:f>
+              <c:f>'parallel vs header-seeker-6'!$N$2:$N$3</c:f>
               <c:numCache>
                 <c:formatCode>0.00%</c:formatCode>
                 <c:ptCount val="1"/>
@@ -12871,6 +12659,7 @@
                   <c:v>5.3E-3</c:v>
                 </c:pt>
               </c:numCache>
+              <c:extLst/>
             </c:numRef>
           </c:val>
           <c:extLst>
@@ -12959,32 +12748,19 @@
           </c:dLbls>
           <c:cat>
             <c:strRef>
-              <c:extLst>
-                <c:ext xmlns:c15="http://schemas.microsoft.com/office/drawing/2012/chart" uri="{02D57815-91ED-43cb-92C2-25804820EDAC}">
-                  <c15:fullRef>
-                    <c15:sqref>'parallel vs header-seeker-6'!$M$2:$M$3</c15:sqref>
-                  </c15:fullRef>
-                </c:ext>
-              </c:extLst>
-              <c:f>'parallel vs header-seeker-6'!$M$3</c:f>
+              <c:f>'parallel vs header-seeker-6'!$M$2:$M$3</c:f>
               <c:strCache>
                 <c:ptCount val="1"/>
                 <c:pt idx="0">
                   <c:v>FFs</c:v>
                 </c:pt>
               </c:strCache>
+              <c:extLst/>
             </c:strRef>
           </c:cat>
           <c:val>
             <c:numRef>
-              <c:extLst>
-                <c:ext xmlns:c15="http://schemas.microsoft.com/office/drawing/2012/chart" uri="{02D57815-91ED-43cb-92C2-25804820EDAC}">
-                  <c15:fullRef>
-                    <c15:sqref>'parallel vs header-seeker-6'!$O$2:$O$3</c15:sqref>
-                  </c15:fullRef>
-                </c:ext>
-              </c:extLst>
-              <c:f>'parallel vs header-seeker-6'!$O$3</c:f>
+              <c:f>'parallel vs header-seeker-6'!$O$2:$O$3</c:f>
               <c:numCache>
                 <c:formatCode>0.00%</c:formatCode>
                 <c:ptCount val="1"/>
@@ -12992,6 +12768,7 @@
                   <c:v>4.1999999999999997E-3</c:v>
                 </c:pt>
               </c:numCache>
+              <c:extLst/>
             </c:numRef>
           </c:val>
           <c:extLst>
@@ -13080,32 +12857,19 @@
           </c:dLbls>
           <c:cat>
             <c:strRef>
-              <c:extLst>
-                <c:ext xmlns:c15="http://schemas.microsoft.com/office/drawing/2012/chart" uri="{02D57815-91ED-43cb-92C2-25804820EDAC}">
-                  <c15:fullRef>
-                    <c15:sqref>'parallel vs header-seeker-6'!$M$2:$M$3</c15:sqref>
-                  </c15:fullRef>
-                </c:ext>
-              </c:extLst>
-              <c:f>'parallel vs header-seeker-6'!$M$3</c:f>
+              <c:f>'parallel vs header-seeker-6'!$M$2:$M$3</c:f>
               <c:strCache>
                 <c:ptCount val="1"/>
                 <c:pt idx="0">
                   <c:v>FFs</c:v>
                 </c:pt>
               </c:strCache>
+              <c:extLst/>
             </c:strRef>
           </c:cat>
           <c:val>
             <c:numRef>
-              <c:extLst>
-                <c:ext xmlns:c15="http://schemas.microsoft.com/office/drawing/2012/chart" uri="{02D57815-91ED-43cb-92C2-25804820EDAC}">
-                  <c15:fullRef>
-                    <c15:sqref>'parallel vs header-seeker-6'!$P$2:$P$3</c15:sqref>
-                  </c15:fullRef>
-                </c:ext>
-              </c:extLst>
-              <c:f>'parallel vs header-seeker-6'!$P$3</c:f>
+              <c:f>'parallel vs header-seeker-6'!$P$2:$P$3</c:f>
               <c:numCache>
                 <c:formatCode>0.00%</c:formatCode>
                 <c:ptCount val="1"/>
@@ -13113,6 +12877,7 @@
                   <c:v>3.7000000000000002E-3</c:v>
                 </c:pt>
               </c:numCache>
+              <c:extLst/>
             </c:numRef>
           </c:val>
           <c:extLst>
@@ -13201,32 +12966,19 @@
           </c:dLbls>
           <c:cat>
             <c:strRef>
-              <c:extLst>
-                <c:ext xmlns:c15="http://schemas.microsoft.com/office/drawing/2012/chart" uri="{02D57815-91ED-43cb-92C2-25804820EDAC}">
-                  <c15:fullRef>
-                    <c15:sqref>'parallel vs header-seeker-6'!$M$2:$M$3</c15:sqref>
-                  </c15:fullRef>
-                </c:ext>
-              </c:extLst>
-              <c:f>'parallel vs header-seeker-6'!$M$3</c:f>
+              <c:f>'parallel vs header-seeker-6'!$M$2:$M$3</c:f>
               <c:strCache>
                 <c:ptCount val="1"/>
                 <c:pt idx="0">
                   <c:v>FFs</c:v>
                 </c:pt>
               </c:strCache>
+              <c:extLst/>
             </c:strRef>
           </c:cat>
           <c:val>
             <c:numRef>
-              <c:extLst>
-                <c:ext xmlns:c15="http://schemas.microsoft.com/office/drawing/2012/chart" uri="{02D57815-91ED-43cb-92C2-25804820EDAC}">
-                  <c15:fullRef>
-                    <c15:sqref>'parallel vs header-seeker-6'!$Q$2:$Q$3</c15:sqref>
-                  </c15:fullRef>
-                </c:ext>
-              </c:extLst>
-              <c:f>'parallel vs header-seeker-6'!$Q$3</c:f>
+              <c:f>'parallel vs header-seeker-6'!$Q$2:$Q$3</c:f>
               <c:numCache>
                 <c:formatCode>0.00%</c:formatCode>
                 <c:ptCount val="1"/>
@@ -13234,6 +12986,7 @@
                   <c:v>3.0000000000000001E-3</c:v>
                 </c:pt>
               </c:numCache>
+              <c:extLst/>
             </c:numRef>
           </c:val>
           <c:extLst>
@@ -13322,32 +13075,19 @@
           </c:dLbls>
           <c:cat>
             <c:strRef>
-              <c:extLst>
-                <c:ext xmlns:c15="http://schemas.microsoft.com/office/drawing/2012/chart" uri="{02D57815-91ED-43cb-92C2-25804820EDAC}">
-                  <c15:fullRef>
-                    <c15:sqref>'parallel vs header-seeker-6'!$M$2:$M$3</c15:sqref>
-                  </c15:fullRef>
-                </c:ext>
-              </c:extLst>
-              <c:f>'parallel vs header-seeker-6'!$M$3</c:f>
+              <c:f>'parallel vs header-seeker-6'!$M$2:$M$3</c:f>
               <c:strCache>
                 <c:ptCount val="1"/>
                 <c:pt idx="0">
                   <c:v>FFs</c:v>
                 </c:pt>
               </c:strCache>
+              <c:extLst/>
             </c:strRef>
           </c:cat>
           <c:val>
             <c:numRef>
-              <c:extLst>
-                <c:ext xmlns:c15="http://schemas.microsoft.com/office/drawing/2012/chart" uri="{02D57815-91ED-43cb-92C2-25804820EDAC}">
-                  <c15:fullRef>
-                    <c15:sqref>'parallel vs header-seeker-6'!$R$2:$R$3</c15:sqref>
-                  </c15:fullRef>
-                </c:ext>
-              </c:extLst>
-              <c:f>'parallel vs header-seeker-6'!$R$3</c:f>
+              <c:f>'parallel vs header-seeker-6'!$R$2:$R$3</c:f>
               <c:numCache>
                 <c:formatCode>0.00%</c:formatCode>
                 <c:ptCount val="1"/>
@@ -13355,6 +13095,7 @@
                   <c:v>2.7000000000000001E-3</c:v>
                 </c:pt>
               </c:numCache>
+              <c:extLst/>
             </c:numRef>
           </c:val>
           <c:extLst>
@@ -13443,32 +13184,19 @@
           </c:dLbls>
           <c:cat>
             <c:strRef>
-              <c:extLst>
-                <c:ext xmlns:c15="http://schemas.microsoft.com/office/drawing/2012/chart" uri="{02D57815-91ED-43cb-92C2-25804820EDAC}">
-                  <c15:fullRef>
-                    <c15:sqref>'parallel vs header-seeker-6'!$M$2:$M$3</c15:sqref>
-                  </c15:fullRef>
-                </c:ext>
-              </c:extLst>
-              <c:f>'parallel vs header-seeker-6'!$M$3</c:f>
+              <c:f>'parallel vs header-seeker-6'!$M$2:$M$3</c:f>
               <c:strCache>
                 <c:ptCount val="1"/>
                 <c:pt idx="0">
                   <c:v>FFs</c:v>
                 </c:pt>
               </c:strCache>
+              <c:extLst/>
             </c:strRef>
           </c:cat>
           <c:val>
             <c:numRef>
-              <c:extLst>
-                <c:ext xmlns:c15="http://schemas.microsoft.com/office/drawing/2012/chart" uri="{02D57815-91ED-43cb-92C2-25804820EDAC}">
-                  <c15:fullRef>
-                    <c15:sqref>'parallel vs header-seeker-6'!$S$2:$S$3</c15:sqref>
-                  </c15:fullRef>
-                </c:ext>
-              </c:extLst>
-              <c:f>'parallel vs header-seeker-6'!$S$3</c:f>
+              <c:f>'parallel vs header-seeker-6'!$S$2:$S$3</c:f>
               <c:numCache>
                 <c:formatCode>0.00%</c:formatCode>
                 <c:ptCount val="1"/>
@@ -13476,6 +13204,7 @@
                   <c:v>2.5000000000000001E-3</c:v>
                 </c:pt>
               </c:numCache>
+              <c:extLst/>
             </c:numRef>
           </c:val>
           <c:extLst>
@@ -13564,32 +13293,19 @@
           </c:dLbls>
           <c:cat>
             <c:strRef>
-              <c:extLst>
-                <c:ext xmlns:c15="http://schemas.microsoft.com/office/drawing/2012/chart" uri="{02D57815-91ED-43cb-92C2-25804820EDAC}">
-                  <c15:fullRef>
-                    <c15:sqref>'parallel vs header-seeker-6'!$M$2:$M$3</c15:sqref>
-                  </c15:fullRef>
-                </c:ext>
-              </c:extLst>
-              <c:f>'parallel vs header-seeker-6'!$M$3</c:f>
+              <c:f>'parallel vs header-seeker-6'!$M$2:$M$3</c:f>
               <c:strCache>
                 <c:ptCount val="1"/>
                 <c:pt idx="0">
                   <c:v>FFs</c:v>
                 </c:pt>
               </c:strCache>
+              <c:extLst/>
             </c:strRef>
           </c:cat>
           <c:val>
             <c:numRef>
-              <c:extLst>
-                <c:ext xmlns:c15="http://schemas.microsoft.com/office/drawing/2012/chart" uri="{02D57815-91ED-43cb-92C2-25804820EDAC}">
-                  <c15:fullRef>
-                    <c15:sqref>'parallel vs header-seeker-6'!$T$2:$T$3</c15:sqref>
-                  </c15:fullRef>
-                </c:ext>
-              </c:extLst>
-              <c:f>'parallel vs header-seeker-6'!$T$3</c:f>
+              <c:f>'parallel vs header-seeker-6'!$T$2:$T$3</c:f>
               <c:numCache>
                 <c:formatCode>0.00%</c:formatCode>
                 <c:ptCount val="1"/>
@@ -13597,132 +13313,12 @@
                   <c:v>2.3999999999999998E-3</c:v>
                 </c:pt>
               </c:numCache>
+              <c:extLst/>
             </c:numRef>
           </c:val>
           <c:extLst>
             <c:ext xmlns:c16="http://schemas.microsoft.com/office/drawing/2014/chart" uri="{C3380CC4-5D6E-409C-BE32-E72D297353CC}">
               <c16:uniqueId val="{00000006-1CA8-4A7E-88B5-309DF582A65A}"/>
-            </c:ext>
-          </c:extLst>
-        </c:ser>
-        <c:ser>
-          <c:idx val="10"/>
-          <c:order val="7"/>
-          <c:tx>
-            <c:strRef>
-              <c:f>'parallel vs header-seeker-6'!$U$1</c:f>
-              <c:strCache>
-                <c:ptCount val="1"/>
-                <c:pt idx="0">
-                  <c:v>HS1</c:v>
-                </c:pt>
-              </c:strCache>
-            </c:strRef>
-          </c:tx>
-          <c:spPr>
-            <a:solidFill>
-              <a:srgbClr val="424242"/>
-            </a:solidFill>
-            <a:ln>
-              <a:noFill/>
-            </a:ln>
-            <a:effectLst/>
-          </c:spPr>
-          <c:invertIfNegative val="0"/>
-          <c:dLbls>
-            <c:spPr>
-              <a:noFill/>
-              <a:ln>
-                <a:noFill/>
-              </a:ln>
-              <a:effectLst/>
-            </c:spPr>
-            <c:txPr>
-              <a:bodyPr rot="0" spcFirstLastPara="1" vertOverflow="ellipsis" vert="horz" wrap="square" lIns="38100" tIns="19050" rIns="38100" bIns="19050" anchor="ctr" anchorCtr="1">
-                <a:spAutoFit/>
-              </a:bodyPr>
-              <a:lstStyle/>
-              <a:p>
-                <a:pPr>
-                  <a:defRPr sz="700" b="0" i="0" u="none" strike="noStrike" kern="1200" baseline="0">
-                    <a:solidFill>
-                      <a:schemeClr val="tx2"/>
-                    </a:solidFill>
-                    <a:latin typeface="+mn-lt"/>
-                    <a:ea typeface="+mn-ea"/>
-                    <a:cs typeface="+mn-cs"/>
-                  </a:defRPr>
-                </a:pPr>
-                <a:endParaRPr lang="en-US"/>
-              </a:p>
-            </c:txPr>
-            <c:dLblPos val="outEnd"/>
-            <c:showLegendKey val="0"/>
-            <c:showVal val="1"/>
-            <c:showCatName val="0"/>
-            <c:showSerName val="0"/>
-            <c:showPercent val="0"/>
-            <c:showBubbleSize val="0"/>
-            <c:showLeaderLines val="0"/>
-            <c:extLst>
-              <c:ext xmlns:c15="http://schemas.microsoft.com/office/drawing/2012/chart" uri="{CE6537A1-D6FC-4f65-9D91-7224C49458BB}">
-                <c15:showLeaderLines val="1"/>
-                <c15:leaderLines>
-                  <c:spPr>
-                    <a:ln w="9525">
-                      <a:solidFill>
-                        <a:schemeClr val="tx2">
-                          <a:lumMod val="35000"/>
-                          <a:lumOff val="65000"/>
-                        </a:schemeClr>
-                      </a:solidFill>
-                    </a:ln>
-                    <a:effectLst/>
-                  </c:spPr>
-                </c15:leaderLines>
-              </c:ext>
-            </c:extLst>
-          </c:dLbls>
-          <c:cat>
-            <c:strRef>
-              <c:extLst>
-                <c:ext xmlns:c15="http://schemas.microsoft.com/office/drawing/2012/chart" uri="{02D57815-91ED-43cb-92C2-25804820EDAC}">
-                  <c15:fullRef>
-                    <c15:sqref>'parallel vs header-seeker-6'!$M$2:$M$3</c15:sqref>
-                  </c15:fullRef>
-                </c:ext>
-              </c:extLst>
-              <c:f>'parallel vs header-seeker-6'!$M$3</c:f>
-              <c:strCache>
-                <c:ptCount val="1"/>
-                <c:pt idx="0">
-                  <c:v>FFs</c:v>
-                </c:pt>
-              </c:strCache>
-            </c:strRef>
-          </c:cat>
-          <c:val>
-            <c:numRef>
-              <c:extLst>
-                <c:ext xmlns:c15="http://schemas.microsoft.com/office/drawing/2012/chart" uri="{02D57815-91ED-43cb-92C2-25804820EDAC}">
-                  <c15:fullRef>
-                    <c15:sqref>'parallel vs header-seeker-6'!$U$2:$U$3</c15:sqref>
-                  </c15:fullRef>
-                </c:ext>
-              </c:extLst>
-              <c:f>'parallel vs header-seeker-6'!$U$3</c:f>
-              <c:numCache>
-                <c:formatCode>0.00%</c:formatCode>
-                <c:ptCount val="1"/>
-                <c:pt idx="0">
-                  <c:v>2.3E-3</c:v>
-                </c:pt>
-              </c:numCache>
-            </c:numRef>
-          </c:val>
-          <c:extLst>
-            <c:ext xmlns:c16="http://schemas.microsoft.com/office/drawing/2014/chart" uri="{C3380CC4-5D6E-409C-BE32-E72D297353CC}">
-              <c16:uniqueId val="{00000007-1CA8-4A7E-88B5-309DF582A65A}"/>
             </c:ext>
           </c:extLst>
         </c:ser>
@@ -13819,14 +13415,7 @@
           </c:cat>
           <c:val>
             <c:numRef>
-              <c:extLst>
-                <c:ext xmlns:c15="http://schemas.microsoft.com/office/drawing/2012/chart" uri="{02D57815-91ED-43cb-92C2-25804820EDAC}">
-                  <c15:fullRef>
-                    <c15:sqref>'parallel vs header-seeker-6'!$V$2:$V$3</c15:sqref>
-                  </c15:fullRef>
-                </c:ext>
-              </c:extLst>
-              <c:f>'parallel vs header-seeker-6'!$V$3</c:f>
+              <c:f>'parallel vs header-seeker-6'!$V$2:$V$3</c:f>
               <c:numCache>
                 <c:formatCode>0.00%</c:formatCode>
                 <c:ptCount val="1"/>
@@ -13834,6 +13423,7 @@
                   <c:v>1.6999999999999999E-3</c:v>
                 </c:pt>
               </c:numCache>
+              <c:extLst/>
             </c:numRef>
           </c:val>
           <c:extLst>
@@ -13859,12 +13449,139 @@
           <c:ext xmlns:c15="http://schemas.microsoft.com/office/drawing/2012/chart" uri="{02D57815-91ED-43cb-92C2-25804820EDAC}">
             <c15:filteredBarSeries>
               <c15:ser>
+                <c:idx val="10"/>
+                <c:order val="7"/>
+                <c:tx>
+                  <c:strRef>
+                    <c:extLst>
+                      <c:ext uri="{02D57815-91ED-43cb-92C2-25804820EDAC}">
+                        <c15:formulaRef>
+                          <c15:sqref>'parallel vs header-seeker-6'!$U$1</c15:sqref>
+                        </c15:formulaRef>
+                      </c:ext>
+                    </c:extLst>
+                    <c:strCache>
+                      <c:ptCount val="1"/>
+                      <c:pt idx="0">
+                        <c:v>HS1</c:v>
+                      </c:pt>
+                    </c:strCache>
+                  </c:strRef>
+                </c:tx>
+                <c:spPr>
+                  <a:solidFill>
+                    <a:srgbClr val="424242"/>
+                  </a:solidFill>
+                  <a:ln>
+                    <a:noFill/>
+                  </a:ln>
+                  <a:effectLst/>
+                </c:spPr>
+                <c:invertIfNegative val="0"/>
+                <c:dLbls>
+                  <c:spPr>
+                    <a:noFill/>
+                    <a:ln>
+                      <a:noFill/>
+                    </a:ln>
+                    <a:effectLst/>
+                  </c:spPr>
+                  <c:txPr>
+                    <a:bodyPr rot="0" spcFirstLastPara="1" vertOverflow="ellipsis" vert="horz" wrap="square" lIns="38100" tIns="19050" rIns="38100" bIns="19050" anchor="ctr" anchorCtr="1">
+                      <a:spAutoFit/>
+                    </a:bodyPr>
+                    <a:lstStyle/>
+                    <a:p>
+                      <a:pPr>
+                        <a:defRPr sz="700" b="0" i="0" u="none" strike="noStrike" kern="1200" baseline="0">
+                          <a:solidFill>
+                            <a:schemeClr val="tx2"/>
+                          </a:solidFill>
+                          <a:latin typeface="+mn-lt"/>
+                          <a:ea typeface="+mn-ea"/>
+                          <a:cs typeface="+mn-cs"/>
+                        </a:defRPr>
+                      </a:pPr>
+                      <a:endParaRPr lang="en-US"/>
+                    </a:p>
+                  </c:txPr>
+                  <c:dLblPos val="outEnd"/>
+                  <c:showLegendKey val="0"/>
+                  <c:showVal val="1"/>
+                  <c:showCatName val="0"/>
+                  <c:showSerName val="0"/>
+                  <c:showPercent val="0"/>
+                  <c:showBubbleSize val="0"/>
+                  <c:showLeaderLines val="0"/>
+                  <c:extLst>
+                    <c:ext uri="{CE6537A1-D6FC-4f65-9D91-7224C49458BB}">
+                      <c15:showLeaderLines val="1"/>
+                      <c15:leaderLines>
+                        <c:spPr>
+                          <a:ln w="9525">
+                            <a:solidFill>
+                              <a:schemeClr val="tx2">
+                                <a:lumMod val="35000"/>
+                                <a:lumOff val="65000"/>
+                              </a:schemeClr>
+                            </a:solidFill>
+                          </a:ln>
+                          <a:effectLst/>
+                        </c:spPr>
+                      </c15:leaderLines>
+                    </c:ext>
+                  </c:extLst>
+                </c:dLbls>
+                <c:cat>
+                  <c:strRef>
+                    <c:extLst>
+                      <c:ext uri="{02D57815-91ED-43cb-92C2-25804820EDAC}">
+                        <c15:formulaRef>
+                          <c15:sqref>'parallel vs header-seeker-6'!$M$2:$M$3</c15:sqref>
+                        </c15:formulaRef>
+                      </c:ext>
+                    </c:extLst>
+                    <c:strCache>
+                      <c:ptCount val="1"/>
+                      <c:pt idx="0">
+                        <c:v>FFs</c:v>
+                      </c:pt>
+                    </c:strCache>
+                  </c:strRef>
+                </c:cat>
+                <c:val>
+                  <c:numRef>
+                    <c:extLst>
+                      <c:ext uri="{02D57815-91ED-43cb-92C2-25804820EDAC}">
+                        <c15:formulaRef>
+                          <c15:sqref>'parallel vs header-seeker-6'!$U$2:$U$3</c15:sqref>
+                        </c15:formulaRef>
+                      </c:ext>
+                    </c:extLst>
+                    <c:numCache>
+                      <c:formatCode>0.00%</c:formatCode>
+                      <c:ptCount val="1"/>
+                      <c:pt idx="0">
+                        <c:v>2.3E-3</c:v>
+                      </c:pt>
+                    </c:numCache>
+                  </c:numRef>
+                </c:val>
+                <c:extLst>
+                  <c:ext xmlns:c16="http://schemas.microsoft.com/office/drawing/2014/chart" uri="{C3380CC4-5D6E-409C-BE32-E72D297353CC}">
+                    <c16:uniqueId val="{00000007-1CA8-4A7E-88B5-309DF582A65A}"/>
+                  </c:ext>
+                </c:extLst>
+              </c15:ser>
+            </c15:filteredBarSeries>
+            <c15:filteredBarSeries>
+              <c15:ser>
                 <c:idx val="0"/>
                 <c:order val="8"/>
                 <c:tx>
                   <c:strRef>
-                    <c:extLst>
-                      <c:ext uri="{02D57815-91ED-43cb-92C2-25804820EDAC}">
+                    <c:extLst xmlns:c15="http://schemas.microsoft.com/office/drawing/2012/chart">
+                      <c:ext xmlns:c15="http://schemas.microsoft.com/office/drawing/2012/chart" uri="{02D57815-91ED-43cb-92C2-25804820EDAC}">
                         <c15:formulaRef>
                           <c15:sqref>'parallel vs header-seeker-6'!$N$1</c15:sqref>
                         </c15:formulaRef>
@@ -13946,8 +13663,8 @@
                   <c:showPercent val="0"/>
                   <c:showBubbleSize val="0"/>
                   <c:showLeaderLines val="0"/>
-                  <c:extLst>
-                    <c:ext uri="{CE6537A1-D6FC-4f65-9D91-7224C49458BB}">
+                  <c:extLst xmlns:c15="http://schemas.microsoft.com/office/drawing/2012/chart">
+                    <c:ext xmlns:c15="http://schemas.microsoft.com/office/drawing/2012/chart" uri="{CE6537A1-D6FC-4f65-9D91-7224C49458BB}">
                       <c15:showLeaderLines val="1"/>
                       <c15:leaderLines>
                         <c:spPr>
@@ -13967,13 +13684,10 @@
                 </c:dLbls>
                 <c:cat>
                   <c:strRef>
-                    <c:extLst>
-                      <c:ext uri="{02D57815-91ED-43cb-92C2-25804820EDAC}">
-                        <c15:fullRef>
+                    <c:extLst xmlns:c15="http://schemas.microsoft.com/office/drawing/2012/chart">
+                      <c:ext xmlns:c15="http://schemas.microsoft.com/office/drawing/2012/chart" uri="{02D57815-91ED-43cb-92C2-25804820EDAC}">
+                        <c15:formulaRef>
                           <c15:sqref>'parallel vs header-seeker-6'!$M$2:$M$3</c15:sqref>
-                        </c15:fullRef>
-                        <c15:formulaRef>
-                          <c15:sqref>'parallel vs header-seeker-6'!$M$3</c15:sqref>
                         </c15:formulaRef>
                       </c:ext>
                     </c:extLst>
@@ -13987,13 +13701,10 @@
                 </c:cat>
                 <c:val>
                   <c:numRef>
-                    <c:extLst>
-                      <c:ext uri="{02D57815-91ED-43cb-92C2-25804820EDAC}">
-                        <c15:fullRef>
+                    <c:extLst xmlns:c15="http://schemas.microsoft.com/office/drawing/2012/chart">
+                      <c:ext xmlns:c15="http://schemas.microsoft.com/office/drawing/2012/chart" uri="{02D57815-91ED-43cb-92C2-25804820EDAC}">
+                        <c15:formulaRef>
                           <c15:sqref>'parallel vs header-seeker-6'!$N$2:$N$3</c15:sqref>
-                        </c15:fullRef>
-                        <c15:formulaRef>
-                          <c15:sqref>'parallel vs header-seeker-6'!$N$3</c15:sqref>
                         </c15:formulaRef>
                       </c:ext>
                     </c:extLst>
@@ -14006,7 +13717,7 @@
                     </c:numCache>
                   </c:numRef>
                 </c:val>
-                <c:extLst>
+                <c:extLst xmlns:c15="http://schemas.microsoft.com/office/drawing/2012/chart">
                   <c:ext xmlns:c16="http://schemas.microsoft.com/office/drawing/2014/chart" uri="{C3380CC4-5D6E-409C-BE32-E72D297353CC}">
                     <c16:uniqueId val="{00000009-1CA8-4A7E-88B5-309DF582A65A}"/>
                   </c:ext>
@@ -14125,11 +13836,8 @@
                   <c:strRef>
                     <c:extLst xmlns:c15="http://schemas.microsoft.com/office/drawing/2012/chart">
                       <c:ext xmlns:c15="http://schemas.microsoft.com/office/drawing/2012/chart" uri="{02D57815-91ED-43cb-92C2-25804820EDAC}">
-                        <c15:fullRef>
+                        <c15:formulaRef>
                           <c15:sqref>'parallel vs header-seeker-6'!$M$2:$M$3</c15:sqref>
-                        </c15:fullRef>
-                        <c15:formulaRef>
-                          <c15:sqref>'parallel vs header-seeker-6'!$M$3</c15:sqref>
                         </c15:formulaRef>
                       </c:ext>
                     </c:extLst>
@@ -14145,11 +13853,8 @@
                   <c:numRef>
                     <c:extLst xmlns:c15="http://schemas.microsoft.com/office/drawing/2012/chart">
                       <c:ext xmlns:c15="http://schemas.microsoft.com/office/drawing/2012/chart" uri="{02D57815-91ED-43cb-92C2-25804820EDAC}">
-                        <c15:fullRef>
+                        <c15:formulaRef>
                           <c15:sqref>'parallel vs header-seeker-6'!$R$2:$R$3</c15:sqref>
-                        </c15:fullRef>
-                        <c15:formulaRef>
-                          <c15:sqref>'parallel vs header-seeker-6'!$R$3</c15:sqref>
                         </c15:formulaRef>
                       </c:ext>
                     </c:extLst>
@@ -14281,11 +13986,8 @@
                   <c:strRef>
                     <c:extLst xmlns:c15="http://schemas.microsoft.com/office/drawing/2012/chart">
                       <c:ext xmlns:c15="http://schemas.microsoft.com/office/drawing/2012/chart" uri="{02D57815-91ED-43cb-92C2-25804820EDAC}">
-                        <c15:fullRef>
+                        <c15:formulaRef>
                           <c15:sqref>'parallel vs header-seeker-6'!$M$2:$M$3</c15:sqref>
-                        </c15:fullRef>
-                        <c15:formulaRef>
-                          <c15:sqref>'parallel vs header-seeker-6'!$M$3</c15:sqref>
                         </c15:formulaRef>
                       </c:ext>
                     </c:extLst>
@@ -14301,11 +14003,8 @@
                   <c:numRef>
                     <c:extLst xmlns:c15="http://schemas.microsoft.com/office/drawing/2012/chart">
                       <c:ext xmlns:c15="http://schemas.microsoft.com/office/drawing/2012/chart" uri="{02D57815-91ED-43cb-92C2-25804820EDAC}">
-                        <c15:fullRef>
+                        <c15:formulaRef>
                           <c15:sqref>'parallel vs header-seeker-6'!$S$2:$S$3</c15:sqref>
-                        </c15:fullRef>
-                        <c15:formulaRef>
-                          <c15:sqref>'parallel vs header-seeker-6'!$S$3</c15:sqref>
                         </c15:formulaRef>
                       </c:ext>
                     </c:extLst>
@@ -14570,7 +14269,17 @@
     </c:title>
     <c:autoTitleDeleted val="0"/>
     <c:plotArea>
-      <c:layout/>
+      <c:layout>
+        <c:manualLayout>
+          <c:layoutTarget val="inner"/>
+          <c:xMode val="edge"/>
+          <c:yMode val="edge"/>
+          <c:x val="0.1177350053465539"/>
+          <c:y val="0.16033876221498372"/>
+          <c:w val="0.85024853374809628"/>
+          <c:h val="0.72713144733129853"/>
+        </c:manualLayout>
+      </c:layout>
       <c:scatterChart>
         <c:scatterStyle val="smoothMarker"/>
         <c:varyColors val="0"/>
@@ -14657,7 +14366,7 @@
             <c:bubble3D val="0"/>
             <c:extLst>
               <c:ext xmlns:c16="http://schemas.microsoft.com/office/drawing/2014/chart" uri="{C3380CC4-5D6E-409C-BE32-E72D297353CC}">
-                <c16:uniqueId val="{00000000-083A-43AC-A13F-21E6DBFA5428}"/>
+                <c16:uniqueId val="{00000000-E4A3-4879-AFAB-AA169D7E2AAA}"/>
               </c:ext>
             </c:extLst>
           </c:dPt>
@@ -14680,7 +14389,7 @@
             <c:bubble3D val="0"/>
             <c:extLst>
               <c:ext xmlns:c16="http://schemas.microsoft.com/office/drawing/2014/chart" uri="{C3380CC4-5D6E-409C-BE32-E72D297353CC}">
-                <c16:uniqueId val="{00000001-083A-43AC-A13F-21E6DBFA5428}"/>
+                <c16:uniqueId val="{00000001-E4A3-4879-AFAB-AA169D7E2AAA}"/>
               </c:ext>
             </c:extLst>
           </c:dPt>
@@ -14703,7 +14412,7 @@
             <c:bubble3D val="0"/>
             <c:extLst>
               <c:ext xmlns:c16="http://schemas.microsoft.com/office/drawing/2014/chart" uri="{C3380CC4-5D6E-409C-BE32-E72D297353CC}">
-                <c16:uniqueId val="{00000002-083A-43AC-A13F-21E6DBFA5428}"/>
+                <c16:uniqueId val="{00000002-E4A3-4879-AFAB-AA169D7E2AAA}"/>
               </c:ext>
             </c:extLst>
           </c:dPt>
@@ -14726,7 +14435,7 @@
             <c:bubble3D val="0"/>
             <c:extLst>
               <c:ext xmlns:c16="http://schemas.microsoft.com/office/drawing/2014/chart" uri="{C3380CC4-5D6E-409C-BE32-E72D297353CC}">
-                <c16:uniqueId val="{00000003-083A-43AC-A13F-21E6DBFA5428}"/>
+                <c16:uniqueId val="{00000003-E4A3-4879-AFAB-AA169D7E2AAA}"/>
               </c:ext>
             </c:extLst>
           </c:dPt>
@@ -14749,7 +14458,7 @@
             <c:bubble3D val="0"/>
             <c:extLst>
               <c:ext xmlns:c16="http://schemas.microsoft.com/office/drawing/2014/chart" uri="{C3380CC4-5D6E-409C-BE32-E72D297353CC}">
-                <c16:uniqueId val="{00000004-083A-43AC-A13F-21E6DBFA5428}"/>
+                <c16:uniqueId val="{00000004-E4A3-4879-AFAB-AA169D7E2AAA}"/>
               </c:ext>
             </c:extLst>
           </c:dPt>
@@ -14772,7 +14481,7 @@
             <c:bubble3D val="0"/>
             <c:extLst>
               <c:ext xmlns:c16="http://schemas.microsoft.com/office/drawing/2014/chart" uri="{C3380CC4-5D6E-409C-BE32-E72D297353CC}">
-                <c16:uniqueId val="{00000005-083A-43AC-A13F-21E6DBFA5428}"/>
+                <c16:uniqueId val="{00000005-E4A3-4879-AFAB-AA169D7E2AAA}"/>
               </c:ext>
             </c:extLst>
           </c:dPt>
@@ -14795,39 +14504,16 @@
             <c:bubble3D val="0"/>
             <c:extLst>
               <c:ext xmlns:c16="http://schemas.microsoft.com/office/drawing/2014/chart" uri="{C3380CC4-5D6E-409C-BE32-E72D297353CC}">
-                <c16:uniqueId val="{00000006-083A-43AC-A13F-21E6DBFA5428}"/>
-              </c:ext>
-            </c:extLst>
-          </c:dPt>
-          <c:dPt>
-            <c:idx val="7"/>
-            <c:marker>
-              <c:symbol val="circle"/>
-              <c:size val="6"/>
-              <c:spPr>
-                <a:solidFill>
-                  <a:srgbClr val="424242"/>
-                </a:solidFill>
-                <a:ln w="9525">
-                  <a:noFill/>
-                  <a:round/>
-                </a:ln>
-                <a:effectLst/>
-              </c:spPr>
-            </c:marker>
-            <c:bubble3D val="0"/>
-            <c:extLst>
-              <c:ext xmlns:c16="http://schemas.microsoft.com/office/drawing/2014/chart" uri="{C3380CC4-5D6E-409C-BE32-E72D297353CC}">
-                <c16:uniqueId val="{00000007-083A-43AC-A13F-21E6DBFA5428}"/>
+                <c16:uniqueId val="{00000006-E4A3-4879-AFAB-AA169D7E2AAA}"/>
               </c:ext>
             </c:extLst>
           </c:dPt>
           <c:xVal>
             <c:numRef>
-              <c:f>'parallel vs header-seeker-6'!$Y$21:$AF$21</c:f>
+              <c:f>'parallel vs header-seeker-6'!$Y$21:$AE$21</c:f>
               <c:numCache>
                 <c:formatCode>General</c:formatCode>
-                <c:ptCount val="8"/>
+                <c:ptCount val="7"/>
                 <c:pt idx="0">
                   <c:v>26.5</c:v>
                 </c:pt>
@@ -14848,19 +14534,16 @@
                 </c:pt>
                 <c:pt idx="6">
                   <c:v>39</c:v>
-                </c:pt>
-                <c:pt idx="7">
-                  <c:v>54</c:v>
                 </c:pt>
               </c:numCache>
             </c:numRef>
           </c:xVal>
           <c:yVal>
             <c:numRef>
-              <c:f>'parallel vs header-seeker-6'!$Y$22:$AF$22</c:f>
+              <c:f>'parallel vs header-seeker-6'!$Y$22:$AE$22</c:f>
               <c:numCache>
                 <c:formatCode>0.00%</c:formatCode>
-                <c:ptCount val="8"/>
+                <c:ptCount val="7"/>
                 <c:pt idx="0">
                   <c:v>1.47E-2</c:v>
                 </c:pt>
@@ -14881,9 +14564,6 @@
                 </c:pt>
                 <c:pt idx="6">
                   <c:v>5.7999999999999996E-3</c:v>
-                </c:pt>
-                <c:pt idx="7">
-                  <c:v>5.4000000000000003E-3</c:v>
                 </c:pt>
               </c:numCache>
             </c:numRef>
@@ -14891,7 +14571,7 @@
           <c:smooth val="1"/>
           <c:extLst>
             <c:ext xmlns:c16="http://schemas.microsoft.com/office/drawing/2014/chart" uri="{C3380CC4-5D6E-409C-BE32-E72D297353CC}">
-              <c16:uniqueId val="{00000008-083A-43AC-A13F-21E6DBFA5428}"/>
+              <c16:uniqueId val="{00000007-E4A3-4879-AFAB-AA169D7E2AAA}"/>
             </c:ext>
           </c:extLst>
         </c:ser>
@@ -20592,8 +20272,10 @@
             </c:strRef>
           </c:tx>
           <c:spPr>
-            <a:ln w="25400" cap="rnd">
-              <a:noFill/>
+            <a:ln w="9525" cap="rnd">
+              <a:solidFill>
+                <a:schemeClr val="accent2"/>
+              </a:solidFill>
               <a:round/>
             </a:ln>
             <a:effectLst/>
@@ -20699,7 +20381,7 @@
           <c:smooth val="0"/>
           <c:extLst xmlns:c15="http://schemas.microsoft.com/office/drawing/2012/chart">
             <c:ext xmlns:c16="http://schemas.microsoft.com/office/drawing/2014/chart" uri="{C3380CC4-5D6E-409C-BE32-E72D297353CC}">
-              <c16:uniqueId val="{00000000-D283-4DCB-A8AC-D3CF7B46060A}"/>
+              <c16:uniqueId val="{00000000-B63A-40B5-AC57-4F1F6FDB5163}"/>
             </c:ext>
           </c:extLst>
         </c:ser>
@@ -20719,8 +20401,10 @@
             </c:strRef>
           </c:tx>
           <c:spPr>
-            <a:ln w="25400" cap="rnd">
-              <a:noFill/>
+            <a:ln w="9525" cap="rnd">
+              <a:solidFill>
+                <a:schemeClr val="accent1"/>
+              </a:solidFill>
               <a:round/>
             </a:ln>
             <a:effectLst/>
@@ -20826,7 +20510,7 @@
           <c:smooth val="0"/>
           <c:extLst xmlns:c15="http://schemas.microsoft.com/office/drawing/2012/chart">
             <c:ext xmlns:c16="http://schemas.microsoft.com/office/drawing/2014/chart" uri="{C3380CC4-5D6E-409C-BE32-E72D297353CC}">
-              <c16:uniqueId val="{00000001-D283-4DCB-A8AC-D3CF7B46060A}"/>
+              <c16:uniqueId val="{00000001-B63A-40B5-AC57-4F1F6FDB5163}"/>
             </c:ext>
           </c:extLst>
         </c:ser>
@@ -20846,8 +20530,10 @@
             </c:strRef>
           </c:tx>
           <c:spPr>
-            <a:ln w="25400" cap="rnd">
-              <a:noFill/>
+            <a:ln w="9525" cap="rnd">
+              <a:solidFill>
+                <a:schemeClr val="accent3"/>
+              </a:solidFill>
               <a:round/>
             </a:ln>
             <a:effectLst/>
@@ -20953,7 +20639,7 @@
           <c:smooth val="0"/>
           <c:extLst xmlns:c15="http://schemas.microsoft.com/office/drawing/2012/chart">
             <c:ext xmlns:c16="http://schemas.microsoft.com/office/drawing/2014/chart" uri="{C3380CC4-5D6E-409C-BE32-E72D297353CC}">
-              <c16:uniqueId val="{00000002-D283-4DCB-A8AC-D3CF7B46060A}"/>
+              <c16:uniqueId val="{00000002-B63A-40B5-AC57-4F1F6FDB5163}"/>
             </c:ext>
           </c:extLst>
         </c:ser>
@@ -20973,8 +20659,10 @@
             </c:strRef>
           </c:tx>
           <c:spPr>
-            <a:ln w="25400" cap="rnd">
-              <a:noFill/>
+            <a:ln w="9525" cap="rnd">
+              <a:solidFill>
+                <a:schemeClr val="accent5"/>
+              </a:solidFill>
               <a:round/>
             </a:ln>
             <a:effectLst/>
@@ -21080,7 +20768,7 @@
           <c:smooth val="0"/>
           <c:extLst xmlns:c15="http://schemas.microsoft.com/office/drawing/2012/chart">
             <c:ext xmlns:c16="http://schemas.microsoft.com/office/drawing/2014/chart" uri="{C3380CC4-5D6E-409C-BE32-E72D297353CC}">
-              <c16:uniqueId val="{00000003-D283-4DCB-A8AC-D3CF7B46060A}"/>
+              <c16:uniqueId val="{00000003-B63A-40B5-AC57-4F1F6FDB5163}"/>
             </c:ext>
           </c:extLst>
         </c:ser>
@@ -21118,8 +20806,10 @@
                   </c:strRef>
                 </c:tx>
                 <c:spPr>
-                  <a:ln w="25400" cap="rnd">
-                    <a:noFill/>
+                  <a:ln w="9525" cap="rnd">
+                    <a:solidFill>
+                      <a:schemeClr val="accent6"/>
+                    </a:solidFill>
                     <a:round/>
                   </a:ln>
                   <a:effectLst/>
@@ -21237,7 +20927,7 @@
                 <c:smooth val="0"/>
                 <c:extLst>
                   <c:ext xmlns:c16="http://schemas.microsoft.com/office/drawing/2014/chart" uri="{C3380CC4-5D6E-409C-BE32-E72D297353CC}">
-                    <c16:uniqueId val="{00000004-D283-4DCB-A8AC-D3CF7B46060A}"/>
+                    <c16:uniqueId val="{00000004-B63A-40B5-AC57-4F1F6FDB5163}"/>
                   </c:ext>
                 </c:extLst>
               </c15:ser>
@@ -21264,8 +20954,12 @@
                   </c:strRef>
                 </c:tx>
                 <c:spPr>
-                  <a:ln w="25400" cap="rnd">
-                    <a:noFill/>
+                  <a:ln w="9525" cap="rnd">
+                    <a:solidFill>
+                      <a:schemeClr val="accent1">
+                        <a:lumMod val="60000"/>
+                      </a:schemeClr>
+                    </a:solidFill>
                     <a:round/>
                   </a:ln>
                   <a:effectLst/>
@@ -21383,7 +21077,7 @@
                 <c:smooth val="0"/>
                 <c:extLst xmlns:c15="http://schemas.microsoft.com/office/drawing/2012/chart">
                   <c:ext xmlns:c16="http://schemas.microsoft.com/office/drawing/2014/chart" uri="{C3380CC4-5D6E-409C-BE32-E72D297353CC}">
-                    <c16:uniqueId val="{00000005-D283-4DCB-A8AC-D3CF7B46060A}"/>
+                    <c16:uniqueId val="{00000005-B63A-40B5-AC57-4F1F6FDB5163}"/>
                   </c:ext>
                 </c:extLst>
               </c15:ser>
@@ -21410,8 +21104,12 @@
                   </c:strRef>
                 </c:tx>
                 <c:spPr>
-                  <a:ln w="25400" cap="rnd">
-                    <a:noFill/>
+                  <a:ln w="9525" cap="rnd">
+                    <a:solidFill>
+                      <a:schemeClr val="accent2">
+                        <a:lumMod val="60000"/>
+                      </a:schemeClr>
+                    </a:solidFill>
                     <a:round/>
                   </a:ln>
                   <a:effectLst/>
@@ -21529,7 +21227,7 @@
                 <c:smooth val="0"/>
                 <c:extLst xmlns:c15="http://schemas.microsoft.com/office/drawing/2012/chart">
                   <c:ext xmlns:c16="http://schemas.microsoft.com/office/drawing/2014/chart" uri="{C3380CC4-5D6E-409C-BE32-E72D297353CC}">
-                    <c16:uniqueId val="{00000006-D283-4DCB-A8AC-D3CF7B46060A}"/>
+                    <c16:uniqueId val="{00000006-B63A-40B5-AC57-4F1F6FDB5163}"/>
                   </c:ext>
                 </c:extLst>
               </c15:ser>
@@ -21556,8 +21254,12 @@
                   </c:strRef>
                 </c:tx>
                 <c:spPr>
-                  <a:ln w="25400" cap="rnd">
-                    <a:noFill/>
+                  <a:ln w="9525" cap="rnd">
+                    <a:solidFill>
+                      <a:schemeClr val="accent3">
+                        <a:lumMod val="60000"/>
+                      </a:schemeClr>
+                    </a:solidFill>
                     <a:round/>
                   </a:ln>
                   <a:effectLst/>
@@ -21675,7 +21377,7 @@
                 <c:smooth val="0"/>
                 <c:extLst xmlns:c15="http://schemas.microsoft.com/office/drawing/2012/chart">
                   <c:ext xmlns:c16="http://schemas.microsoft.com/office/drawing/2014/chart" uri="{C3380CC4-5D6E-409C-BE32-E72D297353CC}">
-                    <c16:uniqueId val="{00000007-D283-4DCB-A8AC-D3CF7B46060A}"/>
+                    <c16:uniqueId val="{00000007-B63A-40B5-AC57-4F1F6FDB5163}"/>
                   </c:ext>
                 </c:extLst>
               </c15:ser>
@@ -21702,8 +21404,10 @@
                   </c:strRef>
                 </c:tx>
                 <c:spPr>
-                  <a:ln w="25400" cap="rnd">
-                    <a:noFill/>
+                  <a:ln w="9525" cap="rnd">
+                    <a:solidFill>
+                      <a:schemeClr val="accent4"/>
+                    </a:solidFill>
                     <a:round/>
                   </a:ln>
                   <a:effectLst/>
@@ -21821,7 +21525,7 @@
                 <c:smooth val="0"/>
                 <c:extLst xmlns:c15="http://schemas.microsoft.com/office/drawing/2012/chart">
                   <c:ext xmlns:c16="http://schemas.microsoft.com/office/drawing/2014/chart" uri="{C3380CC4-5D6E-409C-BE32-E72D297353CC}">
-                    <c16:uniqueId val="{00000008-D283-4DCB-A8AC-D3CF7B46060A}"/>
+                    <c16:uniqueId val="{00000008-B63A-40B5-AC57-4F1F6FDB5163}"/>
                   </c:ext>
                 </c:extLst>
               </c15:ser>
@@ -22279,32 +21983,19 @@
           </c:dLbls>
           <c:cat>
             <c:strRef>
-              <c:extLst>
-                <c:ext xmlns:c15="http://schemas.microsoft.com/office/drawing/2012/chart" uri="{02D57815-91ED-43cb-92C2-25804820EDAC}">
-                  <c15:fullRef>
-                    <c15:sqref>'parallel vs header-seeker-6'!$M$2:$M$3</c15:sqref>
-                  </c15:fullRef>
-                </c:ext>
-              </c:extLst>
-              <c:f>'parallel vs header-seeker-6'!$M$2</c:f>
+              <c:f>'parallel vs header-seeker-6'!$M$2:$M$3</c:f>
               <c:strCache>
                 <c:ptCount val="1"/>
                 <c:pt idx="0">
                   <c:v>LUTs</c:v>
                 </c:pt>
               </c:strCache>
+              <c:extLst/>
             </c:strRef>
           </c:cat>
           <c:val>
             <c:numRef>
-              <c:extLst>
-                <c:ext xmlns:c15="http://schemas.microsoft.com/office/drawing/2012/chart" uri="{02D57815-91ED-43cb-92C2-25804820EDAC}">
-                  <c15:fullRef>
-                    <c15:sqref>'parallel vs header-seeker-6'!$N$2:$N$3</c15:sqref>
-                  </c15:fullRef>
-                </c:ext>
-              </c:extLst>
-              <c:f>'parallel vs header-seeker-6'!$N$2</c:f>
+              <c:f>'parallel vs header-seeker-6'!$N$2:$N$3</c:f>
               <c:numCache>
                 <c:formatCode>0.00%</c:formatCode>
                 <c:ptCount val="1"/>
@@ -22312,6 +22003,7 @@
                   <c:v>1.47E-2</c:v>
                 </c:pt>
               </c:numCache>
+              <c:extLst/>
             </c:numRef>
           </c:val>
           <c:extLst>
@@ -22400,32 +22092,19 @@
           </c:dLbls>
           <c:cat>
             <c:strRef>
-              <c:extLst>
-                <c:ext xmlns:c15="http://schemas.microsoft.com/office/drawing/2012/chart" uri="{02D57815-91ED-43cb-92C2-25804820EDAC}">
-                  <c15:fullRef>
-                    <c15:sqref>'parallel vs header-seeker-6'!$M$2:$M$3</c15:sqref>
-                  </c15:fullRef>
-                </c:ext>
-              </c:extLst>
-              <c:f>'parallel vs header-seeker-6'!$M$2</c:f>
+              <c:f>'parallel vs header-seeker-6'!$M$2:$M$3</c:f>
               <c:strCache>
                 <c:ptCount val="1"/>
                 <c:pt idx="0">
                   <c:v>LUTs</c:v>
                 </c:pt>
               </c:strCache>
+              <c:extLst/>
             </c:strRef>
           </c:cat>
           <c:val>
             <c:numRef>
-              <c:extLst>
-                <c:ext xmlns:c15="http://schemas.microsoft.com/office/drawing/2012/chart" uri="{02D57815-91ED-43cb-92C2-25804820EDAC}">
-                  <c15:fullRef>
-                    <c15:sqref>'parallel vs header-seeker-6'!$O$2:$O$3</c15:sqref>
-                  </c15:fullRef>
-                </c:ext>
-              </c:extLst>
-              <c:f>'parallel vs header-seeker-6'!$O$2</c:f>
+              <c:f>'parallel vs header-seeker-6'!$O$2:$O$3</c:f>
               <c:numCache>
                 <c:formatCode>0.00%</c:formatCode>
                 <c:ptCount val="1"/>
@@ -22433,6 +22112,7 @@
                   <c:v>1.0699999999999999E-2</c:v>
                 </c:pt>
               </c:numCache>
+              <c:extLst/>
             </c:numRef>
           </c:val>
           <c:extLst>
@@ -22521,32 +22201,19 @@
           </c:dLbls>
           <c:cat>
             <c:strRef>
-              <c:extLst>
-                <c:ext xmlns:c15="http://schemas.microsoft.com/office/drawing/2012/chart" uri="{02D57815-91ED-43cb-92C2-25804820EDAC}">
-                  <c15:fullRef>
-                    <c15:sqref>'parallel vs header-seeker-6'!$M$2:$M$3</c15:sqref>
-                  </c15:fullRef>
-                </c:ext>
-              </c:extLst>
-              <c:f>'parallel vs header-seeker-6'!$M$2</c:f>
+              <c:f>'parallel vs header-seeker-6'!$M$2:$M$3</c:f>
               <c:strCache>
                 <c:ptCount val="1"/>
                 <c:pt idx="0">
                   <c:v>LUTs</c:v>
                 </c:pt>
               </c:strCache>
+              <c:extLst/>
             </c:strRef>
           </c:cat>
           <c:val>
             <c:numRef>
-              <c:extLst>
-                <c:ext xmlns:c15="http://schemas.microsoft.com/office/drawing/2012/chart" uri="{02D57815-91ED-43cb-92C2-25804820EDAC}">
-                  <c15:fullRef>
-                    <c15:sqref>'parallel vs header-seeker-6'!$P$2:$P$3</c15:sqref>
-                  </c15:fullRef>
-                </c:ext>
-              </c:extLst>
-              <c:f>'parallel vs header-seeker-6'!$P$2</c:f>
+              <c:f>'parallel vs header-seeker-6'!$P$2:$P$3</c:f>
               <c:numCache>
                 <c:formatCode>0.00%</c:formatCode>
                 <c:ptCount val="1"/>
@@ -22554,6 +22221,7 @@
                   <c:v>9.4000000000000004E-3</c:v>
                 </c:pt>
               </c:numCache>
+              <c:extLst/>
             </c:numRef>
           </c:val>
           <c:extLst>
@@ -22642,32 +22310,19 @@
           </c:dLbls>
           <c:cat>
             <c:strRef>
-              <c:extLst>
-                <c:ext xmlns:c15="http://schemas.microsoft.com/office/drawing/2012/chart" uri="{02D57815-91ED-43cb-92C2-25804820EDAC}">
-                  <c15:fullRef>
-                    <c15:sqref>'parallel vs header-seeker-6'!$M$2:$M$3</c15:sqref>
-                  </c15:fullRef>
-                </c:ext>
-              </c:extLst>
-              <c:f>'parallel vs header-seeker-6'!$M$2</c:f>
+              <c:f>'parallel vs header-seeker-6'!$M$2:$M$3</c:f>
               <c:strCache>
                 <c:ptCount val="1"/>
                 <c:pt idx="0">
                   <c:v>LUTs</c:v>
                 </c:pt>
               </c:strCache>
+              <c:extLst/>
             </c:strRef>
           </c:cat>
           <c:val>
             <c:numRef>
-              <c:extLst>
-                <c:ext xmlns:c15="http://schemas.microsoft.com/office/drawing/2012/chart" uri="{02D57815-91ED-43cb-92C2-25804820EDAC}">
-                  <c15:fullRef>
-                    <c15:sqref>'parallel vs header-seeker-6'!$Q$2:$Q$3</c15:sqref>
-                  </c15:fullRef>
-                </c:ext>
-              </c:extLst>
-              <c:f>'parallel vs header-seeker-6'!$Q$2</c:f>
+              <c:f>'parallel vs header-seeker-6'!$Q$2:$Q$3</c:f>
               <c:numCache>
                 <c:formatCode>0.00%</c:formatCode>
                 <c:ptCount val="1"/>
@@ -22675,6 +22330,7 @@
                   <c:v>7.7000000000000002E-3</c:v>
                 </c:pt>
               </c:numCache>
+              <c:extLst/>
             </c:numRef>
           </c:val>
           <c:extLst>
@@ -22763,32 +22419,19 @@
           </c:dLbls>
           <c:cat>
             <c:strRef>
-              <c:extLst>
-                <c:ext xmlns:c15="http://schemas.microsoft.com/office/drawing/2012/chart" uri="{02D57815-91ED-43cb-92C2-25804820EDAC}">
-                  <c15:fullRef>
-                    <c15:sqref>'parallel vs header-seeker-6'!$M$2:$M$3</c15:sqref>
-                  </c15:fullRef>
-                </c:ext>
-              </c:extLst>
-              <c:f>'parallel vs header-seeker-6'!$M$2</c:f>
+              <c:f>'parallel vs header-seeker-6'!$M$2:$M$3</c:f>
               <c:strCache>
                 <c:ptCount val="1"/>
                 <c:pt idx="0">
                   <c:v>LUTs</c:v>
                 </c:pt>
               </c:strCache>
+              <c:extLst/>
             </c:strRef>
           </c:cat>
           <c:val>
             <c:numRef>
-              <c:extLst>
-                <c:ext xmlns:c15="http://schemas.microsoft.com/office/drawing/2012/chart" uri="{02D57815-91ED-43cb-92C2-25804820EDAC}">
-                  <c15:fullRef>
-                    <c15:sqref>'parallel vs header-seeker-6'!$R$2:$R$3</c15:sqref>
-                  </c15:fullRef>
-                </c:ext>
-              </c:extLst>
-              <c:f>'parallel vs header-seeker-6'!$R$2</c:f>
+              <c:f>'parallel vs header-seeker-6'!$R$2:$R$3</c:f>
               <c:numCache>
                 <c:formatCode>0.00%</c:formatCode>
                 <c:ptCount val="1"/>
@@ -22796,6 +22439,7 @@
                   <c:v>7.4999999999999997E-3</c:v>
                 </c:pt>
               </c:numCache>
+              <c:extLst/>
             </c:numRef>
           </c:val>
           <c:extLst>
@@ -22884,32 +22528,19 @@
           </c:dLbls>
           <c:cat>
             <c:strRef>
-              <c:extLst>
-                <c:ext xmlns:c15="http://schemas.microsoft.com/office/drawing/2012/chart" uri="{02D57815-91ED-43cb-92C2-25804820EDAC}">
-                  <c15:fullRef>
-                    <c15:sqref>'parallel vs header-seeker-6'!$M$2:$M$3</c15:sqref>
-                  </c15:fullRef>
-                </c:ext>
-              </c:extLst>
-              <c:f>'parallel vs header-seeker-6'!$M$2</c:f>
+              <c:f>'parallel vs header-seeker-6'!$M$2:$M$3</c:f>
               <c:strCache>
                 <c:ptCount val="1"/>
                 <c:pt idx="0">
                   <c:v>LUTs</c:v>
                 </c:pt>
               </c:strCache>
+              <c:extLst/>
             </c:strRef>
           </c:cat>
           <c:val>
             <c:numRef>
-              <c:extLst>
-                <c:ext xmlns:c15="http://schemas.microsoft.com/office/drawing/2012/chart" uri="{02D57815-91ED-43cb-92C2-25804820EDAC}">
-                  <c15:fullRef>
-                    <c15:sqref>'parallel vs header-seeker-6'!$S$2:$S$3</c15:sqref>
-                  </c15:fullRef>
-                </c:ext>
-              </c:extLst>
-              <c:f>'parallel vs header-seeker-6'!$S$2</c:f>
+              <c:f>'parallel vs header-seeker-6'!$S$2:$S$3</c:f>
               <c:numCache>
                 <c:formatCode>0.00%</c:formatCode>
                 <c:ptCount val="1"/>
@@ -22917,6 +22548,7 @@
                   <c:v>6.7000000000000002E-3</c:v>
                 </c:pt>
               </c:numCache>
+              <c:extLst/>
             </c:numRef>
           </c:val>
           <c:extLst>
@@ -23005,32 +22637,19 @@
           </c:dLbls>
           <c:cat>
             <c:strRef>
-              <c:extLst>
-                <c:ext xmlns:c15="http://schemas.microsoft.com/office/drawing/2012/chart" uri="{02D57815-91ED-43cb-92C2-25804820EDAC}">
-                  <c15:fullRef>
-                    <c15:sqref>'parallel vs header-seeker-6'!$M$2:$M$3</c15:sqref>
-                  </c15:fullRef>
-                </c:ext>
-              </c:extLst>
-              <c:f>'parallel vs header-seeker-6'!$M$2</c:f>
+              <c:f>'parallel vs header-seeker-6'!$M$2:$M$3</c:f>
               <c:strCache>
                 <c:ptCount val="1"/>
                 <c:pt idx="0">
                   <c:v>LUTs</c:v>
                 </c:pt>
               </c:strCache>
+              <c:extLst/>
             </c:strRef>
           </c:cat>
           <c:val>
             <c:numRef>
-              <c:extLst>
-                <c:ext xmlns:c15="http://schemas.microsoft.com/office/drawing/2012/chart" uri="{02D57815-91ED-43cb-92C2-25804820EDAC}">
-                  <c15:fullRef>
-                    <c15:sqref>'parallel vs header-seeker-6'!$T$2:$T$3</c15:sqref>
-                  </c15:fullRef>
-                </c:ext>
-              </c:extLst>
-              <c:f>'parallel vs header-seeker-6'!$T$2</c:f>
+              <c:f>'parallel vs header-seeker-6'!$T$2:$T$3</c:f>
               <c:numCache>
                 <c:formatCode>0.00%</c:formatCode>
                 <c:ptCount val="1"/>
@@ -23038,6 +22657,7 @@
                   <c:v>5.7999999999999996E-3</c:v>
                 </c:pt>
               </c:numCache>
+              <c:extLst/>
             </c:numRef>
           </c:val>
           <c:extLst>
@@ -23126,32 +22746,19 @@
           </c:dLbls>
           <c:cat>
             <c:strRef>
-              <c:extLst>
-                <c:ext xmlns:c15="http://schemas.microsoft.com/office/drawing/2012/chart" uri="{02D57815-91ED-43cb-92C2-25804820EDAC}">
-                  <c15:fullRef>
-                    <c15:sqref>'parallel vs header-seeker-6'!$M$2:$M$3</c15:sqref>
-                  </c15:fullRef>
-                </c:ext>
-              </c:extLst>
-              <c:f>'parallel vs header-seeker-6'!$M$2</c:f>
+              <c:f>'parallel vs header-seeker-6'!$M$2:$M$3</c:f>
               <c:strCache>
                 <c:ptCount val="1"/>
                 <c:pt idx="0">
                   <c:v>LUTs</c:v>
                 </c:pt>
               </c:strCache>
+              <c:extLst/>
             </c:strRef>
           </c:cat>
           <c:val>
             <c:numRef>
-              <c:extLst>
-                <c:ext xmlns:c15="http://schemas.microsoft.com/office/drawing/2012/chart" uri="{02D57815-91ED-43cb-92C2-25804820EDAC}">
-                  <c15:fullRef>
-                    <c15:sqref>'parallel vs header-seeker-6'!$U$2:$U$3</c15:sqref>
-                  </c15:fullRef>
-                </c:ext>
-              </c:extLst>
-              <c:f>'parallel vs header-seeker-6'!$U$2</c:f>
+              <c:f>'parallel vs header-seeker-6'!$U$2:$U$3</c:f>
               <c:numCache>
                 <c:formatCode>0.00%</c:formatCode>
                 <c:ptCount val="1"/>
@@ -23159,6 +22766,7 @@
                   <c:v>5.4000000000000003E-3</c:v>
                 </c:pt>
               </c:numCache>
+              <c:extLst/>
             </c:numRef>
           </c:val>
           <c:extLst>
@@ -23260,14 +22868,7 @@
           </c:cat>
           <c:val>
             <c:numRef>
-              <c:extLst>
-                <c:ext xmlns:c15="http://schemas.microsoft.com/office/drawing/2012/chart" uri="{02D57815-91ED-43cb-92C2-25804820EDAC}">
-                  <c15:fullRef>
-                    <c15:sqref>'parallel vs header-seeker-6'!$V$2:$V$3</c15:sqref>
-                  </c15:fullRef>
-                </c:ext>
-              </c:extLst>
-              <c:f>'parallel vs header-seeker-6'!$V$2</c:f>
+              <c:f>'parallel vs header-seeker-6'!$V$2:$V$3</c:f>
               <c:numCache>
                 <c:formatCode>0.00%</c:formatCode>
                 <c:ptCount val="1"/>
@@ -23275,6 +22876,7 @@
                   <c:v>1.9E-3</c:v>
                 </c:pt>
               </c:numCache>
+              <c:extLst/>
             </c:numRef>
           </c:val>
           <c:extLst>
@@ -23410,11 +23012,8 @@
                   <c:strRef>
                     <c:extLst>
                       <c:ext uri="{02D57815-91ED-43cb-92C2-25804820EDAC}">
-                        <c15:fullRef>
+                        <c15:formulaRef>
                           <c15:sqref>'parallel vs header-seeker-6'!$M$2:$M$3</c15:sqref>
-                        </c15:fullRef>
-                        <c15:formulaRef>
-                          <c15:sqref>'parallel vs header-seeker-6'!$M$2</c15:sqref>
                         </c15:formulaRef>
                       </c:ext>
                     </c:extLst>
@@ -23430,11 +23029,8 @@
                   <c:numRef>
                     <c:extLst>
                       <c:ext uri="{02D57815-91ED-43cb-92C2-25804820EDAC}">
-                        <c15:fullRef>
+                        <c15:formulaRef>
                           <c15:sqref>'parallel vs header-seeker-6'!$N$2:$N$3</c15:sqref>
-                        </c15:fullRef>
-                        <c15:formulaRef>
-                          <c15:sqref>'parallel vs header-seeker-6'!$N$2</c15:sqref>
                         </c15:formulaRef>
                       </c:ext>
                     </c:extLst>
@@ -23566,11 +23162,8 @@
                   <c:strRef>
                     <c:extLst xmlns:c15="http://schemas.microsoft.com/office/drawing/2012/chart">
                       <c:ext xmlns:c15="http://schemas.microsoft.com/office/drawing/2012/chart" uri="{02D57815-91ED-43cb-92C2-25804820EDAC}">
-                        <c15:fullRef>
+                        <c15:formulaRef>
                           <c15:sqref>'parallel vs header-seeker-6'!$M$2:$M$3</c15:sqref>
-                        </c15:fullRef>
-                        <c15:formulaRef>
-                          <c15:sqref>'parallel vs header-seeker-6'!$M$2</c15:sqref>
                         </c15:formulaRef>
                       </c:ext>
                     </c:extLst>
@@ -23586,11 +23179,8 @@
                   <c:numRef>
                     <c:extLst xmlns:c15="http://schemas.microsoft.com/office/drawing/2012/chart">
                       <c:ext xmlns:c15="http://schemas.microsoft.com/office/drawing/2012/chart" uri="{02D57815-91ED-43cb-92C2-25804820EDAC}">
-                        <c15:fullRef>
+                        <c15:formulaRef>
                           <c15:sqref>'parallel vs header-seeker-6'!$R$2:$R$3</c15:sqref>
-                        </c15:fullRef>
-                        <c15:formulaRef>
-                          <c15:sqref>'parallel vs header-seeker-6'!$R$2</c15:sqref>
                         </c15:formulaRef>
                       </c:ext>
                     </c:extLst>
@@ -23722,11 +23312,8 @@
                   <c:strRef>
                     <c:extLst xmlns:c15="http://schemas.microsoft.com/office/drawing/2012/chart">
                       <c:ext xmlns:c15="http://schemas.microsoft.com/office/drawing/2012/chart" uri="{02D57815-91ED-43cb-92C2-25804820EDAC}">
-                        <c15:fullRef>
+                        <c15:formulaRef>
                           <c15:sqref>'parallel vs header-seeker-6'!$M$2:$M$3</c15:sqref>
-                        </c15:fullRef>
-                        <c15:formulaRef>
-                          <c15:sqref>'parallel vs header-seeker-6'!$M$2</c15:sqref>
                         </c15:formulaRef>
                       </c:ext>
                     </c:extLst>
@@ -23742,11 +23329,8 @@
                   <c:numRef>
                     <c:extLst xmlns:c15="http://schemas.microsoft.com/office/drawing/2012/chart">
                       <c:ext xmlns:c15="http://schemas.microsoft.com/office/drawing/2012/chart" uri="{02D57815-91ED-43cb-92C2-25804820EDAC}">
-                        <c15:fullRef>
+                        <c15:formulaRef>
                           <c15:sqref>'parallel vs header-seeker-6'!$S$2:$S$3</c15:sqref>
-                        </c15:fullRef>
-                        <c15:formulaRef>
-                          <c15:sqref>'parallel vs header-seeker-6'!$S$2</c15:sqref>
                         </c15:formulaRef>
                       </c:ext>
                     </c:extLst>
@@ -29173,7 +28757,7 @@
           <a:p>
             <a:fld id="{407168E9-99CD-4D7B-B4D2-CAFCC84D8F8F}" type="datetimeFigureOut">
               <a:rPr lang="en-US" smtClean="0"/>
-              <a:t>6/7/2022</a:t>
+              <a:t>6/8/2022</a:t>
             </a:fld>
             <a:endParaRPr lang="en-US"/>
           </a:p>
@@ -30019,7 +29603,7 @@
           <a:p>
             <a:fld id="{8B329729-884E-4152-BAC5-8FE76D105BE6}" type="datetime1">
               <a:rPr lang="en-US" smtClean="0"/>
-              <a:t>6/7/2022</a:t>
+              <a:t>6/8/2022</a:t>
             </a:fld>
             <a:endParaRPr lang="en-US"/>
           </a:p>
@@ -30217,7 +29801,7 @@
           <a:p>
             <a:fld id="{F84BEDDC-68A5-4DD6-98C0-EA019DD814A5}" type="datetime1">
               <a:rPr lang="en-US" smtClean="0"/>
-              <a:t>6/7/2022</a:t>
+              <a:t>6/8/2022</a:t>
             </a:fld>
             <a:endParaRPr lang="en-US"/>
           </a:p>
@@ -30425,7 +30009,7 @@
           <a:p>
             <a:fld id="{376F260E-142A-4082-8FE7-6BD2BED84A87}" type="datetime1">
               <a:rPr lang="en-US" smtClean="0"/>
-              <a:t>6/7/2022</a:t>
+              <a:t>6/8/2022</a:t>
             </a:fld>
             <a:endParaRPr lang="en-US"/>
           </a:p>
@@ -30623,7 +30207,7 @@
           <a:p>
             <a:fld id="{2E3EF467-3EE3-45F7-A71D-548D2580CAA0}" type="datetime1">
               <a:rPr lang="en-US" smtClean="0"/>
-              <a:t>6/7/2022</a:t>
+              <a:t>6/8/2022</a:t>
             </a:fld>
             <a:endParaRPr lang="en-US"/>
           </a:p>
@@ -30898,7 +30482,7 @@
           <a:p>
             <a:fld id="{93D94E2E-C9A5-4630-ABDB-6464D58E1C71}" type="datetime1">
               <a:rPr lang="en-US" smtClean="0"/>
-              <a:t>6/7/2022</a:t>
+              <a:t>6/8/2022</a:t>
             </a:fld>
             <a:endParaRPr lang="en-US"/>
           </a:p>
@@ -31163,7 +30747,7 @@
           <a:p>
             <a:fld id="{930A9AD4-28EF-42D4-9B05-578CD78DA8E3}" type="datetime1">
               <a:rPr lang="en-US" smtClean="0"/>
-              <a:t>6/7/2022</a:t>
+              <a:t>6/8/2022</a:t>
             </a:fld>
             <a:endParaRPr lang="en-US"/>
           </a:p>
@@ -31575,7 +31159,7 @@
           <a:p>
             <a:fld id="{4C41EE10-3A0B-40B6-92CC-E76C2AF0080D}" type="datetime1">
               <a:rPr lang="en-US" smtClean="0"/>
-              <a:t>6/7/2022</a:t>
+              <a:t>6/8/2022</a:t>
             </a:fld>
             <a:endParaRPr lang="en-US"/>
           </a:p>
@@ -31716,7 +31300,7 @@
           <a:p>
             <a:fld id="{1A988DD5-DE98-462E-B47C-F38421DEB8CE}" type="datetime1">
               <a:rPr lang="en-US" smtClean="0"/>
-              <a:t>6/7/2022</a:t>
+              <a:t>6/8/2022</a:t>
             </a:fld>
             <a:endParaRPr lang="en-US"/>
           </a:p>
@@ -31829,7 +31413,7 @@
           <a:p>
             <a:fld id="{B03978E2-72B6-42A4-9D61-04B26093E903}" type="datetime1">
               <a:rPr lang="en-US" smtClean="0"/>
-              <a:t>6/7/2022</a:t>
+              <a:t>6/8/2022</a:t>
             </a:fld>
             <a:endParaRPr lang="en-US"/>
           </a:p>
@@ -32140,7 +31724,7 @@
           <a:p>
             <a:fld id="{7DD31896-983E-4E0C-BDEF-F227EDD443C4}" type="datetime1">
               <a:rPr lang="en-US" smtClean="0"/>
-              <a:t>6/7/2022</a:t>
+              <a:t>6/8/2022</a:t>
             </a:fld>
             <a:endParaRPr lang="en-US"/>
           </a:p>
@@ -32428,7 +32012,7 @@
           <a:p>
             <a:fld id="{5BCD0C60-A76C-4395-80E6-5923425E6ECC}" type="datetime1">
               <a:rPr lang="en-US" smtClean="0"/>
-              <a:t>6/7/2022</a:t>
+              <a:t>6/8/2022</a:t>
             </a:fld>
             <a:endParaRPr lang="en-US"/>
           </a:p>
@@ -32669,7 +32253,7 @@
           <a:p>
             <a:fld id="{580D6AF3-C3AB-49FB-9C91-C242C9E6B34B}" type="datetime1">
               <a:rPr lang="en-US" smtClean="0"/>
-              <a:t>6/7/2022</a:t>
+              <a:t>6/8/2022</a:t>
             </a:fld>
             <a:endParaRPr lang="en-US"/>
           </a:p>
@@ -33443,7 +33027,7 @@
           <a:p>
             <a:fld id="{6FD6C827-94B6-4FF9-9BFD-9D2183610D51}" type="datetime1">
               <a:rPr lang="en-US" smtClean="0"/>
-              <a:t>6/7/2022</a:t>
+              <a:t>6/8/2022</a:t>
             </a:fld>
             <a:endParaRPr lang="en-US"/>
           </a:p>
@@ -33561,7 +33145,15 @@
           <a:p>
             <a:r>
               <a:rPr lang="en-US" sz="2200" dirty="0"/>
-              <a:t>Rx Gearbox performs 64-bit to 66-bit transformation utilizing an internal buffer</a:t>
+              <a:t>Rx Gearbox build 66-bit blocks from the serial data processed by the </a:t>
+            </a:r>
+            <a:r>
+              <a:rPr lang="en-US" sz="2200" dirty="0" err="1"/>
+              <a:t>deserializer</a:t>
+            </a:r>
+            <a:r>
+              <a:rPr lang="en-US" sz="2200" dirty="0"/>
+              <a:t> by utilizing an internal buffer.</a:t>
             </a:r>
           </a:p>
           <a:p>
@@ -33607,7 +33199,7 @@
           <a:p>
             <a:fld id="{440BB558-EAAC-4397-A89A-843AD3024D3A}" type="datetime1">
               <a:rPr lang="en-US" smtClean="0"/>
-              <a:t>6/7/2022</a:t>
+              <a:t>6/8/2022</a:t>
             </a:fld>
             <a:endParaRPr lang="en-US"/>
           </a:p>
@@ -33644,10 +33236,10 @@
       </p:sp>
       <p:pic>
         <p:nvPicPr>
-          <p:cNvPr id="20" name="Content Placeholder 19">
+          <p:cNvPr id="9" name="Content Placeholder 8">
             <a:extLst>
               <a:ext uri="{FF2B5EF4-FFF2-40B4-BE49-F238E27FC236}">
-                <a16:creationId xmlns:a16="http://schemas.microsoft.com/office/drawing/2014/main" id="{B3ADDAC3-69B0-43E4-200B-4E0600E7FB86}"/>
+                <a16:creationId xmlns:a16="http://schemas.microsoft.com/office/drawing/2014/main" id="{4A99B23A-0694-07B7-B456-FF2C56E38BC3}"/>
               </a:ext>
             </a:extLst>
           </p:cNvPr>
@@ -33666,8 +33258,8 @@
         </p:blipFill>
         <p:spPr>
           <a:xfrm>
-            <a:off x="6172200" y="2612690"/>
-            <a:ext cx="5181600" cy="2777207"/>
+            <a:off x="6172200" y="2610380"/>
+            <a:ext cx="5181600" cy="2781827"/>
           </a:xfrm>
         </p:spPr>
       </p:pic>
@@ -33805,7 +33397,7 @@
           <a:p>
             <a:fld id="{151FEFEE-BBD9-4304-A425-583ECDA0C48E}" type="datetime1">
               <a:rPr lang="en-US" smtClean="0"/>
-              <a:t>6/7/2022</a:t>
+              <a:t>6/8/2022</a:t>
             </a:fld>
             <a:endParaRPr lang="en-US"/>
           </a:p>
@@ -33996,7 +33588,7 @@
           <a:p>
             <a:fld id="{930A9AD4-28EF-42D4-9B05-578CD78DA8E3}" type="datetime1">
               <a:rPr lang="en-US" smtClean="0"/>
-              <a:t>6/7/2022</a:t>
+              <a:t>6/8/2022</a:t>
             </a:fld>
             <a:endParaRPr lang="en-US"/>
           </a:p>
@@ -34190,7 +33782,7 @@
           <a:p>
             <a:fld id="{8A7654C5-ABFB-4BE8-9E7A-1675AD73F32A}" type="datetime1">
               <a:rPr lang="en-US" smtClean="0"/>
-              <a:t>6/7/2022</a:t>
+              <a:t>6/8/2022</a:t>
             </a:fld>
             <a:endParaRPr lang="en-US"/>
           </a:p>
@@ -34436,7 +34028,7 @@
           <a:p>
             <a:fld id="{4B9B305F-AB60-405E-81C1-295443CEA9E3}" type="datetime1">
               <a:rPr lang="en-US" smtClean="0"/>
-              <a:t>6/7/2022</a:t>
+              <a:t>6/8/2022</a:t>
             </a:fld>
             <a:endParaRPr lang="en-US"/>
           </a:p>
@@ -34564,7 +34156,7 @@
           <a:p>
             <a:r>
               <a:rPr lang="en-US" sz="2200" dirty="0"/>
-              <a:t>With 66 positions, variations with 33, 22, 11, 6, 3, 2 and 1 seeker are possible</a:t>
+              <a:t>With 66 positions, variations with 33, 22, 11, 6, 3, and 2 seekers are possible</a:t>
             </a:r>
           </a:p>
           <a:p>
@@ -34607,7 +34199,7 @@
           <a:p>
             <a:fld id="{2E3EF467-3EE3-45F7-A71D-548D2580CAA0}" type="datetime1">
               <a:rPr lang="en-US" smtClean="0"/>
-              <a:t>6/7/2022</a:t>
+              <a:t>6/8/2022</a:t>
             </a:fld>
             <a:endParaRPr lang="en-US"/>
           </a:p>
@@ -34753,14 +34345,7 @@
           </a:bodyPr>
           <a:lstStyle/>
           <a:p>
-            <a:pPr marL="285750" indent="-285750">
-              <a:buFont typeface="Arial" panose="020B0604020202020204" pitchFamily="34" charset="0"/>
-              <a:buChar char="•"/>
-            </a:pPr>
-            <a:endParaRPr lang="en-US" sz="2200" dirty="0"/>
-          </a:p>
-          <a:p>
-            <a:pPr marL="285750" indent="-285750">
+            <a:pPr marL="342900" indent="-342900">
               <a:buFont typeface="Arial" panose="020B0604020202020204" pitchFamily="34" charset="0"/>
               <a:buChar char="•"/>
             </a:pPr>
@@ -34830,7 +34415,7 @@
           <a:p>
             <a:fld id="{2EBA0A18-DEAE-4390-B8E4-F81D35941936}" type="datetime1">
               <a:rPr lang="en-US" smtClean="0"/>
-              <a:t>6/7/2022</a:t>
+              <a:t>6/8/2022</a:t>
             </a:fld>
             <a:endParaRPr lang="en-US"/>
           </a:p>
@@ -34867,7 +34452,7 @@
       </p:sp>
       <p:graphicFrame>
         <p:nvGraphicFramePr>
-          <p:cNvPr id="13" name="Content Placeholder 12">
+          <p:cNvPr id="10" name="Content Placeholder 9">
             <a:extLst>
               <a:ext uri="{FF2B5EF4-FFF2-40B4-BE49-F238E27FC236}">
                 <a16:creationId xmlns:a16="http://schemas.microsoft.com/office/drawing/2014/main" id="{3D6DF5F8-35B9-4EFE-8B3E-34E5FA35DF7C}"/>
@@ -34879,11 +34464,6 @@
           </p:cNvGraphicFramePr>
           <p:nvPr>
             <p:ph idx="1"/>
-            <p:extLst>
-              <p:ext uri="{D42A27DB-BD31-4B8C-83A1-F6EECF244321}">
-                <p14:modId xmlns:p14="http://schemas.microsoft.com/office/powerpoint/2010/main" val="1450904934"/>
-              </p:ext>
-            </p:extLst>
           </p:nvPr>
         </p:nvGraphicFramePr>
         <p:xfrm>
@@ -34898,10 +34478,10 @@
       </p:graphicFrame>
       <p:sp>
         <p:nvSpPr>
-          <p:cNvPr id="14" name="Rectangle 13">
+          <p:cNvPr id="11" name="Rectangle 10">
             <a:extLst>
               <a:ext uri="{FF2B5EF4-FFF2-40B4-BE49-F238E27FC236}">
-                <a16:creationId xmlns:a16="http://schemas.microsoft.com/office/drawing/2014/main" id="{3D7F18D4-557D-FC3E-19DF-96CD25D1DD0F}"/>
+                <a16:creationId xmlns:a16="http://schemas.microsoft.com/office/drawing/2014/main" id="{1DAB968D-1339-013D-8C6F-87BF05FD1B47}"/>
               </a:ext>
             </a:extLst>
           </p:cNvPr>
@@ -34910,7 +34490,7 @@
         </p:nvSpPr>
         <p:spPr>
           <a:xfrm>
-            <a:off x="5823033" y="5065860"/>
+            <a:off x="5849666" y="5060272"/>
             <a:ext cx="5317724" cy="292963"/>
           </a:xfrm>
           <a:prstGeom prst="rect">
@@ -35031,16 +34611,13 @@
           <a:bodyPr/>
           <a:lstStyle/>
           <a:p>
-            <a:endParaRPr lang="en-US" sz="2200" dirty="0"/>
-          </a:p>
-          <a:p>
             <a:pPr marL="342900" indent="-342900">
               <a:buFont typeface="Arial" panose="020B0604020202020204" pitchFamily="34" charset="0"/>
               <a:buChar char="•"/>
             </a:pPr>
             <a:r>
               <a:rPr lang="en-US" sz="2200" dirty="0"/>
-              <a:t>16 of the blocks lost because of the minimum number of consecutive valid blocks requirement to achieve synchronization</a:t>
+              <a:t>16 initial blocks lost because of the minimum number of consecutive valid blocks required to achieve synchronization</a:t>
             </a:r>
           </a:p>
           <a:p>
@@ -35050,7 +34627,7 @@
             </a:pPr>
             <a:r>
               <a:rPr lang="en-US" sz="2200" dirty="0"/>
-              <a:t>Additional lost blocks are how long it takes for the aligner to detect desync and determine correct alignment</a:t>
+              <a:t>Additional lost blocks while aligner detects sync loss and determines the new correct alignment</a:t>
             </a:r>
           </a:p>
           <a:p>
@@ -35085,7 +34662,7 @@
           <a:p>
             <a:fld id="{CE0DA2B9-DEE5-459E-82ED-602066593BD5}" type="datetime1">
               <a:rPr lang="en-US" smtClean="0"/>
-              <a:t>6/7/2022</a:t>
+              <a:t>6/8/2022</a:t>
             </a:fld>
             <a:endParaRPr lang="en-US" dirty="0"/>
           </a:p>
@@ -35410,7 +34987,7 @@
           <a:p>
             <a:fld id="{FD6E7292-4AE0-42CD-96AA-CEBE6F77E587}" type="datetime1">
               <a:rPr lang="en-US" smtClean="0"/>
-              <a:t>6/7/2022</a:t>
+              <a:t>6/8/2022</a:t>
             </a:fld>
             <a:endParaRPr lang="en-US" dirty="0"/>
           </a:p>
@@ -35461,7 +35038,7 @@
             <p:ph idx="1"/>
             <p:extLst>
               <p:ext uri="{D42A27DB-BD31-4B8C-83A1-F6EECF244321}">
-                <p14:modId xmlns:p14="http://schemas.microsoft.com/office/powerpoint/2010/main" val="2603982223"/>
+                <p14:modId xmlns:p14="http://schemas.microsoft.com/office/powerpoint/2010/main" val="3675964040"/>
               </p:ext>
             </p:extLst>
           </p:nvPr>
@@ -35491,7 +35068,7 @@
           <p:nvPr>
             <p:extLst>
               <p:ext uri="{D42A27DB-BD31-4B8C-83A1-F6EECF244321}">
-                <p14:modId xmlns:p14="http://schemas.microsoft.com/office/powerpoint/2010/main" val="1764896072"/>
+                <p14:modId xmlns:p14="http://schemas.microsoft.com/office/powerpoint/2010/main" val="1612475846"/>
               </p:ext>
             </p:extLst>
           </p:nvPr>
@@ -35658,7 +35235,7 @@
           <a:p>
             <a:fld id="{146602EC-DD15-4FDE-AF49-58C553DC860C}" type="datetime1">
               <a:rPr lang="en-US" smtClean="0"/>
-              <a:t>6/7/2022</a:t>
+              <a:t>6/8/2022</a:t>
             </a:fld>
             <a:endParaRPr lang="en-US"/>
           </a:p>
@@ -35695,7 +35272,7 @@
       </p:sp>
       <p:graphicFrame>
         <p:nvGraphicFramePr>
-          <p:cNvPr id="14" name="Content Placeholder 13">
+          <p:cNvPr id="11" name="Content Placeholder 10">
             <a:extLst>
               <a:ext uri="{FF2B5EF4-FFF2-40B4-BE49-F238E27FC236}">
                 <a16:creationId xmlns:a16="http://schemas.microsoft.com/office/drawing/2014/main" id="{1AEC8EE4-A79C-CC2D-4AC9-5814335EABC1}"/>
@@ -35709,14 +35286,14 @@
             <p:ph idx="1"/>
             <p:extLst>
               <p:ext uri="{D42A27DB-BD31-4B8C-83A1-F6EECF244321}">
-                <p14:modId xmlns:p14="http://schemas.microsoft.com/office/powerpoint/2010/main" val="2782555829"/>
+                <p14:modId xmlns:p14="http://schemas.microsoft.com/office/powerpoint/2010/main" val="1731192559"/>
               </p:ext>
             </p:extLst>
           </p:nvPr>
         </p:nvGraphicFramePr>
         <p:xfrm>
-          <a:off x="5184559" y="1257300"/>
-          <a:ext cx="6512141" cy="4873625"/>
+          <a:off x="4772025" y="987425"/>
+          <a:ext cx="6583363" cy="4873625"/>
         </p:xfrm>
         <a:graphic>
           <a:graphicData uri="http://schemas.openxmlformats.org/drawingml/2006/chart">
@@ -35726,10 +35303,10 @@
       </p:graphicFrame>
       <p:cxnSp>
         <p:nvCxnSpPr>
-          <p:cNvPr id="15" name="Straight Connector 14">
+          <p:cNvPr id="13" name="Straight Connector 12">
             <a:extLst>
               <a:ext uri="{FF2B5EF4-FFF2-40B4-BE49-F238E27FC236}">
-                <a16:creationId xmlns:a16="http://schemas.microsoft.com/office/drawing/2014/main" id="{8D5BBECA-F0B0-87A2-9433-C13DD8607824}"/>
+                <a16:creationId xmlns:a16="http://schemas.microsoft.com/office/drawing/2014/main" id="{2CDF93F4-ED9F-08C1-600B-9EE09407E96C}"/>
               </a:ext>
             </a:extLst>
           </p:cNvPr>
@@ -35740,7 +35317,7 @@
         </p:nvCxnSpPr>
         <p:spPr>
           <a:xfrm>
-            <a:off x="5912528" y="5006944"/>
+            <a:off x="5543843" y="4784941"/>
             <a:ext cx="5619566" cy="0"/>
           </a:xfrm>
           <a:prstGeom prst="line">
@@ -35768,6 +35345,80 @@
           </a:fontRef>
         </p:style>
       </p:cxnSp>
+      <p:cxnSp>
+        <p:nvCxnSpPr>
+          <p:cNvPr id="14" name="Straight Connector 13">
+            <a:extLst>
+              <a:ext uri="{FF2B5EF4-FFF2-40B4-BE49-F238E27FC236}">
+                <a16:creationId xmlns:a16="http://schemas.microsoft.com/office/drawing/2014/main" id="{D8437634-CE5C-FC4A-0925-59FFAE1821FE}"/>
+              </a:ext>
+            </a:extLst>
+          </p:cNvPr>
+          <p:cNvCxnSpPr>
+            <a:cxnSpLocks/>
+          </p:cNvCxnSpPr>
+          <p:nvPr/>
+        </p:nvCxnSpPr>
+        <p:spPr>
+          <a:xfrm flipV="1">
+            <a:off x="7546019" y="1748216"/>
+            <a:ext cx="0" cy="3559946"/>
+          </a:xfrm>
+          <a:prstGeom prst="line">
+            <a:avLst/>
+          </a:prstGeom>
+          <a:ln w="25400">
+            <a:solidFill>
+              <a:schemeClr val="accent3"/>
+            </a:solidFill>
+            <a:prstDash val="dash"/>
+          </a:ln>
+        </p:spPr>
+        <p:style>
+          <a:lnRef idx="1">
+            <a:schemeClr val="accent1"/>
+          </a:lnRef>
+          <a:fillRef idx="0">
+            <a:schemeClr val="accent1"/>
+          </a:fillRef>
+          <a:effectRef idx="0">
+            <a:schemeClr val="accent1"/>
+          </a:effectRef>
+          <a:fontRef idx="minor">
+            <a:schemeClr val="tx1"/>
+          </a:fontRef>
+        </p:style>
+      </p:cxnSp>
+      <p:pic>
+        <p:nvPicPr>
+          <p:cNvPr id="7" name="Picture 6">
+            <a:extLst>
+              <a:ext uri="{FF2B5EF4-FFF2-40B4-BE49-F238E27FC236}">
+                <a16:creationId xmlns:a16="http://schemas.microsoft.com/office/drawing/2014/main" id="{D3A66D0C-BE32-63C3-2C38-CAD444E8ABCA}"/>
+              </a:ext>
+            </a:extLst>
+          </p:cNvPr>
+          <p:cNvPicPr>
+            <a:picLocks noChangeAspect="1"/>
+          </p:cNvPicPr>
+          <p:nvPr/>
+        </p:nvPicPr>
+        <p:blipFill>
+          <a:blip r:embed="rId3"/>
+          <a:stretch>
+            <a:fillRect/>
+          </a:stretch>
+        </p:blipFill>
+        <p:spPr>
+          <a:xfrm>
+            <a:off x="6320387" y="1391013"/>
+            <a:ext cx="3486637" cy="219106"/>
+          </a:xfrm>
+          <a:prstGeom prst="rect">
+            <a:avLst/>
+          </a:prstGeom>
+        </p:spPr>
+      </p:pic>
     </p:spTree>
     <p:extLst>
       <p:ext uri="{BB962C8B-B14F-4D97-AF65-F5344CB8AC3E}">
@@ -35960,7 +35611,7 @@
           <a:p>
             <a:fld id="{9A36B05C-C2DE-44E4-BADE-01CDA7193642}" type="datetime1">
               <a:rPr lang="en-US" smtClean="0"/>
-              <a:t>6/7/2022</a:t>
+              <a:t>6/8/2022</a:t>
             </a:fld>
             <a:endParaRPr lang="en-US"/>
           </a:p>
@@ -36083,7 +35734,7 @@
           <a:p>
             <a:r>
               <a:rPr lang="en-US" sz="2200" dirty="0"/>
-              <a:t>The number of consecutive valid headers required for synchronization can be mathematically optimized with sufficient data. The performance enhancement would be significant compared to the negligible cost in resources associated.</a:t>
+              <a:t>The number of consecutive valid headers required for synchronization can be mathematically optimized with sufficient data. The performance enhancement would be significant compared to the negligible cost in resources of the additional FPGA resources</a:t>
             </a:r>
           </a:p>
           <a:p>
@@ -36095,7 +35746,7 @@
           <a:p>
             <a:r>
               <a:rPr lang="en-US" sz="2200" dirty="0"/>
-              <a:t>The system can be improved, or a variant can be developed, which address bit flips. The aligners in this project are built to recover quickly from adds or drops but not flips.</a:t>
+              <a:t>The system can be improved, or a variant can be developed, which address bit flips. The aligners in this project are built to recover quickly from adds or drops but not flips</a:t>
             </a:r>
           </a:p>
         </p:txBody>
@@ -36123,7 +35774,7 @@
           <a:p>
             <a:fld id="{0259CA80-CE45-477B-8B19-70EDD097D850}" type="datetime1">
               <a:rPr lang="en-US" smtClean="0"/>
-              <a:t>6/7/2022</a:t>
+              <a:t>6/8/2022</a:t>
             </a:fld>
             <a:endParaRPr lang="en-US"/>
           </a:p>
@@ -36158,6 +35809,36 @@
           </a:p>
         </p:txBody>
       </p:sp>
+      <p:pic>
+        <p:nvPicPr>
+          <p:cNvPr id="5" name="Picture 4">
+            <a:extLst>
+              <a:ext uri="{FF2B5EF4-FFF2-40B4-BE49-F238E27FC236}">
+                <a16:creationId xmlns:a16="http://schemas.microsoft.com/office/drawing/2014/main" id="{8238C401-C9DE-27DF-9D2B-58304887BBF0}"/>
+              </a:ext>
+            </a:extLst>
+          </p:cNvPr>
+          <p:cNvPicPr>
+            <a:picLocks noChangeAspect="1"/>
+          </p:cNvPicPr>
+          <p:nvPr/>
+        </p:nvPicPr>
+        <p:blipFill>
+          <a:blip r:embed="rId2"/>
+          <a:stretch>
+            <a:fillRect/>
+          </a:stretch>
+        </p:blipFill>
+        <p:spPr>
+          <a:xfrm>
+            <a:off x="1423335" y="4729941"/>
+            <a:ext cx="9345329" cy="771633"/>
+          </a:xfrm>
+          <a:prstGeom prst="rect">
+            <a:avLst/>
+          </a:prstGeom>
+        </p:spPr>
+      </p:pic>
     </p:spTree>
     <p:extLst>
       <p:ext uri="{BB962C8B-B14F-4D97-AF65-F5344CB8AC3E}">
@@ -36264,7 +35945,7 @@
           <a:p>
             <a:fld id="{75FFF049-9893-415D-8110-49FCE9D94F9F}" type="datetime1">
               <a:rPr lang="en-US" smtClean="0"/>
-              <a:t>6/7/2022</a:t>
+              <a:t>6/8/2022</a:t>
             </a:fld>
             <a:endParaRPr lang="en-US"/>
           </a:p>
@@ -36405,7 +36086,7 @@
           <a:p>
             <a:fld id="{2E3EF467-3EE3-45F7-A71D-548D2580CAA0}" type="datetime1">
               <a:rPr lang="en-US" smtClean="0"/>
-              <a:t>6/7/2022</a:t>
+              <a:t>6/8/2022</a:t>
             </a:fld>
             <a:endParaRPr lang="en-US"/>
           </a:p>
@@ -36526,7 +36207,7 @@
           <a:p>
             <a:fld id="{2E3EF467-3EE3-45F7-A71D-548D2580CAA0}" type="datetime1">
               <a:rPr lang="en-US" smtClean="0"/>
-              <a:t>6/7/2022</a:t>
+              <a:t>6/8/2022</a:t>
             </a:fld>
             <a:endParaRPr lang="en-US"/>
           </a:p>
@@ -36745,7 +36426,7 @@
           <a:p>
             <a:fld id="{7DD31896-983E-4E0C-BDEF-F227EDD443C4}" type="datetime1">
               <a:rPr lang="en-US" smtClean="0"/>
-              <a:t>6/7/2022</a:t>
+              <a:t>6/8/2022</a:t>
             </a:fld>
             <a:endParaRPr lang="en-US"/>
           </a:p>
@@ -36966,7 +36647,7 @@
           <a:p>
             <a:fld id="{7DD31896-983E-4E0C-BDEF-F227EDD443C4}" type="datetime1">
               <a:rPr lang="en-US" smtClean="0"/>
-              <a:t>6/7/2022</a:t>
+              <a:t>6/8/2022</a:t>
             </a:fld>
             <a:endParaRPr lang="en-US"/>
           </a:p>
@@ -37193,7 +36874,7 @@
           <a:p>
             <a:fld id="{7DD31896-983E-4E0C-BDEF-F227EDD443C4}" type="datetime1">
               <a:rPr lang="en-US" smtClean="0"/>
-              <a:t>6/7/2022</a:t>
+              <a:t>6/8/2022</a:t>
             </a:fld>
             <a:endParaRPr lang="en-US"/>
           </a:p>
@@ -37230,7 +36911,7 @@
       </p:sp>
       <p:graphicFrame>
         <p:nvGraphicFramePr>
-          <p:cNvPr id="7" name="Content Placeholder 6">
+          <p:cNvPr id="9" name="Content Placeholder 8">
             <a:extLst>
               <a:ext uri="{FF2B5EF4-FFF2-40B4-BE49-F238E27FC236}">
                 <a16:creationId xmlns:a16="http://schemas.microsoft.com/office/drawing/2014/main" id="{C2C0E6BF-E921-451A-A7DE-9DCC6F447FB6}"/>
@@ -37335,7 +37016,7 @@
           <a:p>
             <a:fld id="{930A9AD4-28EF-42D4-9B05-578CD78DA8E3}" type="datetime1">
               <a:rPr lang="en-US" smtClean="0"/>
-              <a:t>6/7/2022</a:t>
+              <a:t>6/8/2022</a:t>
             </a:fld>
             <a:endParaRPr lang="en-US"/>
           </a:p>
@@ -37505,7 +37186,7 @@
           <a:p>
             <a:fld id="{2E3EF467-3EE3-45F7-A71D-548D2580CAA0}" type="datetime1">
               <a:rPr lang="en-US" smtClean="0"/>
-              <a:t>6/7/2022</a:t>
+              <a:t>6/8/2022</a:t>
             </a:fld>
             <a:endParaRPr lang="en-US"/>
           </a:p>
@@ -37728,7 +37409,7 @@
           <a:p>
             <a:fld id="{5133EDD4-7A88-49DA-B39F-539DF2443C7B}" type="datetime1">
               <a:rPr lang="en-US" smtClean="0"/>
-              <a:t>6/7/2022</a:t>
+              <a:t>6/8/2022</a:t>
             </a:fld>
             <a:endParaRPr lang="en-US"/>
           </a:p>
@@ -37921,7 +37602,7 @@
           <a:p>
             <a:fld id="{C112D681-0792-4B03-ADA6-E6AB8D37AF33}" type="datetime1">
               <a:rPr lang="en-US" smtClean="0"/>
-              <a:t>6/7/2022</a:t>
+              <a:t>6/8/2022</a:t>
             </a:fld>
             <a:endParaRPr lang="en-US"/>
           </a:p>
@@ -38084,7 +37765,7 @@
           <a:p>
             <a:fld id="{E86CDF48-7545-4DDC-92C3-C6DF3A0F1CA4}" type="datetime1">
               <a:rPr lang="en-US" smtClean="0"/>
-              <a:t>6/7/2022</a:t>
+              <a:t>6/8/2022</a:t>
             </a:fld>
             <a:endParaRPr lang="en-US"/>
           </a:p>
@@ -38311,7 +37992,7 @@
           <a:p>
             <a:fld id="{911B65C5-B274-4416-B3EA-A8F52D474E05}" type="datetime1">
               <a:rPr lang="en-US" smtClean="0"/>
-              <a:t>6/7/2022</a:t>
+              <a:t>6/8/2022</a:t>
             </a:fld>
             <a:endParaRPr lang="en-US" dirty="0"/>
           </a:p>
@@ -38397,214 +38078,6 @@
 </file>
 
 <file path=ppt/slides/slide7.xml><?xml version="1.0" encoding="utf-8"?>
-<p:sld xmlns:a="http://schemas.openxmlformats.org/drawingml/2006/main" xmlns:r="http://schemas.openxmlformats.org/officeDocument/2006/relationships" xmlns:p="http://schemas.openxmlformats.org/presentationml/2006/main">
-  <p:cSld>
-    <p:spTree>
-      <p:nvGrpSpPr>
-        <p:cNvPr id="1" name=""/>
-        <p:cNvGrpSpPr/>
-        <p:nvPr/>
-      </p:nvGrpSpPr>
-      <p:grpSpPr>
-        <a:xfrm>
-          <a:off x="0" y="0"/>
-          <a:ext cx="0" cy="0"/>
-          <a:chOff x="0" y="0"/>
-          <a:chExt cx="0" cy="0"/>
-        </a:xfrm>
-      </p:grpSpPr>
-      <p:sp>
-        <p:nvSpPr>
-          <p:cNvPr id="2" name="Title 1">
-            <a:extLst>
-              <a:ext uri="{FF2B5EF4-FFF2-40B4-BE49-F238E27FC236}">
-                <a16:creationId xmlns:a16="http://schemas.microsoft.com/office/drawing/2014/main" id="{B560DC06-51BB-95E5-79D2-76CF4C64FC59}"/>
-              </a:ext>
-            </a:extLst>
-          </p:cNvPr>
-          <p:cNvSpPr>
-            <a:spLocks noGrp="1"/>
-          </p:cNvSpPr>
-          <p:nvPr>
-            <p:ph type="title"/>
-          </p:nvPr>
-        </p:nvSpPr>
-        <p:spPr/>
-        <p:txBody>
-          <a:bodyPr/>
-          <a:lstStyle/>
-          <a:p>
-            <a:r>
-              <a:rPr lang="en-US" dirty="0"/>
-              <a:t>Communication Tx/Rx</a:t>
-            </a:r>
-          </a:p>
-        </p:txBody>
-      </p:sp>
-      <p:sp>
-        <p:nvSpPr>
-          <p:cNvPr id="3" name="Content Placeholder 2">
-            <a:extLst>
-              <a:ext uri="{FF2B5EF4-FFF2-40B4-BE49-F238E27FC236}">
-                <a16:creationId xmlns:a16="http://schemas.microsoft.com/office/drawing/2014/main" id="{0A409FA9-16F1-7E33-8E4A-A5FECF158E2E}"/>
-              </a:ext>
-            </a:extLst>
-          </p:cNvPr>
-          <p:cNvSpPr>
-            <a:spLocks noGrp="1"/>
-          </p:cNvSpPr>
-          <p:nvPr>
-            <p:ph sz="half" idx="1"/>
-          </p:nvPr>
-        </p:nvSpPr>
-        <p:spPr/>
-        <p:txBody>
-          <a:bodyPr>
-            <a:normAutofit lnSpcReduction="10000"/>
-          </a:bodyPr>
-          <a:lstStyle/>
-          <a:p>
-            <a:r>
-              <a:rPr lang="en-US" sz="2200" dirty="0"/>
-              <a:t>Communication hardware is responsible for the implementation of the 64b/66b protocol</a:t>
-            </a:r>
-          </a:p>
-          <a:p>
-            <a:endParaRPr lang="en-US" sz="2200" dirty="0"/>
-          </a:p>
-          <a:p>
-            <a:r>
-              <a:rPr lang="en-US" sz="2200" dirty="0"/>
-              <a:t>Each block in the Tx has a reverse counterpart in the Rx</a:t>
-            </a:r>
-          </a:p>
-          <a:p>
-            <a:endParaRPr lang="en-US" sz="2200" dirty="0"/>
-          </a:p>
-          <a:p>
-            <a:r>
-              <a:rPr lang="en-US" sz="2200" dirty="0"/>
-              <a:t>The scrambler is responsible for the data formatting features</a:t>
-            </a:r>
-          </a:p>
-          <a:p>
-            <a:endParaRPr lang="en-US" sz="2200" dirty="0"/>
-          </a:p>
-          <a:p>
-            <a:r>
-              <a:rPr lang="en-US" sz="2200" dirty="0"/>
-              <a:t>Gearbox transforms each 66-bit input into two 32-bit outputs</a:t>
-            </a:r>
-          </a:p>
-          <a:p>
-            <a:endParaRPr lang="en-US" dirty="0"/>
-          </a:p>
-          <a:p>
-            <a:endParaRPr lang="en-US" dirty="0"/>
-          </a:p>
-        </p:txBody>
-      </p:sp>
-      <p:sp>
-        <p:nvSpPr>
-          <p:cNvPr id="7" name="Date Placeholder 6">
-            <a:extLst>
-              <a:ext uri="{FF2B5EF4-FFF2-40B4-BE49-F238E27FC236}">
-                <a16:creationId xmlns:a16="http://schemas.microsoft.com/office/drawing/2014/main" id="{09492A52-2D0F-51E2-AA70-EED0F74E436C}"/>
-              </a:ext>
-            </a:extLst>
-          </p:cNvPr>
-          <p:cNvSpPr>
-            <a:spLocks noGrp="1"/>
-          </p:cNvSpPr>
-          <p:nvPr>
-            <p:ph type="dt" sz="half" idx="10"/>
-          </p:nvPr>
-        </p:nvSpPr>
-        <p:spPr/>
-        <p:txBody>
-          <a:bodyPr/>
-          <a:lstStyle/>
-          <a:p>
-            <a:fld id="{63814054-5721-4FB6-B8B0-EA4782F98446}" type="datetime1">
-              <a:rPr lang="en-US" smtClean="0"/>
-              <a:t>6/7/2022</a:t>
-            </a:fld>
-            <a:endParaRPr lang="en-US" dirty="0"/>
-          </a:p>
-        </p:txBody>
-      </p:sp>
-      <p:sp>
-        <p:nvSpPr>
-          <p:cNvPr id="8" name="Slide Number Placeholder 7">
-            <a:extLst>
-              <a:ext uri="{FF2B5EF4-FFF2-40B4-BE49-F238E27FC236}">
-                <a16:creationId xmlns:a16="http://schemas.microsoft.com/office/drawing/2014/main" id="{9850590D-46D7-B636-1D25-BDEE154DE32E}"/>
-              </a:ext>
-            </a:extLst>
-          </p:cNvPr>
-          <p:cNvSpPr>
-            <a:spLocks noGrp="1"/>
-          </p:cNvSpPr>
-          <p:nvPr>
-            <p:ph type="sldNum" sz="quarter" idx="12"/>
-          </p:nvPr>
-        </p:nvSpPr>
-        <p:spPr/>
-        <p:txBody>
-          <a:bodyPr/>
-          <a:lstStyle/>
-          <a:p>
-            <a:fld id="{68553B78-4CD9-4DCE-A594-540EA923ABD2}" type="slidenum">
-              <a:rPr lang="en-US" smtClean="0"/>
-              <a:t>7</a:t>
-            </a:fld>
-            <a:endParaRPr lang="en-US"/>
-          </a:p>
-        </p:txBody>
-      </p:sp>
-      <p:pic>
-        <p:nvPicPr>
-          <p:cNvPr id="10" name="Content Placeholder 9">
-            <a:extLst>
-              <a:ext uri="{FF2B5EF4-FFF2-40B4-BE49-F238E27FC236}">
-                <a16:creationId xmlns:a16="http://schemas.microsoft.com/office/drawing/2014/main" id="{15AA8E8E-A1C7-CA14-A6D8-F5E87415882E}"/>
-              </a:ext>
-            </a:extLst>
-          </p:cNvPr>
-          <p:cNvPicPr>
-            <a:picLocks noGrp="1" noChangeAspect="1"/>
-          </p:cNvPicPr>
-          <p:nvPr>
-            <p:ph sz="half" idx="2"/>
-          </p:nvPr>
-        </p:nvPicPr>
-        <p:blipFill>
-          <a:blip r:embed="rId2"/>
-          <a:stretch>
-            <a:fillRect/>
-          </a:stretch>
-        </p:blipFill>
-        <p:spPr>
-          <a:xfrm>
-            <a:off x="5996615" y="1691128"/>
-            <a:ext cx="5480037" cy="4665221"/>
-          </a:xfrm>
-        </p:spPr>
-      </p:pic>
-    </p:spTree>
-    <p:extLst>
-      <p:ext uri="{BB962C8B-B14F-4D97-AF65-F5344CB8AC3E}">
-        <p14:creationId xmlns:p14="http://schemas.microsoft.com/office/powerpoint/2010/main" val="2922217201"/>
-      </p:ext>
-    </p:extLst>
-  </p:cSld>
-  <p:clrMapOvr>
-    <a:masterClrMapping/>
-  </p:clrMapOvr>
-</p:sld>
-</file>
-
-<file path=ppt/slides/slide8.xml><?xml version="1.0" encoding="utf-8"?>
 <p:sld xmlns:a="http://schemas.openxmlformats.org/drawingml/2006/main" xmlns:r="http://schemas.openxmlformats.org/officeDocument/2006/relationships" xmlns:p="http://schemas.openxmlformats.org/presentationml/2006/main">
   <p:cSld>
     <p:spTree>
@@ -38754,7 +38227,7 @@
           <a:p>
             <a:fld id="{40228D71-61CE-4B3D-99FA-0B2A0CDA6999}" type="datetime1">
               <a:rPr lang="en-US" smtClean="0"/>
-              <a:t>6/7/2022</a:t>
+              <a:t>6/8/2022</a:t>
             </a:fld>
             <a:endParaRPr lang="en-US"/>
           </a:p>
@@ -38783,7 +38256,7 @@
           <a:p>
             <a:fld id="{68553B78-4CD9-4DCE-A594-540EA923ABD2}" type="slidenum">
               <a:rPr lang="en-US" smtClean="0"/>
-              <a:t>8</a:t>
+              <a:t>7</a:t>
             </a:fld>
             <a:endParaRPr lang="en-US"/>
           </a:p>
@@ -38793,6 +38266,214 @@
     <p:extLst>
       <p:ext uri="{BB962C8B-B14F-4D97-AF65-F5344CB8AC3E}">
         <p14:creationId xmlns:p14="http://schemas.microsoft.com/office/powerpoint/2010/main" val="2337647669"/>
+      </p:ext>
+    </p:extLst>
+  </p:cSld>
+  <p:clrMapOvr>
+    <a:masterClrMapping/>
+  </p:clrMapOvr>
+</p:sld>
+</file>
+
+<file path=ppt/slides/slide8.xml><?xml version="1.0" encoding="utf-8"?>
+<p:sld xmlns:a="http://schemas.openxmlformats.org/drawingml/2006/main" xmlns:r="http://schemas.openxmlformats.org/officeDocument/2006/relationships" xmlns:p="http://schemas.openxmlformats.org/presentationml/2006/main">
+  <p:cSld>
+    <p:spTree>
+      <p:nvGrpSpPr>
+        <p:cNvPr id="1" name=""/>
+        <p:cNvGrpSpPr/>
+        <p:nvPr/>
+      </p:nvGrpSpPr>
+      <p:grpSpPr>
+        <a:xfrm>
+          <a:off x="0" y="0"/>
+          <a:ext cx="0" cy="0"/>
+          <a:chOff x="0" y="0"/>
+          <a:chExt cx="0" cy="0"/>
+        </a:xfrm>
+      </p:grpSpPr>
+      <p:sp>
+        <p:nvSpPr>
+          <p:cNvPr id="2" name="Title 1">
+            <a:extLst>
+              <a:ext uri="{FF2B5EF4-FFF2-40B4-BE49-F238E27FC236}">
+                <a16:creationId xmlns:a16="http://schemas.microsoft.com/office/drawing/2014/main" id="{B560DC06-51BB-95E5-79D2-76CF4C64FC59}"/>
+              </a:ext>
+            </a:extLst>
+          </p:cNvPr>
+          <p:cNvSpPr>
+            <a:spLocks noGrp="1"/>
+          </p:cNvSpPr>
+          <p:nvPr>
+            <p:ph type="title"/>
+          </p:nvPr>
+        </p:nvSpPr>
+        <p:spPr/>
+        <p:txBody>
+          <a:bodyPr/>
+          <a:lstStyle/>
+          <a:p>
+            <a:r>
+              <a:rPr lang="en-US" dirty="0"/>
+              <a:t>Communication Tx/Rx</a:t>
+            </a:r>
+          </a:p>
+        </p:txBody>
+      </p:sp>
+      <p:sp>
+        <p:nvSpPr>
+          <p:cNvPr id="3" name="Content Placeholder 2">
+            <a:extLst>
+              <a:ext uri="{FF2B5EF4-FFF2-40B4-BE49-F238E27FC236}">
+                <a16:creationId xmlns:a16="http://schemas.microsoft.com/office/drawing/2014/main" id="{0A409FA9-16F1-7E33-8E4A-A5FECF158E2E}"/>
+              </a:ext>
+            </a:extLst>
+          </p:cNvPr>
+          <p:cNvSpPr>
+            <a:spLocks noGrp="1"/>
+          </p:cNvSpPr>
+          <p:nvPr>
+            <p:ph sz="half" idx="1"/>
+          </p:nvPr>
+        </p:nvSpPr>
+        <p:spPr/>
+        <p:txBody>
+          <a:bodyPr>
+            <a:normAutofit lnSpcReduction="10000"/>
+          </a:bodyPr>
+          <a:lstStyle/>
+          <a:p>
+            <a:r>
+              <a:rPr lang="en-US" sz="2200" dirty="0"/>
+              <a:t>Communication hardware is responsible for the implementation of the 64b/66b protocol</a:t>
+            </a:r>
+          </a:p>
+          <a:p>
+            <a:endParaRPr lang="en-US" sz="2200" dirty="0"/>
+          </a:p>
+          <a:p>
+            <a:r>
+              <a:rPr lang="en-US" sz="2200" dirty="0"/>
+              <a:t>Each block in the Tx has a reverse counterpart in the Rx</a:t>
+            </a:r>
+          </a:p>
+          <a:p>
+            <a:endParaRPr lang="en-US" sz="2200" dirty="0"/>
+          </a:p>
+          <a:p>
+            <a:r>
+              <a:rPr lang="en-US" sz="2200" dirty="0"/>
+              <a:t>The scrambler effectively randomizes the payload for an even number of ones and zeros</a:t>
+            </a:r>
+          </a:p>
+          <a:p>
+            <a:endParaRPr lang="en-US" sz="2200" dirty="0"/>
+          </a:p>
+          <a:p>
+            <a:r>
+              <a:rPr lang="en-US" sz="2200" dirty="0"/>
+              <a:t>Gearbox transforms each 66-bit input into two 32-bit outputs</a:t>
+            </a:r>
+          </a:p>
+          <a:p>
+            <a:endParaRPr lang="en-US" dirty="0"/>
+          </a:p>
+          <a:p>
+            <a:endParaRPr lang="en-US" dirty="0"/>
+          </a:p>
+        </p:txBody>
+      </p:sp>
+      <p:sp>
+        <p:nvSpPr>
+          <p:cNvPr id="7" name="Date Placeholder 6">
+            <a:extLst>
+              <a:ext uri="{FF2B5EF4-FFF2-40B4-BE49-F238E27FC236}">
+                <a16:creationId xmlns:a16="http://schemas.microsoft.com/office/drawing/2014/main" id="{09492A52-2D0F-51E2-AA70-EED0F74E436C}"/>
+              </a:ext>
+            </a:extLst>
+          </p:cNvPr>
+          <p:cNvSpPr>
+            <a:spLocks noGrp="1"/>
+          </p:cNvSpPr>
+          <p:nvPr>
+            <p:ph type="dt" sz="half" idx="10"/>
+          </p:nvPr>
+        </p:nvSpPr>
+        <p:spPr/>
+        <p:txBody>
+          <a:bodyPr/>
+          <a:lstStyle/>
+          <a:p>
+            <a:fld id="{63814054-5721-4FB6-B8B0-EA4782F98446}" type="datetime1">
+              <a:rPr lang="en-US" smtClean="0"/>
+              <a:t>6/8/2022</a:t>
+            </a:fld>
+            <a:endParaRPr lang="en-US" dirty="0"/>
+          </a:p>
+        </p:txBody>
+      </p:sp>
+      <p:sp>
+        <p:nvSpPr>
+          <p:cNvPr id="8" name="Slide Number Placeholder 7">
+            <a:extLst>
+              <a:ext uri="{FF2B5EF4-FFF2-40B4-BE49-F238E27FC236}">
+                <a16:creationId xmlns:a16="http://schemas.microsoft.com/office/drawing/2014/main" id="{9850590D-46D7-B636-1D25-BDEE154DE32E}"/>
+              </a:ext>
+            </a:extLst>
+          </p:cNvPr>
+          <p:cNvSpPr>
+            <a:spLocks noGrp="1"/>
+          </p:cNvSpPr>
+          <p:nvPr>
+            <p:ph type="sldNum" sz="quarter" idx="12"/>
+          </p:nvPr>
+        </p:nvSpPr>
+        <p:spPr/>
+        <p:txBody>
+          <a:bodyPr/>
+          <a:lstStyle/>
+          <a:p>
+            <a:fld id="{68553B78-4CD9-4DCE-A594-540EA923ABD2}" type="slidenum">
+              <a:rPr lang="en-US" smtClean="0"/>
+              <a:t>8</a:t>
+            </a:fld>
+            <a:endParaRPr lang="en-US"/>
+          </a:p>
+        </p:txBody>
+      </p:sp>
+      <p:pic>
+        <p:nvPicPr>
+          <p:cNvPr id="10" name="Content Placeholder 9">
+            <a:extLst>
+              <a:ext uri="{FF2B5EF4-FFF2-40B4-BE49-F238E27FC236}">
+                <a16:creationId xmlns:a16="http://schemas.microsoft.com/office/drawing/2014/main" id="{15AA8E8E-A1C7-CA14-A6D8-F5E87415882E}"/>
+              </a:ext>
+            </a:extLst>
+          </p:cNvPr>
+          <p:cNvPicPr>
+            <a:picLocks noGrp="1" noChangeAspect="1"/>
+          </p:cNvPicPr>
+          <p:nvPr>
+            <p:ph sz="half" idx="2"/>
+          </p:nvPr>
+        </p:nvPicPr>
+        <p:blipFill>
+          <a:blip r:embed="rId2"/>
+          <a:stretch>
+            <a:fillRect/>
+          </a:stretch>
+        </p:blipFill>
+        <p:spPr>
+          <a:xfrm>
+            <a:off x="5996615" y="1691128"/>
+            <a:ext cx="5480037" cy="4665221"/>
+          </a:xfrm>
+        </p:spPr>
+      </p:pic>
+    </p:spTree>
+    <p:extLst>
+      <p:ext uri="{BB962C8B-B14F-4D97-AF65-F5344CB8AC3E}">
+        <p14:creationId xmlns:p14="http://schemas.microsoft.com/office/powerpoint/2010/main" val="2922217201"/>
       </p:ext>
     </p:extLst>
   </p:cSld>
@@ -38955,7 +38636,7 @@
           <a:p>
             <a:fld id="{440BB558-EAAC-4397-A89A-843AD3024D3A}" type="datetime1">
               <a:rPr lang="en-US" smtClean="0"/>
-              <a:t>6/7/2022</a:t>
+              <a:t>6/8/2022</a:t>
             </a:fld>
             <a:endParaRPr lang="en-US"/>
           </a:p>

--- a/docs/thesis/Thesis Defense.pptx
+++ b/docs/thesis/Thesis Defense.pptx
@@ -32944,7 +32944,7 @@
             </a:r>
             <a:r>
               <a:rPr lang="en-US" dirty="0"/>
-              <a:t> of June, 2022</a:t>
+              <a:t> of June 2022</a:t>
             </a:r>
           </a:p>
         </p:txBody>
